--- a/Presentationsmaterial/Dokument/1.6 CRUD, Layout Pages och Partial Views.pptx
+++ b/Presentationsmaterial/Dokument/1.6 CRUD, Layout Pages och Partial Views.pptx
@@ -5,20 +5,21 @@
     <p:sldMasterId id="2147483773" r:id="rId1"/>
   </p:sldMasterIdLst>
   <p:notesMasterIdLst>
-    <p:notesMasterId r:id="rId13"/>
+    <p:notesMasterId r:id="rId14"/>
   </p:notesMasterIdLst>
   <p:sldIdLst>
     <p:sldId id="256" r:id="rId2"/>
-    <p:sldId id="258" r:id="rId3"/>
-    <p:sldId id="257" r:id="rId4"/>
-    <p:sldId id="259" r:id="rId5"/>
-    <p:sldId id="260" r:id="rId6"/>
-    <p:sldId id="261" r:id="rId7"/>
-    <p:sldId id="262" r:id="rId8"/>
-    <p:sldId id="263" r:id="rId9"/>
-    <p:sldId id="264" r:id="rId10"/>
-    <p:sldId id="265" r:id="rId11"/>
-    <p:sldId id="266" r:id="rId12"/>
+    <p:sldId id="267" r:id="rId3"/>
+    <p:sldId id="258" r:id="rId4"/>
+    <p:sldId id="257" r:id="rId5"/>
+    <p:sldId id="259" r:id="rId6"/>
+    <p:sldId id="260" r:id="rId7"/>
+    <p:sldId id="261" r:id="rId8"/>
+    <p:sldId id="262" r:id="rId9"/>
+    <p:sldId id="263" r:id="rId10"/>
+    <p:sldId id="264" r:id="rId11"/>
+    <p:sldId id="265" r:id="rId12"/>
+    <p:sldId id="266" r:id="rId13"/>
   </p:sldIdLst>
   <p:sldSz cx="9144000" cy="5715000" type="screen16x10"/>
   <p:notesSz cx="6858000" cy="9144000"/>
@@ -548,7 +549,7 @@
           <a:bodyPr/>
           <a:lstStyle/>
           <a:p>
-            <a:endParaRPr lang="sv-SE" dirty="0"/>
+            <a:endParaRPr lang="sv-SE"/>
           </a:p>
         </p:txBody>
       </p:sp>
@@ -567,10 +568,95 @@
           <a:bodyPr/>
           <a:lstStyle/>
           <a:p>
+            <a:fld id="{3C8D67EE-7982-4113-A2C5-528CD89F9574}" type="slidenum">
+              <a:rPr lang="sv-SE" smtClean="0"/>
+              <a:pPr/>
+              <a:t>2</a:t>
+            </a:fld>
+            <a:endParaRPr lang="sv-SE"/>
+          </a:p>
+        </p:txBody>
+      </p:sp>
+    </p:spTree>
+    <p:extLst>
+      <p:ext uri="{BB962C8B-B14F-4D97-AF65-F5344CB8AC3E}">
+        <p14:creationId xmlns:p14="http://schemas.microsoft.com/office/powerpoint/2010/main" val="1427239921"/>
+      </p:ext>
+    </p:extLst>
+  </p:cSld>
+  <p:clrMapOvr>
+    <a:masterClrMapping/>
+  </p:clrMapOvr>
+</p:notes>
+</file>
+
+<file path=ppt/notesSlides/notesSlide2.xml><?xml version="1.0" encoding="utf-8"?>
+<p:notes xmlns:a="http://schemas.openxmlformats.org/drawingml/2006/main" xmlns:r="http://schemas.openxmlformats.org/officeDocument/2006/relationships" xmlns:p="http://schemas.openxmlformats.org/presentationml/2006/main">
+  <p:cSld>
+    <p:spTree>
+      <p:nvGrpSpPr>
+        <p:cNvPr id="1" name=""/>
+        <p:cNvGrpSpPr/>
+        <p:nvPr/>
+      </p:nvGrpSpPr>
+      <p:grpSpPr>
+        <a:xfrm>
+          <a:off x="0" y="0"/>
+          <a:ext cx="0" cy="0"/>
+          <a:chOff x="0" y="0"/>
+          <a:chExt cx="0" cy="0"/>
+        </a:xfrm>
+      </p:grpSpPr>
+      <p:sp>
+        <p:nvSpPr>
+          <p:cNvPr id="2" name="Platshållare för bildobjekt 1"/>
+          <p:cNvSpPr>
+            <a:spLocks noGrp="1" noRot="1" noChangeAspect="1"/>
+          </p:cNvSpPr>
+          <p:nvPr>
+            <p:ph type="sldImg"/>
+          </p:nvPr>
+        </p:nvSpPr>
+        <p:spPr/>
+      </p:sp>
+      <p:sp>
+        <p:nvSpPr>
+          <p:cNvPr id="3" name="Platshållare för anteckningar 2"/>
+          <p:cNvSpPr>
+            <a:spLocks noGrp="1"/>
+          </p:cNvSpPr>
+          <p:nvPr>
+            <p:ph type="body" idx="1"/>
+          </p:nvPr>
+        </p:nvSpPr>
+        <p:spPr/>
+        <p:txBody>
+          <a:bodyPr/>
+          <a:lstStyle/>
+          <a:p>
+            <a:endParaRPr lang="sv-SE" dirty="0"/>
+          </a:p>
+        </p:txBody>
+      </p:sp>
+      <p:sp>
+        <p:nvSpPr>
+          <p:cNvPr id="4" name="Platshållare för bildnummer 3"/>
+          <p:cNvSpPr>
+            <a:spLocks noGrp="1"/>
+          </p:cNvSpPr>
+          <p:nvPr>
+            <p:ph type="sldNum" sz="quarter" idx="10"/>
+          </p:nvPr>
+        </p:nvSpPr>
+        <p:spPr/>
+        <p:txBody>
+          <a:bodyPr/>
+          <a:lstStyle/>
+          <a:p>
             <a:fld id="{4A768DEE-9E78-4909-9AEA-CE989E8CF6FD}" type="slidenum">
               <a:rPr lang="sv-SE" smtClean="0"/>
               <a:pPr/>
-              <a:t>3</a:t>
+              <a:t>4</a:t>
             </a:fld>
             <a:endParaRPr lang="sv-SE" dirty="0"/>
           </a:p>
@@ -3131,7 +3217,19 @@
                 <a:latin typeface="Times New Roman" pitchFamily="18" charset="0"/>
                 <a:cs typeface="Times New Roman" pitchFamily="18" charset="0"/>
               </a:rPr>
-              <a:t>(13)</a:t>
+              <a:t>(</a:t>
+            </a:r>
+            <a:r>
+              <a:rPr lang="en-US" sz="700" dirty="0" smtClean="0">
+                <a:solidFill>
+                  <a:schemeClr val="bg1">
+                    <a:lumMod val="75000"/>
+                  </a:schemeClr>
+                </a:solidFill>
+                <a:latin typeface="Times New Roman" pitchFamily="18" charset="0"/>
+                <a:cs typeface="Times New Roman" pitchFamily="18" charset="0"/>
+              </a:rPr>
+              <a:t>12)</a:t>
             </a:r>
             <a:endParaRPr lang="en-US" sz="700" dirty="0">
               <a:solidFill>
@@ -3802,6 +3900,298 @@
           <a:chExt cx="0" cy="0"/>
         </a:xfrm>
       </p:grpSpPr>
+      <p:sp>
+        <p:nvSpPr>
+          <p:cNvPr id="3" name="Platshållare för innehåll 2"/>
+          <p:cNvSpPr>
+            <a:spLocks noGrp="1"/>
+          </p:cNvSpPr>
+          <p:nvPr>
+            <p:ph idx="1"/>
+          </p:nvPr>
+        </p:nvSpPr>
+        <p:spPr>
+          <a:xfrm>
+            <a:off x="429064" y="824597"/>
+            <a:ext cx="8229600" cy="4619625"/>
+          </a:xfrm>
+        </p:spPr>
+        <p:txBody>
+          <a:bodyPr/>
+          <a:lstStyle/>
+          <a:p>
+            <a:r>
+              <a:rPr lang="sv-SE" dirty="0" smtClean="0"/>
+              <a:t>Det redigerade födelsedatat postas till en </a:t>
+            </a:r>
+            <a:r>
+              <a:rPr lang="sv-SE" i="1" dirty="0" smtClean="0"/>
+              <a:t>action method</a:t>
+            </a:r>
+            <a:r>
+              <a:rPr lang="sv-SE" dirty="0" smtClean="0"/>
+              <a:t> med namnet </a:t>
+            </a:r>
+            <a:r>
+              <a:rPr lang="sv-SE" sz="1600" dirty="0" smtClean="0">
+                <a:latin typeface="Courier New" pitchFamily="49" charset="0"/>
+                <a:cs typeface="Courier New" pitchFamily="49" charset="0"/>
+              </a:rPr>
+              <a:t>Edit</a:t>
+            </a:r>
+            <a:r>
+              <a:rPr lang="sv-SE" dirty="0" smtClean="0"/>
+              <a:t>, som skapar ett </a:t>
+            </a:r>
+            <a:r>
+              <a:rPr lang="sv-SE" sz="1600" dirty="0" smtClean="0">
+                <a:latin typeface="Courier New" pitchFamily="49" charset="0"/>
+                <a:cs typeface="Courier New" pitchFamily="49" charset="0"/>
+              </a:rPr>
+              <a:t>Birthdate</a:t>
+            </a:r>
+            <a:r>
+              <a:rPr lang="sv-SE" dirty="0" smtClean="0"/>
+              <a:t>-objekt, </a:t>
+            </a:r>
+            <a:r>
+              <a:rPr lang="sv-SE" dirty="0" smtClean="0"/>
+              <a:t>utifrån datat i formuläret, </a:t>
+            </a:r>
+            <a:r>
+              <a:rPr lang="sv-SE" dirty="0" smtClean="0"/>
+              <a:t>uppdaterar objektet, sparar det i databasen och visar ett rättmeddelande</a:t>
+            </a:r>
+            <a:r>
+              <a:rPr lang="sv-SE" dirty="0" smtClean="0"/>
+              <a:t>. Inträffar fel visas formuläret innehållande felmeddelande(n).</a:t>
+            </a:r>
+            <a:endParaRPr lang="sv-SE" dirty="0" smtClean="0"/>
+          </a:p>
+        </p:txBody>
+      </p:sp>
+      <p:pic>
+        <p:nvPicPr>
+          <p:cNvPr id="8195" name="Picture 3"/>
+          <p:cNvPicPr>
+            <a:picLocks noChangeAspect="1" noChangeArrowheads="1"/>
+          </p:cNvPicPr>
+          <p:nvPr/>
+        </p:nvPicPr>
+        <p:blipFill>
+          <a:blip r:embed="rId2">
+            <a:extLst>
+              <a:ext uri="{28A0092B-C50C-407E-A947-70E740481C1C}">
+                <a14:useLocalDpi xmlns:a14="http://schemas.microsoft.com/office/drawing/2010/main" val="0"/>
+              </a:ext>
+            </a:extLst>
+          </a:blip>
+          <a:srcRect/>
+          <a:stretch>
+            <a:fillRect/>
+          </a:stretch>
+        </p:blipFill>
+        <p:spPr bwMode="auto">
+          <a:xfrm rot="420000">
+            <a:off x="4595825" y="2900830"/>
+            <a:ext cx="3573333" cy="1860000"/>
+          </a:xfrm>
+          <a:prstGeom prst="rect">
+            <a:avLst/>
+          </a:prstGeom>
+          <a:solidFill>
+            <a:srgbClr val="FFFFFF">
+              <a:shade val="85000"/>
+            </a:srgbClr>
+          </a:solidFill>
+          <a:ln w="190500" cap="sq">
+            <a:solidFill>
+              <a:srgbClr val="FFFFFF"/>
+            </a:solidFill>
+            <a:miter lim="800000"/>
+          </a:ln>
+          <a:effectLst>
+            <a:outerShdw blurRad="65000" dist="50800" dir="12900000" kx="195000" ky="145000" algn="tl" rotWithShape="0">
+              <a:srgbClr val="000000">
+                <a:alpha val="30000"/>
+              </a:srgbClr>
+            </a:outerShdw>
+          </a:effectLst>
+          <a:scene3d>
+            <a:camera prst="orthographicFront">
+              <a:rot lat="0" lon="0" rev="360000"/>
+            </a:camera>
+            <a:lightRig rig="twoPt" dir="t">
+              <a:rot lat="0" lon="0" rev="7200000"/>
+            </a:lightRig>
+          </a:scene3d>
+          <a:sp3d contourW="12700">
+            <a:bevelT w="25400" h="19050"/>
+            <a:contourClr>
+              <a:srgbClr val="969696"/>
+            </a:contourClr>
+          </a:sp3d>
+          <a:extLst>
+            <a:ext uri="{909E8E84-426E-40DD-AFC4-6F175D3DCCD1}">
+              <a14:hiddenFill xmlns:a14="http://schemas.microsoft.com/office/drawing/2010/main">
+                <a:solidFill>
+                  <a:schemeClr val="accent1"/>
+                </a:solidFill>
+              </a14:hiddenFill>
+            </a:ext>
+            <a:ext uri="{91240B29-F687-4F45-9708-019B960494DF}">
+              <a14:hiddenLine xmlns:a14="http://schemas.microsoft.com/office/drawing/2010/main" w="9525">
+                <a:solidFill>
+                  <a:schemeClr val="tx1"/>
+                </a:solidFill>
+                <a:miter lim="800000"/>
+                <a:headEnd/>
+                <a:tailEnd/>
+              </a14:hiddenLine>
+            </a:ext>
+          </a:extLst>
+        </p:spPr>
+      </p:pic>
+      <p:pic>
+        <p:nvPicPr>
+          <p:cNvPr id="8197" name="Picture 5"/>
+          <p:cNvPicPr>
+            <a:picLocks noChangeAspect="1" noChangeArrowheads="1"/>
+          </p:cNvPicPr>
+          <p:nvPr/>
+        </p:nvPicPr>
+        <p:blipFill>
+          <a:blip r:embed="rId3">
+            <a:extLst>
+              <a:ext uri="{28A0092B-C50C-407E-A947-70E740481C1C}">
+                <a14:useLocalDpi xmlns:a14="http://schemas.microsoft.com/office/drawing/2010/main" val="0"/>
+              </a:ext>
+            </a:extLst>
+          </a:blip>
+          <a:srcRect/>
+          <a:stretch>
+            <a:fillRect/>
+          </a:stretch>
+        </p:blipFill>
+        <p:spPr bwMode="auto">
+          <a:xfrm>
+            <a:off x="956251" y="2537497"/>
+            <a:ext cx="3473334" cy="2586667"/>
+          </a:xfrm>
+          <a:prstGeom prst="rect">
+            <a:avLst/>
+          </a:prstGeom>
+          <a:solidFill>
+            <a:srgbClr val="FFFFFF">
+              <a:shade val="85000"/>
+            </a:srgbClr>
+          </a:solidFill>
+          <a:ln w="190500" cap="sq">
+            <a:solidFill>
+              <a:srgbClr val="FFFFFF"/>
+            </a:solidFill>
+            <a:miter lim="800000"/>
+          </a:ln>
+          <a:effectLst>
+            <a:outerShdw blurRad="65000" dist="50800" dir="12900000" kx="195000" ky="145000" algn="tl" rotWithShape="0">
+              <a:srgbClr val="000000">
+                <a:alpha val="30000"/>
+              </a:srgbClr>
+            </a:outerShdw>
+          </a:effectLst>
+          <a:scene3d>
+            <a:camera prst="orthographicFront">
+              <a:rot lat="0" lon="0" rev="360000"/>
+            </a:camera>
+            <a:lightRig rig="twoPt" dir="t">
+              <a:rot lat="0" lon="0" rev="7200000"/>
+            </a:lightRig>
+          </a:scene3d>
+          <a:sp3d contourW="12700">
+            <a:bevelT w="25400" h="19050"/>
+            <a:contourClr>
+              <a:srgbClr val="969696"/>
+            </a:contourClr>
+          </a:sp3d>
+          <a:extLst>
+            <a:ext uri="{909E8E84-426E-40DD-AFC4-6F175D3DCCD1}">
+              <a14:hiddenFill xmlns:a14="http://schemas.microsoft.com/office/drawing/2010/main">
+                <a:solidFill>
+                  <a:schemeClr val="accent1"/>
+                </a:solidFill>
+              </a14:hiddenFill>
+            </a:ext>
+            <a:ext uri="{91240B29-F687-4F45-9708-019B960494DF}">
+              <a14:hiddenLine xmlns:a14="http://schemas.microsoft.com/office/drawing/2010/main" w="9525">
+                <a:solidFill>
+                  <a:schemeClr val="tx1"/>
+                </a:solidFill>
+                <a:miter lim="800000"/>
+                <a:headEnd/>
+                <a:tailEnd/>
+              </a14:hiddenLine>
+            </a:ext>
+          </a:extLst>
+        </p:spPr>
+      </p:pic>
+      <p:sp>
+        <p:nvSpPr>
+          <p:cNvPr id="2" name="Rubrik 1"/>
+          <p:cNvSpPr>
+            <a:spLocks noGrp="1"/>
+          </p:cNvSpPr>
+          <p:nvPr>
+            <p:ph type="title"/>
+          </p:nvPr>
+        </p:nvSpPr>
+        <p:spPr/>
+        <p:txBody>
+          <a:bodyPr/>
+          <a:lstStyle/>
+          <a:p>
+            <a:r>
+              <a:rPr lang="sv-SE" dirty="0" smtClean="0"/>
+              <a:t>Spara redigerat födelsedata</a:t>
+            </a:r>
+            <a:endParaRPr lang="sv-SE" dirty="0"/>
+          </a:p>
+        </p:txBody>
+      </p:sp>
+    </p:spTree>
+  </p:cSld>
+  <p:clrMapOvr>
+    <a:masterClrMapping/>
+  </p:clrMapOvr>
+  <p:transition>
+    <p:random/>
+  </p:transition>
+  <p:timing>
+    <p:tnLst>
+      <p:par>
+        <p:cTn id="1" dur="indefinite" restart="never" nodeType="tmRoot"/>
+      </p:par>
+    </p:tnLst>
+  </p:timing>
+</p:sld>
+</file>
+
+<file path=ppt/slides/slide11.xml><?xml version="1.0" encoding="utf-8"?>
+<p:sld xmlns:a="http://schemas.openxmlformats.org/drawingml/2006/main" xmlns:r="http://schemas.openxmlformats.org/officeDocument/2006/relationships" xmlns:p="http://schemas.openxmlformats.org/presentationml/2006/main">
+  <p:cSld>
+    <p:spTree>
+      <p:nvGrpSpPr>
+        <p:cNvPr id="1" name=""/>
+        <p:cNvGrpSpPr/>
+        <p:nvPr/>
+      </p:nvGrpSpPr>
+      <p:grpSpPr>
+        <a:xfrm>
+          <a:off x="0" y="0"/>
+          <a:ext cx="0" cy="0"/>
+          <a:chOff x="0" y="0"/>
+          <a:chExt cx="0" cy="0"/>
+        </a:xfrm>
+      </p:grpSpPr>
       <p:pic>
         <p:nvPicPr>
           <p:cNvPr id="9219" name="Picture 3"/>
@@ -4109,7 +4499,7 @@
       </p:pic>
       <p:pic>
         <p:nvPicPr>
-          <p:cNvPr id="9222" name="Picture 6"/>
+          <p:cNvPr id="9224" name="Picture 8"/>
           <p:cNvPicPr>
             <a:picLocks noChangeAspect="1" noChangeArrowheads="1"/>
           </p:cNvPicPr>
@@ -4130,8 +4520,8 @@
         </p:blipFill>
         <p:spPr bwMode="auto">
           <a:xfrm rot="600000">
-            <a:off x="5880969" y="2906995"/>
-            <a:ext cx="4080953" cy="1938096"/>
+            <a:off x="5873832" y="2908850"/>
+            <a:ext cx="4095239" cy="1857143"/>
           </a:xfrm>
           <a:prstGeom prst="rect">
             <a:avLst/>
@@ -4312,7 +4702,7 @@
 </p:sld>
 </file>
 
-<file path=ppt/slides/slide11.xml><?xml version="1.0" encoding="utf-8"?>
+<file path=ppt/slides/slide12.xml><?xml version="1.0" encoding="utf-8"?>
 <p:sld xmlns:a="http://schemas.openxmlformats.org/drawingml/2006/main" xmlns:r="http://schemas.openxmlformats.org/officeDocument/2006/relationships" xmlns:p="http://schemas.openxmlformats.org/presentationml/2006/main">
   <p:cSld>
     <p:spTree>
@@ -4329,9 +4719,74 @@
           <a:chExt cx="0" cy="0"/>
         </a:xfrm>
       </p:grpSpPr>
+      <p:sp>
+        <p:nvSpPr>
+          <p:cNvPr id="16" name="Ellips 15"/>
+          <p:cNvSpPr/>
+          <p:nvPr/>
+        </p:nvSpPr>
+        <p:spPr bwMode="auto">
+          <a:xfrm>
+            <a:off x="5434337" y="3109215"/>
+            <a:ext cx="118412" cy="118412"/>
+          </a:xfrm>
+          <a:prstGeom prst="ellipse">
+            <a:avLst/>
+          </a:prstGeom>
+          <a:solidFill>
+            <a:schemeClr val="accent1"/>
+          </a:solidFill>
+          <a:ln w="9525" cap="flat" cmpd="sng" algn="ctr">
+            <a:solidFill>
+              <a:schemeClr val="tx1"/>
+            </a:solidFill>
+            <a:prstDash val="solid"/>
+            <a:round/>
+            <a:headEnd type="none" w="med" len="med"/>
+            <a:tailEnd type="none" w="med" len="med"/>
+          </a:ln>
+          <a:effectLst/>
+        </p:spPr>
+        <p:txBody>
+          <a:bodyPr vert="horz" wrap="square" lIns="90488" tIns="44450" rIns="90488" bIns="44450" numCol="1" rtlCol="0" anchor="t" anchorCtr="0" compatLnSpc="1">
+            <a:prstTxWarp prst="textNoShape">
+              <a:avLst/>
+            </a:prstTxWarp>
+          </a:bodyPr>
+          <a:lstStyle/>
+          <a:p>
+            <a:pPr marL="0" marR="0" indent="0" algn="l" defTabSz="914400" rtl="0" eaLnBrk="1" fontAlgn="base" latinLnBrk="0" hangingPunct="1">
+              <a:lnSpc>
+                <a:spcPct val="100000"/>
+              </a:lnSpc>
+              <a:spcBef>
+                <a:spcPct val="0"/>
+              </a:spcBef>
+              <a:spcAft>
+                <a:spcPct val="0"/>
+              </a:spcAft>
+              <a:buClrTx/>
+              <a:buSzTx/>
+              <a:buFontTx/>
+              <a:buNone/>
+              <a:tabLst/>
+            </a:pPr>
+            <a:endParaRPr kumimoji="0" lang="sv-SE" sz="1800" b="0" i="0" u="none" strike="noStrike" cap="none" normalizeH="0" baseline="0" smtClean="0">
+              <a:ln>
+                <a:noFill/>
+              </a:ln>
+              <a:solidFill>
+                <a:schemeClr val="tx1"/>
+              </a:solidFill>
+              <a:effectLst/>
+              <a:latin typeface="Arial" charset="0"/>
+            </a:endParaRPr>
+          </a:p>
+        </p:txBody>
+      </p:sp>
       <p:pic>
         <p:nvPicPr>
-          <p:cNvPr id="6146" name="Picture 2"/>
+          <p:cNvPr id="10247" name="Picture 7" descr="C:\Users\mats\AppData\Local\Temp\SNAGHTMLf74197a.PNG"/>
           <p:cNvPicPr>
             <a:picLocks noChangeAspect="1" noChangeArrowheads="1"/>
           </p:cNvPicPr>
@@ -4351,9 +4806,60 @@
           </a:stretch>
         </p:blipFill>
         <p:spPr bwMode="auto">
+          <a:xfrm rot="784561">
+            <a:off x="7282592" y="1027622"/>
+            <a:ext cx="2171429" cy="2419048"/>
+          </a:xfrm>
+          <a:prstGeom prst="rect">
+            <a:avLst/>
+          </a:prstGeom>
+          <a:noFill/>
+          <a:ln w="9525">
+            <a:noFill/>
+            <a:miter lim="800000"/>
+            <a:headEnd/>
+            <a:tailEnd/>
+          </a:ln>
+          <a:scene3d>
+            <a:camera prst="perspectiveContrastingLeftFacing"/>
+            <a:lightRig rig="threePt" dir="t"/>
+          </a:scene3d>
+          <a:extLst>
+            <a:ext uri="{909E8E84-426E-40DD-AFC4-6F175D3DCCD1}">
+              <a14:hiddenFill xmlns:a14="http://schemas.microsoft.com/office/drawing/2010/main">
+                <a:solidFill>
+                  <a:srgbClr val="FFFFFF"/>
+                </a:solidFill>
+              </a14:hiddenFill>
+            </a:ext>
+          </a:extLst>
+        </p:spPr>
+      </p:pic>
+      <p:pic>
+        <p:nvPicPr>
+          <p:cNvPr id="10245" name="Picture 5"/>
+          <p:cNvPicPr>
+            <a:picLocks noChangeAspect="1" noChangeArrowheads="1"/>
+          </p:cNvPicPr>
+          <p:nvPr/>
+        </p:nvPicPr>
+        <p:blipFill>
+          <a:blip r:embed="rId3">
+            <a:extLst>
+              <a:ext uri="{28A0092B-C50C-407E-A947-70E740481C1C}">
+                <a14:useLocalDpi xmlns:a14="http://schemas.microsoft.com/office/drawing/2010/main" val="0"/>
+              </a:ext>
+            </a:extLst>
+          </a:blip>
+          <a:srcRect/>
+          <a:stretch>
+            <a:fillRect/>
+          </a:stretch>
+        </p:blipFill>
+        <p:spPr bwMode="auto">
           <a:xfrm>
-            <a:off x="358433" y="1331110"/>
-            <a:ext cx="7523810" cy="2219048"/>
+            <a:off x="5102494" y="1616957"/>
+            <a:ext cx="5572125" cy="3695700"/>
           </a:xfrm>
           <a:prstGeom prst="rect">
             <a:avLst/>
@@ -4390,19 +4896,68 @@
               <a:srgbClr val="FFFFFF"/>
             </a:contourClr>
           </a:sp3d>
-          <a:extLst/>
+          <a:extLst>
+            <a:ext uri="{909E8E84-426E-40DD-AFC4-6F175D3DCCD1}">
+              <a14:hiddenFill xmlns:a14="http://schemas.microsoft.com/office/drawing/2010/main">
+                <a:solidFill>
+                  <a:schemeClr val="accent1"/>
+                </a:solidFill>
+              </a14:hiddenFill>
+            </a:ext>
+            <a:ext uri="{91240B29-F687-4F45-9708-019B960494DF}">
+              <a14:hiddenLine xmlns:a14="http://schemas.microsoft.com/office/drawing/2010/main" w="9525">
+                <a:solidFill>
+                  <a:schemeClr val="tx1"/>
+                </a:solidFill>
+                <a:miter lim="800000"/>
+                <a:headEnd/>
+                <a:tailEnd/>
+              </a14:hiddenLine>
+            </a:ext>
+          </a:extLst>
         </p:spPr>
       </p:pic>
+      <p:sp>
+        <p:nvSpPr>
+          <p:cNvPr id="3" name="Platshållare för innehåll 2"/>
+          <p:cNvSpPr>
+            <a:spLocks noGrp="1"/>
+          </p:cNvSpPr>
+          <p:nvPr>
+            <p:ph idx="1"/>
+          </p:nvPr>
+        </p:nvSpPr>
+        <p:spPr/>
+        <p:txBody>
+          <a:bodyPr/>
+          <a:lstStyle/>
+          <a:p>
+            <a:r>
+              <a:rPr lang="sv-SE" dirty="0" smtClean="0"/>
+              <a:t>Då vyer, som Create och Edit, till stora delar har samma innehåll kan det gemensamma innehållet brytas ut och placeras i en partiell vy, </a:t>
+            </a:r>
+            <a:r>
+              <a:rPr lang="sv-SE" i="1" dirty="0" smtClean="0"/>
+              <a:t>partial view</a:t>
+            </a:r>
+            <a:r>
+              <a:rPr lang="sv-SE" dirty="0" smtClean="0"/>
+              <a:t>.</a:t>
+            </a:r>
+            <a:endParaRPr lang="sv-SE" dirty="0"/>
+          </a:p>
+        </p:txBody>
+      </p:sp>
       <p:pic>
         <p:nvPicPr>
-          <p:cNvPr id="6147" name="Picture 3"/>
+          <p:cNvPr id="10243" name="Picture 3"/>
           <p:cNvPicPr>
             <a:picLocks noChangeAspect="1" noChangeArrowheads="1"/>
           </p:cNvPicPr>
           <p:nvPr/>
         </p:nvPicPr>
         <p:blipFill>
-          <a:blip r:embed="rId3">
+          <a:blip r:embed="rId4">
             <a:extLst>
               <a:ext uri="{28A0092B-C50C-407E-A947-70E740481C1C}">
                 <a14:useLocalDpi xmlns:a14="http://schemas.microsoft.com/office/drawing/2010/main" val="0"/>
@@ -4415,9 +4970,9 @@
           </a:stretch>
         </p:blipFill>
         <p:spPr bwMode="auto">
-          <a:xfrm rot="21060000">
-            <a:off x="455722" y="2159114"/>
-            <a:ext cx="7514286" cy="2219048"/>
+          <a:xfrm>
+            <a:off x="358433" y="1361590"/>
+            <a:ext cx="5000625" cy="2962275"/>
           </a:xfrm>
           <a:prstGeom prst="rect">
             <a:avLst/>
@@ -4454,117 +5009,30 @@
               <a:srgbClr val="FFFFFF"/>
             </a:contourClr>
           </a:sp3d>
-          <a:extLst/>
-        </p:spPr>
-      </p:pic>
-      <p:sp>
-        <p:nvSpPr>
-          <p:cNvPr id="2" name="Rubrik 1"/>
-          <p:cNvSpPr>
-            <a:spLocks noGrp="1"/>
-          </p:cNvSpPr>
-          <p:nvPr>
-            <p:ph type="title"/>
-          </p:nvPr>
-        </p:nvSpPr>
-        <p:spPr/>
-        <p:txBody>
-          <a:bodyPr/>
-          <a:lstStyle/>
-          <a:p>
-            <a:r>
-              <a:rPr lang="sv-SE" dirty="0" smtClean="0"/>
-              <a:t>Formulären för Create och Edit är lika!</a:t>
-            </a:r>
-            <a:endParaRPr lang="sv-SE" dirty="0"/>
-          </a:p>
-        </p:txBody>
-      </p:sp>
-      <p:sp>
-        <p:nvSpPr>
-          <p:cNvPr id="3" name="Platshållare för innehåll 2"/>
-          <p:cNvSpPr>
-            <a:spLocks noGrp="1"/>
-          </p:cNvSpPr>
-          <p:nvPr>
-            <p:ph idx="1"/>
-          </p:nvPr>
-        </p:nvSpPr>
-        <p:spPr/>
-        <p:txBody>
-          <a:bodyPr/>
-          <a:lstStyle/>
-          <a:p>
-            <a:r>
-              <a:rPr lang="sv-SE" dirty="0" smtClean="0"/>
-              <a:t>Då vyer, som Create och Edit, till stora delar har samma innehåll kan det gemensamma innehållet brytas ut och placeras i en partiell vy, </a:t>
-            </a:r>
-            <a:r>
-              <a:rPr lang="sv-SE" i="1" dirty="0" smtClean="0"/>
-              <a:t>partial view</a:t>
-            </a:r>
-            <a:r>
-              <a:rPr lang="sv-SE" dirty="0" smtClean="0"/>
-              <a:t>.</a:t>
-            </a:r>
-            <a:endParaRPr lang="sv-SE" dirty="0"/>
-          </a:p>
-        </p:txBody>
-      </p:sp>
-      <p:pic>
-        <p:nvPicPr>
-          <p:cNvPr id="6151" name="Picture 7" descr="C:\Users\mats\AppData\Local\Temp\SNAGHTML195ff29d.PNG"/>
-          <p:cNvPicPr>
-            <a:picLocks noChangeAspect="1" noChangeArrowheads="1"/>
-          </p:cNvPicPr>
-          <p:nvPr/>
-        </p:nvPicPr>
-        <p:blipFill>
-          <a:blip r:embed="rId4">
-            <a:extLst>
-              <a:ext uri="{28A0092B-C50C-407E-A947-70E740481C1C}">
-                <a14:useLocalDpi xmlns:a14="http://schemas.microsoft.com/office/drawing/2010/main" val="0"/>
-              </a:ext>
-            </a:extLst>
-          </a:blip>
-          <a:srcRect/>
-          <a:stretch>
-            <a:fillRect/>
-          </a:stretch>
-        </p:blipFill>
-        <p:spPr bwMode="auto">
-          <a:xfrm rot="660000">
-            <a:off x="6305125" y="1892668"/>
-            <a:ext cx="2995715" cy="3702857"/>
-          </a:xfrm>
-          <a:prstGeom prst="rect">
-            <a:avLst/>
-          </a:prstGeom>
-          <a:noFill/>
-          <a:ln w="9525">
-            <a:noFill/>
-            <a:miter lim="800000"/>
-            <a:headEnd/>
-            <a:tailEnd/>
-          </a:ln>
-          <a:scene3d>
-            <a:camera prst="perspectiveContrastingLeftFacing"/>
-            <a:lightRig rig="threePt" dir="t"/>
-          </a:scene3d>
           <a:extLst>
             <a:ext uri="{909E8E84-426E-40DD-AFC4-6F175D3DCCD1}">
               <a14:hiddenFill xmlns:a14="http://schemas.microsoft.com/office/drawing/2010/main">
                 <a:solidFill>
-                  <a:srgbClr val="FFFFFF"/>
+                  <a:schemeClr val="accent1"/>
                 </a:solidFill>
               </a14:hiddenFill>
+            </a:ext>
+            <a:ext uri="{91240B29-F687-4F45-9708-019B960494DF}">
+              <a14:hiddenLine xmlns:a14="http://schemas.microsoft.com/office/drawing/2010/main" w="9525">
+                <a:solidFill>
+                  <a:schemeClr val="tx1"/>
+                </a:solidFill>
+                <a:miter lim="800000"/>
+                <a:headEnd/>
+                <a:tailEnd/>
+              </a14:hiddenLine>
             </a:ext>
           </a:extLst>
         </p:spPr>
       </p:pic>
       <p:pic>
         <p:nvPicPr>
-          <p:cNvPr id="6148" name="Picture 4"/>
+          <p:cNvPr id="10242" name="Picture 2"/>
           <p:cNvPicPr>
             <a:picLocks noChangeAspect="1" noChangeArrowheads="1"/>
           </p:cNvPicPr>
@@ -4584,9 +5052,9 @@
           </a:stretch>
         </p:blipFill>
         <p:spPr bwMode="auto">
-          <a:xfrm rot="360000">
-            <a:off x="3738725" y="2640836"/>
-            <a:ext cx="8657143" cy="3885715"/>
+          <a:xfrm rot="21060000">
+            <a:off x="1059041" y="2502673"/>
+            <a:ext cx="5000625" cy="2971800"/>
           </a:xfrm>
           <a:prstGeom prst="rect">
             <a:avLst/>
@@ -4623,9 +5091,257 @@
               <a:srgbClr val="FFFFFF"/>
             </a:contourClr>
           </a:sp3d>
-          <a:extLst/>
+          <a:extLst>
+            <a:ext uri="{909E8E84-426E-40DD-AFC4-6F175D3DCCD1}">
+              <a14:hiddenFill xmlns:a14="http://schemas.microsoft.com/office/drawing/2010/main">
+                <a:solidFill>
+                  <a:schemeClr val="accent1"/>
+                </a:solidFill>
+              </a14:hiddenFill>
+            </a:ext>
+            <a:ext uri="{91240B29-F687-4F45-9708-019B960494DF}">
+              <a14:hiddenLine xmlns:a14="http://schemas.microsoft.com/office/drawing/2010/main" w="9525">
+                <a:solidFill>
+                  <a:schemeClr val="tx1"/>
+                </a:solidFill>
+                <a:miter lim="800000"/>
+                <a:headEnd/>
+                <a:tailEnd/>
+              </a14:hiddenLine>
+            </a:ext>
+          </a:extLst>
         </p:spPr>
       </p:pic>
+      <p:sp>
+        <p:nvSpPr>
+          <p:cNvPr id="2" name="Rubrik 1"/>
+          <p:cNvSpPr>
+            <a:spLocks noGrp="1"/>
+          </p:cNvSpPr>
+          <p:nvPr>
+            <p:ph type="title"/>
+          </p:nvPr>
+        </p:nvSpPr>
+        <p:spPr/>
+        <p:txBody>
+          <a:bodyPr/>
+          <a:lstStyle/>
+          <a:p>
+            <a:r>
+              <a:rPr lang="sv-SE" dirty="0" smtClean="0"/>
+              <a:t>Formulären för Create och Edit är lika!</a:t>
+            </a:r>
+            <a:endParaRPr lang="sv-SE" dirty="0"/>
+          </a:p>
+        </p:txBody>
+      </p:sp>
+      <p:pic>
+        <p:nvPicPr>
+          <p:cNvPr id="10244" name="Picture 4"/>
+          <p:cNvPicPr>
+            <a:picLocks noChangeAspect="1" noChangeArrowheads="1"/>
+          </p:cNvPicPr>
+          <p:nvPr/>
+        </p:nvPicPr>
+        <p:blipFill>
+          <a:blip r:embed="rId6">
+            <a:extLst>
+              <a:ext uri="{28A0092B-C50C-407E-A947-70E740481C1C}">
+                <a14:useLocalDpi xmlns:a14="http://schemas.microsoft.com/office/drawing/2010/main" val="0"/>
+              </a:ext>
+            </a:extLst>
+          </a:blip>
+          <a:srcRect/>
+          <a:stretch>
+            <a:fillRect/>
+          </a:stretch>
+        </p:blipFill>
+        <p:spPr bwMode="auto">
+          <a:xfrm rot="360000">
+            <a:off x="3784030" y="2358807"/>
+            <a:ext cx="6665913" cy="4648200"/>
+          </a:xfrm>
+          <a:prstGeom prst="rect">
+            <a:avLst/>
+          </a:prstGeom>
+          <a:solidFill>
+            <a:srgbClr val="FFFFFF">
+              <a:shade val="85000"/>
+            </a:srgbClr>
+          </a:solidFill>
+          <a:ln w="101600" cap="sq">
+            <a:solidFill>
+              <a:srgbClr val="FDFDFD"/>
+            </a:solidFill>
+            <a:miter lim="800000"/>
+          </a:ln>
+          <a:effectLst>
+            <a:outerShdw blurRad="57150" dist="37500" dir="7560000" sy="98000" kx="110000" ky="200000" algn="tl" rotWithShape="0">
+              <a:srgbClr val="000000">
+                <a:alpha val="20000"/>
+              </a:srgbClr>
+            </a:outerShdw>
+          </a:effectLst>
+          <a:scene3d>
+            <a:camera prst="perspectiveRelaxed">
+              <a:rot lat="18960000" lon="0" rev="0"/>
+            </a:camera>
+            <a:lightRig rig="twoPt" dir="t">
+              <a:rot lat="0" lon="0" rev="7200000"/>
+            </a:lightRig>
+          </a:scene3d>
+          <a:sp3d prstMaterial="matte">
+            <a:bevelT w="22860" h="12700"/>
+            <a:contourClr>
+              <a:srgbClr val="FFFFFF"/>
+            </a:contourClr>
+          </a:sp3d>
+          <a:extLst>
+            <a:ext uri="{909E8E84-426E-40DD-AFC4-6F175D3DCCD1}">
+              <a14:hiddenFill xmlns:a14="http://schemas.microsoft.com/office/drawing/2010/main">
+                <a:solidFill>
+                  <a:schemeClr val="accent1"/>
+                </a:solidFill>
+              </a14:hiddenFill>
+            </a:ext>
+            <a:ext uri="{91240B29-F687-4F45-9708-019B960494DF}">
+              <a14:hiddenLine xmlns:a14="http://schemas.microsoft.com/office/drawing/2010/main" w="9525">
+                <a:solidFill>
+                  <a:schemeClr val="tx1"/>
+                </a:solidFill>
+                <a:miter lim="800000"/>
+                <a:headEnd/>
+                <a:tailEnd/>
+              </a14:hiddenLine>
+            </a:ext>
+          </a:extLst>
+        </p:spPr>
+      </p:pic>
+      <p:sp>
+        <p:nvSpPr>
+          <p:cNvPr id="4" name="Bildtext upp 3"/>
+          <p:cNvSpPr/>
+          <p:nvPr/>
+        </p:nvSpPr>
+        <p:spPr bwMode="auto">
+          <a:xfrm>
+            <a:off x="7536180" y="2770043"/>
+            <a:ext cx="1242060" cy="796756"/>
+          </a:xfrm>
+          <a:prstGeom prst="upArrowCallout">
+            <a:avLst/>
+          </a:prstGeom>
+          <a:solidFill>
+            <a:schemeClr val="tx2">
+              <a:lumMod val="20000"/>
+              <a:lumOff val="80000"/>
+            </a:schemeClr>
+          </a:solidFill>
+          <a:ln w="9525" cap="flat" cmpd="sng" algn="ctr">
+            <a:solidFill>
+              <a:schemeClr val="bg1">
+                <a:lumMod val="75000"/>
+              </a:schemeClr>
+            </a:solidFill>
+            <a:prstDash val="solid"/>
+            <a:round/>
+            <a:headEnd type="none" w="med" len="med"/>
+            <a:tailEnd type="none" w="med" len="med"/>
+          </a:ln>
+          <a:effectLst/>
+        </p:spPr>
+        <p:txBody>
+          <a:bodyPr vert="horz" wrap="square" lIns="90488" tIns="44450" rIns="90488" bIns="44450" numCol="1" rtlCol="0" anchor="t" anchorCtr="0" compatLnSpc="1">
+            <a:prstTxWarp prst="textNoShape">
+              <a:avLst/>
+            </a:prstTxWarp>
+          </a:bodyPr>
+          <a:lstStyle/>
+          <a:p>
+            <a:r>
+              <a:rPr lang="sv-SE" sz="800" dirty="0" smtClean="0">
+                <a:solidFill>
+                  <a:schemeClr val="bg1">
+                    <a:lumMod val="50000"/>
+                  </a:schemeClr>
+                </a:solidFill>
+                <a:latin typeface="Times New Roman" panose="02020603050405020304" pitchFamily="18" charset="0"/>
+                <a:cs typeface="Times New Roman" panose="02020603050405020304" pitchFamily="18" charset="0"/>
+              </a:rPr>
+              <a:t>Krävs eftersom vi i den partiella vyn har ett gömt fält för </a:t>
+            </a:r>
+            <a:r>
+              <a:rPr lang="sv-SE" sz="800" dirty="0" err="1" smtClean="0">
+                <a:solidFill>
+                  <a:schemeClr val="bg1">
+                    <a:lumMod val="50000"/>
+                  </a:schemeClr>
+                </a:solidFill>
+                <a:latin typeface="Times New Roman" panose="02020603050405020304" pitchFamily="18" charset="0"/>
+                <a:cs typeface="Times New Roman" panose="02020603050405020304" pitchFamily="18" charset="0"/>
+              </a:rPr>
+              <a:t>BirthdayId</a:t>
+            </a:r>
+            <a:r>
+              <a:rPr lang="sv-SE" sz="800" dirty="0" smtClean="0">
+                <a:solidFill>
+                  <a:schemeClr val="bg1">
+                    <a:lumMod val="50000"/>
+                  </a:schemeClr>
+                </a:solidFill>
+                <a:latin typeface="Times New Roman" panose="02020603050405020304" pitchFamily="18" charset="0"/>
+                <a:cs typeface="Times New Roman" panose="02020603050405020304" pitchFamily="18" charset="0"/>
+              </a:rPr>
+              <a:t>.</a:t>
+            </a:r>
+            <a:endParaRPr lang="sv-SE" sz="800" dirty="0">
+              <a:solidFill>
+                <a:schemeClr val="bg1">
+                  <a:lumMod val="50000"/>
+                </a:schemeClr>
+              </a:solidFill>
+              <a:latin typeface="Times New Roman" panose="02020603050405020304" pitchFamily="18" charset="0"/>
+              <a:cs typeface="Times New Roman" panose="02020603050405020304" pitchFamily="18" charset="0"/>
+            </a:endParaRPr>
+          </a:p>
+        </p:txBody>
+      </p:sp>
+      <p:cxnSp>
+        <p:nvCxnSpPr>
+          <p:cNvPr id="17" name="Kurva 16"/>
+          <p:cNvCxnSpPr>
+            <a:endCxn id="16" idx="0"/>
+          </p:cNvCxnSpPr>
+          <p:nvPr/>
+        </p:nvCxnSpPr>
+        <p:spPr bwMode="auto">
+          <a:xfrm rot="10800000" flipV="1">
+            <a:off x="5493544" y="1360153"/>
+            <a:ext cx="2626817" cy="1749062"/>
+          </a:xfrm>
+          <a:prstGeom prst="curvedConnector2">
+            <a:avLst/>
+          </a:prstGeom>
+          <a:ln>
+            <a:headEnd type="none" w="med" len="med"/>
+            <a:tailEnd type="arrow"/>
+          </a:ln>
+        </p:spPr>
+        <p:style>
+          <a:lnRef idx="2">
+            <a:schemeClr val="accent6"/>
+          </a:lnRef>
+          <a:fillRef idx="0">
+            <a:schemeClr val="accent6"/>
+          </a:fillRef>
+          <a:effectRef idx="1">
+            <a:schemeClr val="accent6"/>
+          </a:effectRef>
+          <a:fontRef idx="minor">
+            <a:schemeClr val="tx1"/>
+          </a:fontRef>
+        </p:style>
+      </p:cxnSp>
     </p:spTree>
   </p:cSld>
   <p:clrMapOvr>
@@ -4645,6 +5361,373 @@
 </file>
 
 <file path=ppt/slides/slide2.xml><?xml version="1.0" encoding="utf-8"?>
+<p:sld xmlns:a="http://schemas.openxmlformats.org/drawingml/2006/main" xmlns:r="http://schemas.openxmlformats.org/officeDocument/2006/relationships" xmlns:p="http://schemas.openxmlformats.org/presentationml/2006/main">
+  <p:cSld>
+    <p:bg>
+      <p:bgPr>
+        <a:solidFill>
+          <a:schemeClr val="accent1">
+            <a:lumMod val="20000"/>
+            <a:lumOff val="80000"/>
+          </a:schemeClr>
+        </a:solidFill>
+        <a:effectLst/>
+      </p:bgPr>
+    </p:bg>
+    <p:spTree>
+      <p:nvGrpSpPr>
+        <p:cNvPr id="1" name=""/>
+        <p:cNvGrpSpPr/>
+        <p:nvPr/>
+      </p:nvGrpSpPr>
+      <p:grpSpPr>
+        <a:xfrm>
+          <a:off x="0" y="0"/>
+          <a:ext cx="0" cy="0"/>
+          <a:chOff x="0" y="0"/>
+          <a:chExt cx="0" cy="0"/>
+        </a:xfrm>
+      </p:grpSpPr>
+      <p:sp>
+        <p:nvSpPr>
+          <p:cNvPr id="2" name="Rubrik 1"/>
+          <p:cNvSpPr>
+            <a:spLocks noGrp="1"/>
+          </p:cNvSpPr>
+          <p:nvPr>
+            <p:ph type="title"/>
+          </p:nvPr>
+        </p:nvSpPr>
+        <p:spPr/>
+        <p:txBody>
+          <a:bodyPr/>
+          <a:lstStyle/>
+          <a:p>
+            <a:r>
+              <a:rPr lang="sv-SE" dirty="0" smtClean="0"/>
+              <a:t>Upphovsrätt för detta verk</a:t>
+            </a:r>
+            <a:endParaRPr lang="sv-SE" dirty="0"/>
+          </a:p>
+        </p:txBody>
+      </p:sp>
+      <p:sp>
+        <p:nvSpPr>
+          <p:cNvPr id="3" name="Platshållare för innehåll 2"/>
+          <p:cNvSpPr>
+            <a:spLocks noGrp="1"/>
+          </p:cNvSpPr>
+          <p:nvPr>
+            <p:ph idx="1"/>
+          </p:nvPr>
+        </p:nvSpPr>
+        <p:spPr/>
+        <p:txBody>
+          <a:bodyPr/>
+          <a:lstStyle/>
+          <a:p>
+            <a:pPr marL="0" indent="0">
+              <a:buNone/>
+            </a:pPr>
+            <a:r>
+              <a:rPr lang="sv-SE" sz="1400" dirty="0"/>
+              <a:t>Detta verk är framtaget i anslutning till kursen </a:t>
+            </a:r>
+            <a:r>
+              <a:rPr lang="sv-SE" sz="1400" dirty="0" smtClean="0"/>
+              <a:t>ASP.NET MVC </a:t>
+            </a:r>
+            <a:r>
+              <a:rPr lang="sv-SE" sz="1400" dirty="0"/>
+              <a:t>vid Linnéuniversitetet.</a:t>
+            </a:r>
+          </a:p>
+          <a:p>
+            <a:pPr marL="0" indent="0">
+              <a:buNone/>
+            </a:pPr>
+            <a:r>
+              <a:rPr lang="sv-SE" sz="1400" b="1" dirty="0"/>
+              <a:t>Du får använda detta verk så här:</a:t>
+            </a:r>
+            <a:endParaRPr lang="sv-SE" sz="1400" dirty="0"/>
+          </a:p>
+          <a:p>
+            <a:pPr marL="0" indent="0">
+              <a:buNone/>
+            </a:pPr>
+            <a:r>
+              <a:rPr lang="sv-SE" sz="1400" dirty="0"/>
+              <a:t>Allt innehåll i </a:t>
+            </a:r>
+            <a:r>
+              <a:rPr lang="sv-SE" sz="1400" dirty="0" smtClean="0"/>
+              <a:t>detta verk av</a:t>
+            </a:r>
+            <a:r>
+              <a:rPr lang="sv-SE" sz="1400" dirty="0"/>
+              <a:t> Mats Loock, </a:t>
+            </a:r>
+            <a:r>
+              <a:rPr lang="sv-SE" sz="1400" dirty="0" smtClean="0"/>
+              <a:t>förutom Linnéuniversitetets logotyp och symbol, </a:t>
+            </a:r>
+            <a:r>
+              <a:rPr lang="sv-SE" sz="1400" dirty="0"/>
+              <a:t>är licensierad under</a:t>
+            </a:r>
+            <a:r>
+              <a:rPr lang="sv-SE" sz="1400" dirty="0" smtClean="0"/>
+              <a:t>:</a:t>
+            </a:r>
+          </a:p>
+          <a:p>
+            <a:pPr marL="984250" indent="0">
+              <a:buNone/>
+            </a:pPr>
+            <a:r>
+              <a:rPr lang="sv-SE" sz="1400" dirty="0" err="1"/>
+              <a:t>Creative</a:t>
+            </a:r>
+            <a:r>
+              <a:rPr lang="sv-SE" sz="1400" dirty="0"/>
+              <a:t> </a:t>
+            </a:r>
+            <a:r>
+              <a:rPr lang="sv-SE" sz="1400" dirty="0" err="1"/>
+              <a:t>Commons</a:t>
+            </a:r>
+            <a:r>
+              <a:rPr lang="sv-SE" sz="1400" dirty="0"/>
+              <a:t> Erkännande-</a:t>
+            </a:r>
+            <a:r>
+              <a:rPr lang="sv-SE" sz="1400" dirty="0" err="1"/>
+              <a:t>IckeKommersiell</a:t>
+            </a:r>
+            <a:r>
+              <a:rPr lang="sv-SE" sz="1400" dirty="0"/>
+              <a:t>-</a:t>
+            </a:r>
+            <a:r>
+              <a:rPr lang="sv-SE" sz="1400" dirty="0" err="1"/>
+              <a:t>DelaLika</a:t>
+            </a:r>
+            <a:r>
+              <a:rPr lang="sv-SE" sz="1400" dirty="0"/>
+              <a:t> 2.5 Sverige licens.</a:t>
+            </a:r>
+            <a:br>
+              <a:rPr lang="sv-SE" sz="1400" dirty="0"/>
+            </a:br>
+            <a:r>
+              <a:rPr lang="sv-SE" sz="1400" u="sng" dirty="0">
+                <a:hlinkClick r:id="rId3"/>
+              </a:rPr>
+              <a:t>http://creativecommons.org/licenses/by-nc-sa/2.5/se</a:t>
+            </a:r>
+            <a:r>
+              <a:rPr lang="sv-SE" sz="1400" u="sng" dirty="0" smtClean="0">
+                <a:hlinkClick r:id="rId3"/>
+              </a:rPr>
+              <a:t>/</a:t>
+            </a:r>
+            <a:endParaRPr lang="sv-SE" sz="1400" u="sng" dirty="0" smtClean="0"/>
+          </a:p>
+          <a:p>
+            <a:pPr marL="0" indent="0">
+              <a:buNone/>
+            </a:pPr>
+            <a:r>
+              <a:rPr lang="sv-SE" sz="1400" b="1" dirty="0"/>
+              <a:t>Det betyder att du i icke-kommersiella syften får:</a:t>
+            </a:r>
+            <a:endParaRPr lang="sv-SE" sz="1400" dirty="0"/>
+          </a:p>
+          <a:p>
+            <a:pPr lvl="0">
+              <a:buClrTx/>
+              <a:buFont typeface="Arial" pitchFamily="34" charset="0"/>
+              <a:buChar char="•"/>
+            </a:pPr>
+            <a:r>
+              <a:rPr lang="sv-SE" sz="1400" dirty="0"/>
+              <a:t>kopiera hela eller delar av innehållet</a:t>
+            </a:r>
+          </a:p>
+          <a:p>
+            <a:pPr lvl="0">
+              <a:buClrTx/>
+              <a:buFont typeface="Arial" pitchFamily="34" charset="0"/>
+              <a:buChar char="•"/>
+            </a:pPr>
+            <a:r>
+              <a:rPr lang="sv-SE" sz="1400" dirty="0"/>
+              <a:t>sprida hela eller delar av innehållet</a:t>
+            </a:r>
+          </a:p>
+          <a:p>
+            <a:pPr lvl="0">
+              <a:buClrTx/>
+              <a:buFont typeface="Arial" pitchFamily="34" charset="0"/>
+              <a:buChar char="•"/>
+            </a:pPr>
+            <a:r>
+              <a:rPr lang="sv-SE" sz="1400" dirty="0"/>
+              <a:t>visa hela eller delar av innehållet offentligt och digitalt</a:t>
+            </a:r>
+          </a:p>
+          <a:p>
+            <a:pPr lvl="0">
+              <a:buClrTx/>
+              <a:buFont typeface="Arial" pitchFamily="34" charset="0"/>
+              <a:buChar char="•"/>
+            </a:pPr>
+            <a:r>
+              <a:rPr lang="sv-SE" sz="1400" dirty="0"/>
+              <a:t>konvertera innehållet till annat format</a:t>
+            </a:r>
+          </a:p>
+          <a:p>
+            <a:pPr lvl="0">
+              <a:buClrTx/>
+              <a:buFont typeface="Arial" pitchFamily="34" charset="0"/>
+              <a:buChar char="•"/>
+            </a:pPr>
+            <a:r>
+              <a:rPr lang="sv-SE" sz="1400" dirty="0"/>
+              <a:t>du får även göra om innehållet</a:t>
+            </a:r>
+          </a:p>
+          <a:p>
+            <a:pPr marL="0" indent="0">
+              <a:buNone/>
+            </a:pPr>
+            <a:r>
+              <a:rPr lang="sv-SE" sz="1400" dirty="0"/>
+              <a:t>Om du förändrar innehållet så ta inte med </a:t>
+            </a:r>
+            <a:r>
+              <a:rPr lang="sv-SE" sz="1400" dirty="0" smtClean="0"/>
+              <a:t>Linnéuniversitetets logotyp och </a:t>
+            </a:r>
+            <a:r>
+              <a:rPr lang="sv-SE" sz="1400" dirty="0"/>
+              <a:t>symbol </a:t>
+            </a:r>
+            <a:r>
+              <a:rPr lang="sv-SE" sz="1400" dirty="0" smtClean="0"/>
+              <a:t>i </a:t>
+            </a:r>
+            <a:r>
+              <a:rPr lang="sv-SE" sz="1400" dirty="0"/>
+              <a:t>din nya version!</a:t>
+            </a:r>
+          </a:p>
+          <a:p>
+            <a:pPr marL="0" indent="0">
+              <a:buNone/>
+            </a:pPr>
+            <a:r>
+              <a:rPr lang="sv-SE" sz="1400" dirty="0"/>
+              <a:t>Vid all användning måste du ange källan: ”Linnéuniversitetet – </a:t>
+            </a:r>
+            <a:r>
+              <a:rPr lang="sv-SE" sz="1400" dirty="0" smtClean="0"/>
+              <a:t>ASP.NET MVC” </a:t>
+            </a:r>
+            <a:r>
+              <a:rPr lang="sv-SE" sz="1400" dirty="0"/>
+              <a:t>och en länk till </a:t>
+            </a:r>
+            <a:r>
+              <a:rPr lang="sv-SE" sz="1400" u="sng" dirty="0">
+                <a:hlinkClick r:id="rId4"/>
+              </a:rPr>
+              <a:t>https://</a:t>
+            </a:r>
+            <a:r>
+              <a:rPr lang="sv-SE" sz="1400" u="sng" dirty="0" smtClean="0">
+                <a:hlinkClick r:id="rId4"/>
+              </a:rPr>
+              <a:t>coursepress.lnu.se/kurs/aspnet-mvc</a:t>
+            </a:r>
+            <a:r>
+              <a:rPr lang="sv-SE" sz="1400" dirty="0" smtClean="0"/>
+              <a:t> </a:t>
+            </a:r>
+            <a:r>
+              <a:rPr lang="sv-SE" sz="1400" dirty="0"/>
+              <a:t>och till </a:t>
+            </a:r>
+            <a:r>
+              <a:rPr lang="sv-SE" sz="1400" dirty="0" err="1"/>
+              <a:t>Creative</a:t>
+            </a:r>
+            <a:r>
+              <a:rPr lang="sv-SE" sz="1400" dirty="0"/>
+              <a:t> Common-licensen här ovan.</a:t>
+            </a:r>
+          </a:p>
+        </p:txBody>
+      </p:sp>
+      <p:pic>
+        <p:nvPicPr>
+          <p:cNvPr id="12" name="Bildobjekt 11"/>
+          <p:cNvPicPr/>
+          <p:nvPr/>
+        </p:nvPicPr>
+        <p:blipFill>
+          <a:blip r:embed="rId5">
+            <a:extLst>
+              <a:ext uri="{28A0092B-C50C-407E-A947-70E740481C1C}">
+                <a14:useLocalDpi xmlns:a14="http://schemas.microsoft.com/office/drawing/2010/main" val="0"/>
+              </a:ext>
+            </a:extLst>
+          </a:blip>
+          <a:srcRect/>
+          <a:stretch>
+            <a:fillRect/>
+          </a:stretch>
+        </p:blipFill>
+        <p:spPr bwMode="auto">
+          <a:xfrm>
+            <a:off x="539552" y="1836273"/>
+            <a:ext cx="836930" cy="293370"/>
+          </a:xfrm>
+          <a:prstGeom prst="rect">
+            <a:avLst/>
+          </a:prstGeom>
+          <a:noFill/>
+          <a:ln>
+            <a:noFill/>
+          </a:ln>
+        </p:spPr>
+      </p:pic>
+    </p:spTree>
+    <p:extLst>
+      <p:ext uri="{BB962C8B-B14F-4D97-AF65-F5344CB8AC3E}">
+        <p14:creationId xmlns:p14="http://schemas.microsoft.com/office/powerpoint/2010/main" val="625881481"/>
+      </p:ext>
+    </p:extLst>
+  </p:cSld>
+  <p:clrMapOvr>
+    <a:masterClrMapping/>
+  </p:clrMapOvr>
+  <p:transition>
+    <p:random/>
+  </p:transition>
+  <p:timing>
+    <p:tnLst>
+      <p:par>
+        <p:cTn id="1" dur="indefinite" restart="never" nodeType="tmRoot"/>
+      </p:par>
+    </p:tnLst>
+  </p:timing>
+</p:sld>
+</file>
+
+<file path=ppt/slides/slide3.xml><?xml version="1.0" encoding="utf-8"?>
 <p:sld xmlns:a="http://schemas.openxmlformats.org/drawingml/2006/main" xmlns:r="http://schemas.openxmlformats.org/officeDocument/2006/relationships" xmlns:p="http://schemas.openxmlformats.org/presentationml/2006/main">
   <p:cSld>
     <p:spTree>
@@ -4856,10 +5939,17 @@
   <p:transition>
     <p:random/>
   </p:transition>
+  <p:timing>
+    <p:tnLst>
+      <p:par>
+        <p:cTn id="1" dur="indefinite" restart="never" nodeType="tmRoot"/>
+      </p:par>
+    </p:tnLst>
+  </p:timing>
 </p:sld>
 </file>
 
-<file path=ppt/slides/slide3.xml><?xml version="1.0" encoding="utf-8"?>
+<file path=ppt/slides/slide4.xml><?xml version="1.0" encoding="utf-8"?>
 <p:sld xmlns:a="http://schemas.openxmlformats.org/drawingml/2006/main" xmlns:r="http://schemas.openxmlformats.org/officeDocument/2006/relationships" xmlns:p="http://schemas.openxmlformats.org/presentationml/2006/main">
   <p:cSld>
     <p:spTree>
@@ -5791,7 +6881,7 @@
 </p:sld>
 </file>
 
-<file path=ppt/slides/slide4.xml><?xml version="1.0" encoding="utf-8"?>
+<file path=ppt/slides/slide5.xml><?xml version="1.0" encoding="utf-8"?>
 <p:sld xmlns:a="http://schemas.openxmlformats.org/drawingml/2006/main" xmlns:r="http://schemas.openxmlformats.org/officeDocument/2006/relationships" xmlns:p="http://schemas.openxmlformats.org/presentationml/2006/main">
   <p:cSld>
     <p:spTree>
@@ -6030,7 +7120,7 @@
 </p:sld>
 </file>
 
-<file path=ppt/slides/slide5.xml><?xml version="1.0" encoding="utf-8"?>
+<file path=ppt/slides/slide6.xml><?xml version="1.0" encoding="utf-8"?>
 <p:sld xmlns:a="http://schemas.openxmlformats.org/drawingml/2006/main" xmlns:r="http://schemas.openxmlformats.org/officeDocument/2006/relationships" xmlns:p="http://schemas.openxmlformats.org/presentationml/2006/main">
   <p:cSld>
     <p:spTree>
@@ -6507,7 +7597,7 @@
 </p:sld>
 </file>
 
-<file path=ppt/slides/slide6.xml><?xml version="1.0" encoding="utf-8"?>
+<file path=ppt/slides/slide7.xml><?xml version="1.0" encoding="utf-8"?>
 <p:sld xmlns:a="http://schemas.openxmlformats.org/drawingml/2006/main" xmlns:r="http://schemas.openxmlformats.org/officeDocument/2006/relationships" xmlns:p="http://schemas.openxmlformats.org/presentationml/2006/main">
   <p:cSld>
     <p:spTree>
@@ -7036,7 +8126,7 @@
 </p:sld>
 </file>
 
-<file path=ppt/slides/slide7.xml><?xml version="1.0" encoding="utf-8"?>
+<file path=ppt/slides/slide8.xml><?xml version="1.0" encoding="utf-8"?>
 <p:sld xmlns:a="http://schemas.openxmlformats.org/drawingml/2006/main" xmlns:r="http://schemas.openxmlformats.org/officeDocument/2006/relationships" xmlns:p="http://schemas.openxmlformats.org/presentationml/2006/main">
   <p:cSld>
     <p:spTree>
@@ -7898,7 +8988,7 @@
 </p:sld>
 </file>
 
-<file path=ppt/slides/slide8.xml><?xml version="1.0" encoding="utf-8"?>
+<file path=ppt/slides/slide9.xml><?xml version="1.0" encoding="utf-8"?>
 <p:sld xmlns:a="http://schemas.openxmlformats.org/drawingml/2006/main" xmlns:r="http://schemas.openxmlformats.org/officeDocument/2006/relationships" xmlns:p="http://schemas.openxmlformats.org/presentationml/2006/main">
   <p:cSld>
     <p:spTree>
@@ -8184,298 +9274,6 @@
             <a:r>
               <a:rPr lang="sv-SE" dirty="0" smtClean="0"/>
               <a:t> ?</a:t>
-            </a:r>
-            <a:endParaRPr lang="sv-SE" dirty="0"/>
-          </a:p>
-        </p:txBody>
-      </p:sp>
-    </p:spTree>
-  </p:cSld>
-  <p:clrMapOvr>
-    <a:masterClrMapping/>
-  </p:clrMapOvr>
-  <p:transition>
-    <p:random/>
-  </p:transition>
-  <p:timing>
-    <p:tnLst>
-      <p:par>
-        <p:cTn id="1" dur="indefinite" restart="never" nodeType="tmRoot"/>
-      </p:par>
-    </p:tnLst>
-  </p:timing>
-</p:sld>
-</file>
-
-<file path=ppt/slides/slide9.xml><?xml version="1.0" encoding="utf-8"?>
-<p:sld xmlns:a="http://schemas.openxmlformats.org/drawingml/2006/main" xmlns:r="http://schemas.openxmlformats.org/officeDocument/2006/relationships" xmlns:p="http://schemas.openxmlformats.org/presentationml/2006/main">
-  <p:cSld>
-    <p:spTree>
-      <p:nvGrpSpPr>
-        <p:cNvPr id="1" name=""/>
-        <p:cNvGrpSpPr/>
-        <p:nvPr/>
-      </p:nvGrpSpPr>
-      <p:grpSpPr>
-        <a:xfrm>
-          <a:off x="0" y="0"/>
-          <a:ext cx="0" cy="0"/>
-          <a:chOff x="0" y="0"/>
-          <a:chExt cx="0" cy="0"/>
-        </a:xfrm>
-      </p:grpSpPr>
-      <p:sp>
-        <p:nvSpPr>
-          <p:cNvPr id="3" name="Platshållare för innehåll 2"/>
-          <p:cNvSpPr>
-            <a:spLocks noGrp="1"/>
-          </p:cNvSpPr>
-          <p:nvPr>
-            <p:ph idx="1"/>
-          </p:nvPr>
-        </p:nvSpPr>
-        <p:spPr>
-          <a:xfrm>
-            <a:off x="429064" y="824597"/>
-            <a:ext cx="8229600" cy="4619625"/>
-          </a:xfrm>
-        </p:spPr>
-        <p:txBody>
-          <a:bodyPr/>
-          <a:lstStyle/>
-          <a:p>
-            <a:r>
-              <a:rPr lang="sv-SE" dirty="0" smtClean="0"/>
-              <a:t>Det redigerade födelsedatat postas till en </a:t>
-            </a:r>
-            <a:r>
-              <a:rPr lang="sv-SE" i="1" dirty="0" smtClean="0"/>
-              <a:t>action method</a:t>
-            </a:r>
-            <a:r>
-              <a:rPr lang="sv-SE" dirty="0" smtClean="0"/>
-              <a:t> med namnet </a:t>
-            </a:r>
-            <a:r>
-              <a:rPr lang="sv-SE" sz="1600" dirty="0" smtClean="0">
-                <a:latin typeface="Courier New" pitchFamily="49" charset="0"/>
-                <a:cs typeface="Courier New" pitchFamily="49" charset="0"/>
-              </a:rPr>
-              <a:t>Edit</a:t>
-            </a:r>
-            <a:r>
-              <a:rPr lang="sv-SE" dirty="0" smtClean="0"/>
-              <a:t>, som skapar ett </a:t>
-            </a:r>
-            <a:r>
-              <a:rPr lang="sv-SE" sz="1600" dirty="0" smtClean="0">
-                <a:latin typeface="Courier New" pitchFamily="49" charset="0"/>
-                <a:cs typeface="Courier New" pitchFamily="49" charset="0"/>
-              </a:rPr>
-              <a:t>Birthdate</a:t>
-            </a:r>
-            <a:r>
-              <a:rPr lang="sv-SE" dirty="0" smtClean="0"/>
-              <a:t>-objekt, </a:t>
-            </a:r>
-            <a:r>
-              <a:rPr lang="sv-SE" dirty="0" smtClean="0"/>
-              <a:t>utifrån datat i formuläret, </a:t>
-            </a:r>
-            <a:r>
-              <a:rPr lang="sv-SE" dirty="0" smtClean="0"/>
-              <a:t>uppdaterar objektet, sparar det i databasen och visar ett rättmeddelande</a:t>
-            </a:r>
-            <a:r>
-              <a:rPr lang="sv-SE" dirty="0" smtClean="0"/>
-              <a:t>. Inträffar fel visas formuläret innehållande felmeddelande(n).</a:t>
-            </a:r>
-            <a:endParaRPr lang="sv-SE" dirty="0" smtClean="0"/>
-          </a:p>
-        </p:txBody>
-      </p:sp>
-      <p:pic>
-        <p:nvPicPr>
-          <p:cNvPr id="8195" name="Picture 3"/>
-          <p:cNvPicPr>
-            <a:picLocks noChangeAspect="1" noChangeArrowheads="1"/>
-          </p:cNvPicPr>
-          <p:nvPr/>
-        </p:nvPicPr>
-        <p:blipFill>
-          <a:blip r:embed="rId2">
-            <a:extLst>
-              <a:ext uri="{28A0092B-C50C-407E-A947-70E740481C1C}">
-                <a14:useLocalDpi xmlns:a14="http://schemas.microsoft.com/office/drawing/2010/main" val="0"/>
-              </a:ext>
-            </a:extLst>
-          </a:blip>
-          <a:srcRect/>
-          <a:stretch>
-            <a:fillRect/>
-          </a:stretch>
-        </p:blipFill>
-        <p:spPr bwMode="auto">
-          <a:xfrm rot="420000">
-            <a:off x="4595825" y="2900830"/>
-            <a:ext cx="3573333" cy="1860000"/>
-          </a:xfrm>
-          <a:prstGeom prst="rect">
-            <a:avLst/>
-          </a:prstGeom>
-          <a:solidFill>
-            <a:srgbClr val="FFFFFF">
-              <a:shade val="85000"/>
-            </a:srgbClr>
-          </a:solidFill>
-          <a:ln w="190500" cap="sq">
-            <a:solidFill>
-              <a:srgbClr val="FFFFFF"/>
-            </a:solidFill>
-            <a:miter lim="800000"/>
-          </a:ln>
-          <a:effectLst>
-            <a:outerShdw blurRad="65000" dist="50800" dir="12900000" kx="195000" ky="145000" algn="tl" rotWithShape="0">
-              <a:srgbClr val="000000">
-                <a:alpha val="30000"/>
-              </a:srgbClr>
-            </a:outerShdw>
-          </a:effectLst>
-          <a:scene3d>
-            <a:camera prst="orthographicFront">
-              <a:rot lat="0" lon="0" rev="360000"/>
-            </a:camera>
-            <a:lightRig rig="twoPt" dir="t">
-              <a:rot lat="0" lon="0" rev="7200000"/>
-            </a:lightRig>
-          </a:scene3d>
-          <a:sp3d contourW="12700">
-            <a:bevelT w="25400" h="19050"/>
-            <a:contourClr>
-              <a:srgbClr val="969696"/>
-            </a:contourClr>
-          </a:sp3d>
-          <a:extLst>
-            <a:ext uri="{909E8E84-426E-40DD-AFC4-6F175D3DCCD1}">
-              <a14:hiddenFill xmlns:a14="http://schemas.microsoft.com/office/drawing/2010/main">
-                <a:solidFill>
-                  <a:schemeClr val="accent1"/>
-                </a:solidFill>
-              </a14:hiddenFill>
-            </a:ext>
-            <a:ext uri="{91240B29-F687-4F45-9708-019B960494DF}">
-              <a14:hiddenLine xmlns:a14="http://schemas.microsoft.com/office/drawing/2010/main" w="9525">
-                <a:solidFill>
-                  <a:schemeClr val="tx1"/>
-                </a:solidFill>
-                <a:miter lim="800000"/>
-                <a:headEnd/>
-                <a:tailEnd/>
-              </a14:hiddenLine>
-            </a:ext>
-          </a:extLst>
-        </p:spPr>
-      </p:pic>
-      <p:pic>
-        <p:nvPicPr>
-          <p:cNvPr id="8197" name="Picture 5"/>
-          <p:cNvPicPr>
-            <a:picLocks noChangeAspect="1" noChangeArrowheads="1"/>
-          </p:cNvPicPr>
-          <p:nvPr/>
-        </p:nvPicPr>
-        <p:blipFill>
-          <a:blip r:embed="rId3">
-            <a:extLst>
-              <a:ext uri="{28A0092B-C50C-407E-A947-70E740481C1C}">
-                <a14:useLocalDpi xmlns:a14="http://schemas.microsoft.com/office/drawing/2010/main" val="0"/>
-              </a:ext>
-            </a:extLst>
-          </a:blip>
-          <a:srcRect/>
-          <a:stretch>
-            <a:fillRect/>
-          </a:stretch>
-        </p:blipFill>
-        <p:spPr bwMode="auto">
-          <a:xfrm>
-            <a:off x="956251" y="2537497"/>
-            <a:ext cx="3473334" cy="2586667"/>
-          </a:xfrm>
-          <a:prstGeom prst="rect">
-            <a:avLst/>
-          </a:prstGeom>
-          <a:solidFill>
-            <a:srgbClr val="FFFFFF">
-              <a:shade val="85000"/>
-            </a:srgbClr>
-          </a:solidFill>
-          <a:ln w="190500" cap="sq">
-            <a:solidFill>
-              <a:srgbClr val="FFFFFF"/>
-            </a:solidFill>
-            <a:miter lim="800000"/>
-          </a:ln>
-          <a:effectLst>
-            <a:outerShdw blurRad="65000" dist="50800" dir="12900000" kx="195000" ky="145000" algn="tl" rotWithShape="0">
-              <a:srgbClr val="000000">
-                <a:alpha val="30000"/>
-              </a:srgbClr>
-            </a:outerShdw>
-          </a:effectLst>
-          <a:scene3d>
-            <a:camera prst="orthographicFront">
-              <a:rot lat="0" lon="0" rev="360000"/>
-            </a:camera>
-            <a:lightRig rig="twoPt" dir="t">
-              <a:rot lat="0" lon="0" rev="7200000"/>
-            </a:lightRig>
-          </a:scene3d>
-          <a:sp3d contourW="12700">
-            <a:bevelT w="25400" h="19050"/>
-            <a:contourClr>
-              <a:srgbClr val="969696"/>
-            </a:contourClr>
-          </a:sp3d>
-          <a:extLst>
-            <a:ext uri="{909E8E84-426E-40DD-AFC4-6F175D3DCCD1}">
-              <a14:hiddenFill xmlns:a14="http://schemas.microsoft.com/office/drawing/2010/main">
-                <a:solidFill>
-                  <a:schemeClr val="accent1"/>
-                </a:solidFill>
-              </a14:hiddenFill>
-            </a:ext>
-            <a:ext uri="{91240B29-F687-4F45-9708-019B960494DF}">
-              <a14:hiddenLine xmlns:a14="http://schemas.microsoft.com/office/drawing/2010/main" w="9525">
-                <a:solidFill>
-                  <a:schemeClr val="tx1"/>
-                </a:solidFill>
-                <a:miter lim="800000"/>
-                <a:headEnd/>
-                <a:tailEnd/>
-              </a14:hiddenLine>
-            </a:ext>
-          </a:extLst>
-        </p:spPr>
-      </p:pic>
-      <p:sp>
-        <p:nvSpPr>
-          <p:cNvPr id="2" name="Rubrik 1"/>
-          <p:cNvSpPr>
-            <a:spLocks noGrp="1"/>
-          </p:cNvSpPr>
-          <p:nvPr>
-            <p:ph type="title"/>
-          </p:nvPr>
-        </p:nvSpPr>
-        <p:spPr/>
-        <p:txBody>
-          <a:bodyPr/>
-          <a:lstStyle/>
-          <a:p>
-            <a:r>
-              <a:rPr lang="sv-SE" dirty="0" smtClean="0"/>
-              <a:t>Spara redigerat födelsedata</a:t>
             </a:r>
             <a:endParaRPr lang="sv-SE" dirty="0"/>
           </a:p>

--- a/Presentationsmaterial/Dokument/1.6 CRUD, Layout Pages och Partial Views.pptx
+++ b/Presentationsmaterial/Dokument/1.6 CRUD, Layout Pages och Partial Views.pptx
@@ -148,6 +148,22 @@
       </a:defRPr>
     </a:lvl9pPr>
   </p:defaultTextStyle>
+  <p:extLst>
+    <p:ext uri="{EFAFB233-063F-42B5-8137-9DF3F51BA10A}">
+      <p15:sldGuideLst xmlns:p15="http://schemas.microsoft.com/office/powerpoint/2012/main">
+        <p15:guide id="1" orient="horz">
+          <p15:clr>
+            <a:srgbClr val="A4A3A4"/>
+          </p15:clr>
+        </p15:guide>
+        <p15:guide id="2">
+          <p15:clr>
+            <a:srgbClr val="A4A3A4"/>
+          </p15:clr>
+        </p15:guide>
+      </p15:sldGuideLst>
+    </p:ext>
+  </p:extLst>
 </p:presentation>
 </file>
 
@@ -234,7 +250,7 @@
             <a:fld id="{0B3BAAB0-D539-4A20-AE97-450346457396}" type="datetimeFigureOut">
               <a:rPr lang="sv-SE" smtClean="0"/>
               <a:pPr/>
-              <a:t>2013-11-16</a:t>
+              <a:t>2014-11-14</a:t>
             </a:fld>
             <a:endParaRPr lang="sv-SE" dirty="0"/>
           </a:p>
@@ -2921,7 +2937,6 @@
               <a:rPr lang="sv-SE" noProof="0" smtClean="0"/>
               <a:t>Klicka på ikonen för att lägga till en bild</a:t>
             </a:r>
-            <a:endParaRPr lang="sv-SE" noProof="0" smtClean="0"/>
           </a:p>
         </p:txBody>
       </p:sp>
@@ -3143,103 +3158,6 @@
               <a:rPr lang="sv-SE" dirty="0" smtClean="0"/>
               <a:t>Nivå fem</a:t>
             </a:r>
-          </a:p>
-        </p:txBody>
-      </p:sp>
-      <p:sp>
-        <p:nvSpPr>
-          <p:cNvPr id="243716" name="Rectangle 4"/>
-          <p:cNvSpPr>
-            <a:spLocks noChangeArrowheads="1"/>
-          </p:cNvSpPr>
-          <p:nvPr/>
-        </p:nvSpPr>
-        <p:spPr bwMode="auto">
-          <a:xfrm>
-            <a:off x="7619560" y="5512764"/>
-            <a:ext cx="1524440" cy="202236"/>
-          </a:xfrm>
-          <a:prstGeom prst="rect">
-            <a:avLst/>
-          </a:prstGeom>
-          <a:noFill/>
-          <a:ln w="9525">
-            <a:noFill/>
-            <a:miter lim="800000"/>
-            <a:headEnd/>
-            <a:tailEnd/>
-          </a:ln>
-          <a:effectLst/>
-        </p:spPr>
-        <p:txBody>
-          <a:bodyPr wrap="square" tIns="46800" rIns="90000" bIns="46800" anchor="b">
-            <a:spAutoFit/>
-          </a:bodyPr>
-          <a:lstStyle/>
-          <a:p>
-            <a:pPr algn="r" eaLnBrk="0" hangingPunct="0">
-              <a:defRPr/>
-            </a:pPr>
-            <a:fld id="{379C2104-876B-42DE-A891-A8777FA058E8}" type="slidenum">
-              <a:rPr lang="en-US" sz="700">
-                <a:solidFill>
-                  <a:schemeClr val="bg1">
-                    <a:lumMod val="75000"/>
-                  </a:schemeClr>
-                </a:solidFill>
-                <a:latin typeface="Times New Roman" pitchFamily="18" charset="0"/>
-                <a:cs typeface="Times New Roman" pitchFamily="18" charset="0"/>
-              </a:rPr>
-              <a:pPr algn="r" eaLnBrk="0" hangingPunct="0">
-                <a:defRPr/>
-              </a:pPr>
-              <a:t>‹#›</a:t>
-            </a:fld>
-            <a:r>
-              <a:rPr lang="en-US" sz="700" dirty="0">
-                <a:solidFill>
-                  <a:schemeClr val="bg1">
-                    <a:lumMod val="75000"/>
-                  </a:schemeClr>
-                </a:solidFill>
-                <a:latin typeface="Times New Roman" pitchFamily="18" charset="0"/>
-                <a:cs typeface="Times New Roman" pitchFamily="18" charset="0"/>
-              </a:rPr>
-              <a:t> </a:t>
-            </a:r>
-            <a:r>
-              <a:rPr lang="en-US" sz="700" dirty="0" smtClean="0">
-                <a:solidFill>
-                  <a:schemeClr val="bg1">
-                    <a:lumMod val="75000"/>
-                  </a:schemeClr>
-                </a:solidFill>
-                <a:latin typeface="Times New Roman" pitchFamily="18" charset="0"/>
-                <a:cs typeface="Times New Roman" pitchFamily="18" charset="0"/>
-              </a:rPr>
-              <a:t>(</a:t>
-            </a:r>
-            <a:r>
-              <a:rPr lang="en-US" sz="700" dirty="0" smtClean="0">
-                <a:solidFill>
-                  <a:schemeClr val="bg1">
-                    <a:lumMod val="75000"/>
-                  </a:schemeClr>
-                </a:solidFill>
-                <a:latin typeface="Times New Roman" pitchFamily="18" charset="0"/>
-                <a:cs typeface="Times New Roman" pitchFamily="18" charset="0"/>
-              </a:rPr>
-              <a:t>12)</a:t>
-            </a:r>
-            <a:endParaRPr lang="en-US" sz="700" dirty="0">
-              <a:solidFill>
-                <a:schemeClr val="bg1">
-                  <a:lumMod val="75000"/>
-                </a:schemeClr>
-              </a:solidFill>
-              <a:latin typeface="Times New Roman" pitchFamily="18" charset="0"/>
-              <a:cs typeface="Times New Roman" pitchFamily="18" charset="0"/>
-            </a:endParaRPr>
           </a:p>
         </p:txBody>
       </p:sp>
@@ -3824,11 +3742,7 @@
             </a:r>
             <a:r>
               <a:rPr lang="sv-SE" sz="5400" dirty="0" smtClean="0"/>
-              <a:t> </a:t>
-            </a:r>
-            <a:r>
-              <a:rPr lang="sv-SE" sz="5400" dirty="0" smtClean="0"/>
-              <a:t>och </a:t>
+              <a:t> och </a:t>
             </a:r>
             <a:r>
               <a:rPr lang="sv-SE" sz="5400" i="1" dirty="0" smtClean="0"/>
@@ -3952,21 +3866,8 @@
             </a:r>
             <a:r>
               <a:rPr lang="sv-SE" dirty="0" smtClean="0"/>
-              <a:t>-objekt, </a:t>
-            </a:r>
-            <a:r>
-              <a:rPr lang="sv-SE" dirty="0" smtClean="0"/>
-              <a:t>utifrån datat i formuläret, </a:t>
-            </a:r>
-            <a:r>
-              <a:rPr lang="sv-SE" dirty="0" smtClean="0"/>
-              <a:t>uppdaterar objektet, sparar det i databasen och visar ett rättmeddelande</a:t>
-            </a:r>
-            <a:r>
-              <a:rPr lang="sv-SE" dirty="0" smtClean="0"/>
-              <a:t>. Inträffar fel visas formuläret innehållande felmeddelande(n).</a:t>
-            </a:r>
-            <a:endParaRPr lang="sv-SE" dirty="0" smtClean="0"/>
+              <a:t>-objekt, utifrån datat i formuläret, uppdaterar objektet, sparar det i databasen och visar ett rättmeddelande. Inträffar fel visas formuläret innehållande felmeddelande(n).</a:t>
+            </a:r>
           </a:p>
         </p:txBody>
       </p:sp>
@@ -4031,25 +3932,7 @@
               <a:srgbClr val="969696"/>
             </a:contourClr>
           </a:sp3d>
-          <a:extLst>
-            <a:ext uri="{909E8E84-426E-40DD-AFC4-6F175D3DCCD1}">
-              <a14:hiddenFill xmlns:a14="http://schemas.microsoft.com/office/drawing/2010/main">
-                <a:solidFill>
-                  <a:schemeClr val="accent1"/>
-                </a:solidFill>
-              </a14:hiddenFill>
-            </a:ext>
-            <a:ext uri="{91240B29-F687-4F45-9708-019B960494DF}">
-              <a14:hiddenLine xmlns:a14="http://schemas.microsoft.com/office/drawing/2010/main" w="9525">
-                <a:solidFill>
-                  <a:schemeClr val="tx1"/>
-                </a:solidFill>
-                <a:miter lim="800000"/>
-                <a:headEnd/>
-                <a:tailEnd/>
-              </a14:hiddenLine>
-            </a:ext>
-          </a:extLst>
+          <a:extLst/>
         </p:spPr>
       </p:pic>
       <p:pic>
@@ -4113,25 +3996,7 @@
               <a:srgbClr val="969696"/>
             </a:contourClr>
           </a:sp3d>
-          <a:extLst>
-            <a:ext uri="{909E8E84-426E-40DD-AFC4-6F175D3DCCD1}">
-              <a14:hiddenFill xmlns:a14="http://schemas.microsoft.com/office/drawing/2010/main">
-                <a:solidFill>
-                  <a:schemeClr val="accent1"/>
-                </a:solidFill>
-              </a14:hiddenFill>
-            </a:ext>
-            <a:ext uri="{91240B29-F687-4F45-9708-019B960494DF}">
-              <a14:hiddenLine xmlns:a14="http://schemas.microsoft.com/office/drawing/2010/main" w="9525">
-                <a:solidFill>
-                  <a:schemeClr val="tx1"/>
-                </a:solidFill>
-                <a:miter lim="800000"/>
-                <a:headEnd/>
-                <a:tailEnd/>
-              </a14:hiddenLine>
-            </a:ext>
-          </a:extLst>
+          <a:extLst/>
         </p:spPr>
       </p:pic>
       <p:sp>
@@ -4253,25 +4118,7 @@
               <a:srgbClr val="969696"/>
             </a:contourClr>
           </a:sp3d>
-          <a:extLst>
-            <a:ext uri="{909E8E84-426E-40DD-AFC4-6F175D3DCCD1}">
-              <a14:hiddenFill xmlns:a14="http://schemas.microsoft.com/office/drawing/2010/main">
-                <a:solidFill>
-                  <a:schemeClr val="accent1"/>
-                </a:solidFill>
-              </a14:hiddenFill>
-            </a:ext>
-            <a:ext uri="{91240B29-F687-4F45-9708-019B960494DF}">
-              <a14:hiddenLine xmlns:a14="http://schemas.microsoft.com/office/drawing/2010/main" w="9525">
-                <a:solidFill>
-                  <a:schemeClr val="tx1"/>
-                </a:solidFill>
-                <a:miter lim="800000"/>
-                <a:headEnd/>
-                <a:tailEnd/>
-              </a14:hiddenLine>
-            </a:ext>
-          </a:extLst>
+          <a:extLst/>
         </p:spPr>
       </p:pic>
       <p:pic>
@@ -4335,25 +4182,7 @@
               <a:srgbClr val="969696"/>
             </a:contourClr>
           </a:sp3d>
-          <a:extLst>
-            <a:ext uri="{909E8E84-426E-40DD-AFC4-6F175D3DCCD1}">
-              <a14:hiddenFill xmlns:a14="http://schemas.microsoft.com/office/drawing/2010/main">
-                <a:solidFill>
-                  <a:schemeClr val="accent1"/>
-                </a:solidFill>
-              </a14:hiddenFill>
-            </a:ext>
-            <a:ext uri="{91240B29-F687-4F45-9708-019B960494DF}">
-              <a14:hiddenLine xmlns:a14="http://schemas.microsoft.com/office/drawing/2010/main" w="9525">
-                <a:solidFill>
-                  <a:schemeClr val="tx1"/>
-                </a:solidFill>
-                <a:miter lim="800000"/>
-                <a:headEnd/>
-                <a:tailEnd/>
-              </a14:hiddenLine>
-            </a:ext>
-          </a:extLst>
+          <a:extLst/>
         </p:spPr>
       </p:pic>
       <p:sp>
@@ -4373,43 +4202,19 @@
           <a:p>
             <a:r>
               <a:rPr lang="sv-SE" dirty="0" smtClean="0"/>
-              <a:t>Bortagning av </a:t>
-            </a:r>
+              <a:t>Bortagning av födelsedag följer i stora drag samma principer som redigering av födelsedata. MEN…</a:t>
+            </a:r>
+          </a:p>
+          <a:p>
             <a:r>
               <a:rPr lang="sv-SE" dirty="0" smtClean="0"/>
-              <a:t>födelsedag </a:t>
-            </a:r>
+              <a:t>…det är viktigt att födelsedata inte kan tas bort från databasen med en GET-förfrågan. Det måste åtminstone göras med en POST-förfrågan varför någon form av bekräftelseformulär är lämpligt att använda.</a:t>
+            </a:r>
+          </a:p>
+          <a:p>
             <a:r>
               <a:rPr lang="sv-SE" dirty="0" smtClean="0"/>
-              <a:t>följer i stora drag samma principer som redigering av födelsedata. MEN…</a:t>
-            </a:r>
-          </a:p>
-          <a:p>
-            <a:r>
-              <a:rPr lang="sv-SE" dirty="0" smtClean="0"/>
-              <a:t>…det är viktigt att </a:t>
-            </a:r>
-            <a:r>
-              <a:rPr lang="sv-SE" dirty="0" smtClean="0"/>
-              <a:t>födelsedata </a:t>
-            </a:r>
-            <a:r>
-              <a:rPr lang="sv-SE" dirty="0" smtClean="0"/>
-              <a:t>inte kan tas bort från databasen med en GET-förfrågan. Det måste åtminstone göras med en POST-förfrågan varför någon form av bekräftelseformulär är lämpligt att använda.</a:t>
-            </a:r>
-          </a:p>
-          <a:p>
-            <a:r>
-              <a:rPr lang="sv-SE" dirty="0" smtClean="0"/>
-              <a:t>Det är även lämpligt att användaren får ett rättmeddelande då </a:t>
-            </a:r>
-            <a:r>
-              <a:rPr lang="sv-SE" dirty="0" smtClean="0"/>
-              <a:t>födelsedatat </a:t>
-            </a:r>
-            <a:r>
-              <a:rPr lang="sv-SE" dirty="0" smtClean="0"/>
-              <a:t>tagits bort.</a:t>
+              <a:t>Det är även lämpligt att användaren får ett rättmeddelande då födelsedatat tagits bort.</a:t>
             </a:r>
             <a:endParaRPr lang="sv-SE" dirty="0"/>
           </a:p>
@@ -4476,25 +4281,7 @@
               <a:srgbClr val="969696"/>
             </a:contourClr>
           </a:sp3d>
-          <a:extLst>
-            <a:ext uri="{909E8E84-426E-40DD-AFC4-6F175D3DCCD1}">
-              <a14:hiddenFill xmlns:a14="http://schemas.microsoft.com/office/drawing/2010/main">
-                <a:solidFill>
-                  <a:schemeClr val="accent1"/>
-                </a:solidFill>
-              </a14:hiddenFill>
-            </a:ext>
-            <a:ext uri="{91240B29-F687-4F45-9708-019B960494DF}">
-              <a14:hiddenLine xmlns:a14="http://schemas.microsoft.com/office/drawing/2010/main" w="9525">
-                <a:solidFill>
-                  <a:schemeClr val="tx1"/>
-                </a:solidFill>
-                <a:miter lim="800000"/>
-                <a:headEnd/>
-                <a:tailEnd/>
-              </a14:hiddenLine>
-            </a:ext>
-          </a:extLst>
+          <a:extLst/>
         </p:spPr>
       </p:pic>
       <p:pic>
@@ -4558,25 +4345,7 @@
               <a:srgbClr val="969696"/>
             </a:contourClr>
           </a:sp3d>
-          <a:extLst>
-            <a:ext uri="{909E8E84-426E-40DD-AFC4-6F175D3DCCD1}">
-              <a14:hiddenFill xmlns:a14="http://schemas.microsoft.com/office/drawing/2010/main">
-                <a:solidFill>
-                  <a:schemeClr val="accent1"/>
-                </a:solidFill>
-              </a14:hiddenFill>
-            </a:ext>
-            <a:ext uri="{91240B29-F687-4F45-9708-019B960494DF}">
-              <a14:hiddenLine xmlns:a14="http://schemas.microsoft.com/office/drawing/2010/main" w="9525">
-                <a:solidFill>
-                  <a:schemeClr val="tx1"/>
-                </a:solidFill>
-                <a:miter lim="800000"/>
-                <a:headEnd/>
-                <a:tailEnd/>
-              </a14:hiddenLine>
-            </a:ext>
-          </a:extLst>
+          <a:extLst/>
         </p:spPr>
       </p:pic>
       <p:pic>
@@ -4640,25 +4409,7 @@
               <a:srgbClr val="969696"/>
             </a:contourClr>
           </a:sp3d>
-          <a:extLst>
-            <a:ext uri="{909E8E84-426E-40DD-AFC4-6F175D3DCCD1}">
-              <a14:hiddenFill xmlns:a14="http://schemas.microsoft.com/office/drawing/2010/main">
-                <a:solidFill>
-                  <a:schemeClr val="accent1"/>
-                </a:solidFill>
-              </a14:hiddenFill>
-            </a:ext>
-            <a:ext uri="{91240B29-F687-4F45-9708-019B960494DF}">
-              <a14:hiddenLine xmlns:a14="http://schemas.microsoft.com/office/drawing/2010/main" w="9525">
-                <a:solidFill>
-                  <a:schemeClr val="tx1"/>
-                </a:solidFill>
-                <a:miter lim="800000"/>
-                <a:headEnd/>
-                <a:tailEnd/>
-              </a14:hiddenLine>
-            </a:ext>
-          </a:extLst>
+          <a:extLst/>
         </p:spPr>
       </p:pic>
       <p:sp>
@@ -4896,25 +4647,7 @@
               <a:srgbClr val="FFFFFF"/>
             </a:contourClr>
           </a:sp3d>
-          <a:extLst>
-            <a:ext uri="{909E8E84-426E-40DD-AFC4-6F175D3DCCD1}">
-              <a14:hiddenFill xmlns:a14="http://schemas.microsoft.com/office/drawing/2010/main">
-                <a:solidFill>
-                  <a:schemeClr val="accent1"/>
-                </a:solidFill>
-              </a14:hiddenFill>
-            </a:ext>
-            <a:ext uri="{91240B29-F687-4F45-9708-019B960494DF}">
-              <a14:hiddenLine xmlns:a14="http://schemas.microsoft.com/office/drawing/2010/main" w="9525">
-                <a:solidFill>
-                  <a:schemeClr val="tx1"/>
-                </a:solidFill>
-                <a:miter lim="800000"/>
-                <a:headEnd/>
-                <a:tailEnd/>
-              </a14:hiddenLine>
-            </a:ext>
-          </a:extLst>
+          <a:extLst/>
         </p:spPr>
       </p:pic>
       <p:sp>
@@ -5009,25 +4742,7 @@
               <a:srgbClr val="FFFFFF"/>
             </a:contourClr>
           </a:sp3d>
-          <a:extLst>
-            <a:ext uri="{909E8E84-426E-40DD-AFC4-6F175D3DCCD1}">
-              <a14:hiddenFill xmlns:a14="http://schemas.microsoft.com/office/drawing/2010/main">
-                <a:solidFill>
-                  <a:schemeClr val="accent1"/>
-                </a:solidFill>
-              </a14:hiddenFill>
-            </a:ext>
-            <a:ext uri="{91240B29-F687-4F45-9708-019B960494DF}">
-              <a14:hiddenLine xmlns:a14="http://schemas.microsoft.com/office/drawing/2010/main" w="9525">
-                <a:solidFill>
-                  <a:schemeClr val="tx1"/>
-                </a:solidFill>
-                <a:miter lim="800000"/>
-                <a:headEnd/>
-                <a:tailEnd/>
-              </a14:hiddenLine>
-            </a:ext>
-          </a:extLst>
+          <a:extLst/>
         </p:spPr>
       </p:pic>
       <p:pic>
@@ -5091,25 +4806,7 @@
               <a:srgbClr val="FFFFFF"/>
             </a:contourClr>
           </a:sp3d>
-          <a:extLst>
-            <a:ext uri="{909E8E84-426E-40DD-AFC4-6F175D3DCCD1}">
-              <a14:hiddenFill xmlns:a14="http://schemas.microsoft.com/office/drawing/2010/main">
-                <a:solidFill>
-                  <a:schemeClr val="accent1"/>
-                </a:solidFill>
-              </a14:hiddenFill>
-            </a:ext>
-            <a:ext uri="{91240B29-F687-4F45-9708-019B960494DF}">
-              <a14:hiddenLine xmlns:a14="http://schemas.microsoft.com/office/drawing/2010/main" w="9525">
-                <a:solidFill>
-                  <a:schemeClr val="tx1"/>
-                </a:solidFill>
-                <a:miter lim="800000"/>
-                <a:headEnd/>
-                <a:tailEnd/>
-              </a14:hiddenLine>
-            </a:ext>
-          </a:extLst>
+          <a:extLst/>
         </p:spPr>
       </p:pic>
       <p:sp>
@@ -5196,25 +4893,7 @@
               <a:srgbClr val="FFFFFF"/>
             </a:contourClr>
           </a:sp3d>
-          <a:extLst>
-            <a:ext uri="{909E8E84-426E-40DD-AFC4-6F175D3DCCD1}">
-              <a14:hiddenFill xmlns:a14="http://schemas.microsoft.com/office/drawing/2010/main">
-                <a:solidFill>
-                  <a:schemeClr val="accent1"/>
-                </a:solidFill>
-              </a14:hiddenFill>
-            </a:ext>
-            <a:ext uri="{91240B29-F687-4F45-9708-019B960494DF}">
-              <a14:hiddenLine xmlns:a14="http://schemas.microsoft.com/office/drawing/2010/main" w="9525">
-                <a:solidFill>
-                  <a:schemeClr val="tx1"/>
-                </a:solidFill>
-                <a:miter lim="800000"/>
-                <a:headEnd/>
-                <a:tailEnd/>
-              </a14:hiddenLine>
-            </a:ext>
-          </a:extLst>
+          <a:extLst/>
         </p:spPr>
       </p:pic>
       <p:sp>
@@ -5744,79 +5423,24 @@
           <a:chExt cx="0" cy="0"/>
         </a:xfrm>
       </p:grpSpPr>
-      <p:sp>
-        <p:nvSpPr>
-          <p:cNvPr id="2" name="Rubrik 1"/>
-          <p:cNvSpPr>
-            <a:spLocks noGrp="1"/>
-          </p:cNvSpPr>
-          <p:nvPr>
-            <p:ph type="title"/>
-          </p:nvPr>
-        </p:nvSpPr>
-        <p:spPr/>
-        <p:txBody>
-          <a:bodyPr/>
-          <a:lstStyle/>
-          <a:p>
-            <a:r>
-              <a:rPr lang="sv-SE" dirty="0" smtClean="0"/>
-              <a:t>Vad krävs för att…</a:t>
-            </a:r>
-            <a:endParaRPr lang="sv-SE" dirty="0"/>
-          </a:p>
-        </p:txBody>
-      </p:sp>
-      <p:sp>
-        <p:nvSpPr>
-          <p:cNvPr id="3" name="Platshållare för innehåll 2"/>
-          <p:cNvSpPr>
-            <a:spLocks noGrp="1"/>
-          </p:cNvSpPr>
-          <p:nvPr>
-            <p:ph idx="1"/>
-          </p:nvPr>
-        </p:nvSpPr>
-        <p:spPr/>
-        <p:txBody>
-          <a:bodyPr/>
-          <a:lstStyle/>
-          <a:p>
-            <a:r>
-              <a:rPr lang="sv-SE" dirty="0" smtClean="0"/>
-              <a:t>…ge en applikation CRUD-funktionalitet? Det vill säga vad måste applikationen erbjuda för att användaren ska kunna skapa, läsa, uppdatera och ta bort data?</a:t>
-            </a:r>
-          </a:p>
-          <a:p>
-            <a:endParaRPr lang="sv-SE" dirty="0"/>
-          </a:p>
-        </p:txBody>
-      </p:sp>
       <p:pic>
         <p:nvPicPr>
-          <p:cNvPr id="3074" name="Picture 2"/>
+          <p:cNvPr id="4" name="Bildobjekt 3"/>
           <p:cNvPicPr>
-            <a:picLocks noChangeAspect="1" noChangeArrowheads="1"/>
+            <a:picLocks noChangeAspect="1"/>
           </p:cNvPicPr>
           <p:nvPr/>
         </p:nvPicPr>
         <p:blipFill>
-          <a:blip r:embed="rId2">
-            <a:extLst>
-              <a:ext uri="{28A0092B-C50C-407E-A947-70E740481C1C}">
-                <a14:useLocalDpi xmlns:a14="http://schemas.microsoft.com/office/drawing/2010/main" val="0"/>
-              </a:ext>
-            </a:extLst>
-          </a:blip>
-          <a:srcRect/>
+          <a:blip r:embed="rId2"/>
           <a:stretch>
             <a:fillRect/>
           </a:stretch>
         </p:blipFill>
-        <p:spPr bwMode="auto">
+        <p:spPr>
           <a:xfrm rot="540000">
-            <a:off x="827139" y="1666856"/>
-            <a:ext cx="4314825" cy="1876425"/>
+            <a:off x="813780" y="1679045"/>
+            <a:ext cx="4666667" cy="1733333"/>
           </a:xfrm>
           <a:prstGeom prst="rect">
             <a:avLst/>
@@ -5853,46 +5477,74 @@
               <a:srgbClr val="969696"/>
             </a:contourClr>
           </a:sp3d>
-          <a:extLst>
-            <a:ext uri="{909E8E84-426E-40DD-AFC4-6F175D3DCCD1}">
-              <a14:hiddenFill xmlns:a14="http://schemas.microsoft.com/office/drawing/2010/main">
-                <a:solidFill>
-                  <a:schemeClr val="accent1"/>
-                </a:solidFill>
-              </a14:hiddenFill>
-            </a:ext>
-            <a:ext uri="{91240B29-F687-4F45-9708-019B960494DF}">
-              <a14:hiddenLine xmlns:a14="http://schemas.microsoft.com/office/drawing/2010/main" w="9525">
-                <a:solidFill>
-                  <a:schemeClr val="tx1"/>
-                </a:solidFill>
-                <a:miter lim="800000"/>
-                <a:headEnd/>
-                <a:tailEnd/>
-              </a14:hiddenLine>
-            </a:ext>
-          </a:extLst>
         </p:spPr>
       </p:pic>
+      <p:sp>
+        <p:nvSpPr>
+          <p:cNvPr id="2" name="Rubrik 1"/>
+          <p:cNvSpPr>
+            <a:spLocks noGrp="1"/>
+          </p:cNvSpPr>
+          <p:nvPr>
+            <p:ph type="title"/>
+          </p:nvPr>
+        </p:nvSpPr>
+        <p:spPr/>
+        <p:txBody>
+          <a:bodyPr/>
+          <a:lstStyle/>
+          <a:p>
+            <a:r>
+              <a:rPr lang="sv-SE" dirty="0" smtClean="0"/>
+              <a:t>Vad krävs för att…</a:t>
+            </a:r>
+            <a:endParaRPr lang="sv-SE" dirty="0"/>
+          </a:p>
+        </p:txBody>
+      </p:sp>
+      <p:sp>
+        <p:nvSpPr>
+          <p:cNvPr id="3" name="Platshållare för innehåll 2"/>
+          <p:cNvSpPr>
+            <a:spLocks noGrp="1"/>
+          </p:cNvSpPr>
+          <p:nvPr>
+            <p:ph idx="1"/>
+          </p:nvPr>
+        </p:nvSpPr>
+        <p:spPr/>
+        <p:txBody>
+          <a:bodyPr/>
+          <a:lstStyle/>
+          <a:p>
+            <a:r>
+              <a:rPr lang="sv-SE" dirty="0" smtClean="0"/>
+              <a:t>…ge en applikation CRUD-funktionalitet? Det vill säga vad måste applikationen erbjuda för att användaren ska kunna skapa, läsa, uppdatera och ta bort data?</a:t>
+            </a:r>
+          </a:p>
+          <a:p>
+            <a:endParaRPr lang="sv-SE" dirty="0"/>
+          </a:p>
+        </p:txBody>
+      </p:sp>
       <p:pic>
         <p:nvPicPr>
-          <p:cNvPr id="2051" name="Picture 3"/>
+          <p:cNvPr id="5" name="Bildobjekt 4"/>
           <p:cNvPicPr>
-            <a:picLocks noChangeAspect="1" noChangeArrowheads="1"/>
+            <a:picLocks noChangeAspect="1"/>
           </p:cNvPicPr>
           <p:nvPr/>
         </p:nvPicPr>
         <p:blipFill>
-          <a:blip r:embed="rId3" cstate="print"/>
-          <a:srcRect/>
+          <a:blip r:embed="rId3"/>
           <a:stretch>
             <a:fillRect/>
           </a:stretch>
         </p:blipFill>
-        <p:spPr bwMode="auto">
+        <p:spPr>
           <a:xfrm>
-            <a:off x="3392375" y="2912258"/>
-            <a:ext cx="3943350" cy="2333625"/>
+            <a:off x="3737815" y="2916996"/>
+            <a:ext cx="2885714" cy="2457143"/>
           </a:xfrm>
           <a:prstGeom prst="rect">
             <a:avLst/>
@@ -6191,107 +5843,7 @@
               <a:srgbClr val="969696"/>
             </a:contourClr>
           </a:sp3d>
-          <a:extLst>
-            <a:ext uri="{909E8E84-426E-40DD-AFC4-6F175D3DCCD1}">
-              <a14:hiddenFill xmlns:a14="http://schemas.microsoft.com/office/drawing/2010/main">
-                <a:solidFill>
-                  <a:schemeClr val="accent1"/>
-                </a:solidFill>
-              </a14:hiddenFill>
-            </a:ext>
-            <a:ext uri="{91240B29-F687-4F45-9708-019B960494DF}">
-              <a14:hiddenLine xmlns:a14="http://schemas.microsoft.com/office/drawing/2010/main" w="9525">
-                <a:solidFill>
-                  <a:schemeClr val="tx1"/>
-                </a:solidFill>
-                <a:miter lim="800000"/>
-                <a:headEnd/>
-                <a:tailEnd/>
-              </a14:hiddenLine>
-            </a:ext>
-          </a:extLst>
-        </p:spPr>
-      </p:pic>
-      <p:pic>
-        <p:nvPicPr>
-          <p:cNvPr id="4" name="Picture 2"/>
-          <p:cNvPicPr>
-            <a:picLocks noChangeAspect="1" noChangeArrowheads="1"/>
-          </p:cNvPicPr>
-          <p:nvPr/>
-        </p:nvPicPr>
-        <p:blipFill>
-          <a:blip r:embed="rId4">
-            <a:extLst>
-              <a:ext uri="{28A0092B-C50C-407E-A947-70E740481C1C}">
-                <a14:useLocalDpi xmlns:a14="http://schemas.microsoft.com/office/drawing/2010/main" val="0"/>
-              </a:ext>
-            </a:extLst>
-          </a:blip>
-          <a:srcRect/>
-          <a:stretch>
-            <a:fillRect/>
-          </a:stretch>
-        </p:blipFill>
-        <p:spPr bwMode="auto">
-          <a:xfrm rot="625219">
-            <a:off x="5490521" y="4347259"/>
-            <a:ext cx="2353334" cy="1200000"/>
-          </a:xfrm>
-          <a:prstGeom prst="rect">
-            <a:avLst/>
-          </a:prstGeom>
-          <a:solidFill>
-            <a:srgbClr val="FFFFFF">
-              <a:shade val="85000"/>
-            </a:srgbClr>
-          </a:solidFill>
-          <a:ln w="190500" cap="sq">
-            <a:solidFill>
-              <a:srgbClr val="FFFFFF"/>
-            </a:solidFill>
-            <a:miter lim="800000"/>
-          </a:ln>
-          <a:effectLst>
-            <a:outerShdw blurRad="65000" dist="50800" dir="12900000" kx="195000" ky="145000" algn="tl" rotWithShape="0">
-              <a:srgbClr val="000000">
-                <a:alpha val="30000"/>
-              </a:srgbClr>
-            </a:outerShdw>
-          </a:effectLst>
-          <a:scene3d>
-            <a:camera prst="orthographicFront">
-              <a:rot lat="0" lon="0" rev="360000"/>
-            </a:camera>
-            <a:lightRig rig="twoPt" dir="t">
-              <a:rot lat="0" lon="0" rev="7200000"/>
-            </a:lightRig>
-          </a:scene3d>
-          <a:sp3d contourW="12700">
-            <a:bevelT w="25400" h="19050"/>
-            <a:contourClr>
-              <a:srgbClr val="969696"/>
-            </a:contourClr>
-          </a:sp3d>
-          <a:extLst>
-            <a:ext uri="{909E8E84-426E-40DD-AFC4-6F175D3DCCD1}">
-              <a14:hiddenFill xmlns:a14="http://schemas.microsoft.com/office/drawing/2010/main">
-                <a:solidFill>
-                  <a:schemeClr val="accent1"/>
-                </a:solidFill>
-              </a14:hiddenFill>
-            </a:ext>
-            <a:ext uri="{91240B29-F687-4F45-9708-019B960494DF}">
-              <a14:hiddenLine xmlns:a14="http://schemas.microsoft.com/office/drawing/2010/main" w="9525">
-                <a:solidFill>
-                  <a:schemeClr val="tx1"/>
-                </a:solidFill>
-                <a:miter lim="800000"/>
-                <a:headEnd/>
-                <a:tailEnd/>
-              </a14:hiddenLine>
-            </a:ext>
-          </a:extLst>
+          <a:extLst/>
         </p:spPr>
       </p:pic>
       <p:sp>
@@ -6481,14 +6033,7 @@
                           <a:latin typeface="Times New Roman" pitchFamily="18" charset="0"/>
                           <a:cs typeface="Times New Roman" pitchFamily="18" charset="0"/>
                         </a:rPr>
-                        <a:t>/Birthday/Create</a:t>
-                      </a:r>
-                      <a:r>
-                        <a:rPr lang="sv-SE" sz="1200" dirty="0" smtClean="0">
-                          <a:latin typeface="Times New Roman" pitchFamily="18" charset="0"/>
-                          <a:cs typeface="Times New Roman" pitchFamily="18" charset="0"/>
-                        </a:rPr>
-                        <a:t>/</a:t>
+                        <a:t>/Birthday/Create/</a:t>
                       </a:r>
                       <a:endParaRPr lang="sv-SE" sz="1200" dirty="0">
                         <a:latin typeface="Times New Roman" pitchFamily="18" charset="0"/>
@@ -6624,10 +6169,6 @@
                         </a:rPr>
                         <a:t>/Birthday/Edit/id</a:t>
                       </a:r>
-                      <a:endParaRPr lang="sv-SE" sz="1200" dirty="0" smtClean="0">
-                        <a:latin typeface="Times New Roman" pitchFamily="18" charset="0"/>
-                        <a:cs typeface="Times New Roman" pitchFamily="18" charset="0"/>
-                      </a:endParaRPr>
                     </a:p>
                   </a:txBody>
                   <a:tcPr/>
@@ -6863,6 +6404,62 @@
           </a:graphicData>
         </a:graphic>
       </p:graphicFrame>
+      <p:pic>
+        <p:nvPicPr>
+          <p:cNvPr id="6" name="Bildobjekt 5"/>
+          <p:cNvPicPr>
+            <a:picLocks noChangeAspect="1"/>
+          </p:cNvPicPr>
+          <p:nvPr/>
+        </p:nvPicPr>
+        <p:blipFill>
+          <a:blip r:embed="rId4"/>
+          <a:stretch>
+            <a:fillRect/>
+          </a:stretch>
+        </p:blipFill>
+        <p:spPr>
+          <a:xfrm rot="600000">
+            <a:off x="5488428" y="4327892"/>
+            <a:ext cx="2260000" cy="1200000"/>
+          </a:xfrm>
+          <a:prstGeom prst="rect">
+            <a:avLst/>
+          </a:prstGeom>
+          <a:solidFill>
+            <a:srgbClr val="FFFFFF">
+              <a:shade val="85000"/>
+            </a:srgbClr>
+          </a:solidFill>
+          <a:ln w="190500" cap="sq">
+            <a:solidFill>
+              <a:srgbClr val="FFFFFF"/>
+            </a:solidFill>
+            <a:miter lim="800000"/>
+          </a:ln>
+          <a:effectLst>
+            <a:outerShdw blurRad="65000" dist="50800" dir="12900000" kx="195000" ky="145000" algn="tl" rotWithShape="0">
+              <a:srgbClr val="000000">
+                <a:alpha val="30000"/>
+              </a:srgbClr>
+            </a:outerShdw>
+          </a:effectLst>
+          <a:scene3d>
+            <a:camera prst="orthographicFront">
+              <a:rot lat="0" lon="0" rev="360000"/>
+            </a:camera>
+            <a:lightRig rig="twoPt" dir="t">
+              <a:rot lat="0" lon="0" rev="7200000"/>
+            </a:lightRig>
+          </a:scene3d>
+          <a:sp3d contourW="12700">
+            <a:bevelT w="25400" h="19050"/>
+            <a:contourClr>
+              <a:srgbClr val="969696"/>
+            </a:contourClr>
+          </a:sp3d>
+        </p:spPr>
+      </p:pic>
     </p:spTree>
   </p:cSld>
   <p:clrMapOvr>
@@ -6923,11 +6520,7 @@
             </a:r>
             <a:r>
               <a:rPr lang="sv-SE" dirty="0" smtClean="0"/>
-              <a:t> </a:t>
-            </a:r>
-            <a:r>
-              <a:rPr lang="sv-SE" dirty="0" smtClean="0"/>
-              <a:t>Layout (</a:t>
+              <a:t> Layout (</a:t>
             </a:r>
             <a:r>
               <a:rPr lang="sv-SE" dirty="0" err="1" smtClean="0"/>
@@ -6982,11 +6575,7 @@
             </a:r>
             <a:r>
               <a:rPr lang="sv-SE" dirty="0" smtClean="0"/>
-              <a:t> placeras </a:t>
-            </a:r>
-            <a:r>
-              <a:rPr lang="sv-SE" dirty="0" smtClean="0"/>
-              <a:t>kod som är gemensam för vyer och tjänar på så sätt som en mall för vyerna.</a:t>
+              <a:t> placeras kod som är gemensam för vyer och tjänar på så sätt som en mall för vyerna.</a:t>
             </a:r>
           </a:p>
           <a:p>
@@ -7006,10 +6595,20 @@
           <a:p>
             <a:r>
               <a:rPr lang="sv-SE" dirty="0" smtClean="0"/>
-              <a:t>Filen som innehåller mallen ska placeras i katalogen \</a:t>
-            </a:r>
-            <a:r>
-              <a:rPr lang="sv-SE" dirty="0" err="1" smtClean="0"/>
+              <a:t>Filen som innehåller mallen ska placeras i katalogen </a:t>
+            </a:r>
+            <a:r>
+              <a:rPr lang="sv-SE" dirty="0" smtClean="0">
+                <a:latin typeface="Courier New" panose="02070309020205020404" pitchFamily="49" charset="0"/>
+                <a:cs typeface="Courier New" panose="02070309020205020404" pitchFamily="49" charset="0"/>
+              </a:rPr>
+              <a:t>\</a:t>
+            </a:r>
+            <a:r>
+              <a:rPr lang="sv-SE" dirty="0" err="1" smtClean="0">
+                <a:latin typeface="Courier New" panose="02070309020205020404" pitchFamily="49" charset="0"/>
+                <a:cs typeface="Courier New" panose="02070309020205020404" pitchFamily="49" charset="0"/>
+              </a:rPr>
               <a:t>Views\Shared</a:t>
             </a:r>
             <a:r>
@@ -7022,29 +6621,22 @@
       </p:sp>
       <p:pic>
         <p:nvPicPr>
-          <p:cNvPr id="2050" name="Picture 2"/>
+          <p:cNvPr id="4" name="Bildobjekt 3"/>
           <p:cNvPicPr>
-            <a:picLocks noChangeAspect="1" noChangeArrowheads="1"/>
+            <a:picLocks noChangeAspect="1"/>
           </p:cNvPicPr>
           <p:nvPr/>
         </p:nvPicPr>
         <p:blipFill>
-          <a:blip r:embed="rId2">
-            <a:extLst>
-              <a:ext uri="{28A0092B-C50C-407E-A947-70E740481C1C}">
-                <a14:useLocalDpi xmlns:a14="http://schemas.microsoft.com/office/drawing/2010/main" val="0"/>
-              </a:ext>
-            </a:extLst>
-          </a:blip>
-          <a:srcRect/>
+          <a:blip r:embed="rId2"/>
           <a:stretch>
             <a:fillRect/>
           </a:stretch>
         </p:blipFill>
-        <p:spPr bwMode="auto">
-          <a:xfrm rot="181543">
-            <a:off x="2481263" y="2692147"/>
-            <a:ext cx="4181475" cy="2762250"/>
+        <p:spPr>
+          <a:xfrm rot="180000">
+            <a:off x="1914857" y="2661846"/>
+            <a:ext cx="5314286" cy="2761905"/>
           </a:xfrm>
           <a:prstGeom prst="rect">
             <a:avLst/>
@@ -7081,25 +6673,6 @@
               <a:srgbClr val="969696"/>
             </a:contourClr>
           </a:sp3d>
-          <a:extLst>
-            <a:ext uri="{909E8E84-426E-40DD-AFC4-6F175D3DCCD1}">
-              <a14:hiddenFill xmlns:a14="http://schemas.microsoft.com/office/drawing/2010/main">
-                <a:solidFill>
-                  <a:schemeClr val="accent1"/>
-                </a:solidFill>
-              </a14:hiddenFill>
-            </a:ext>
-            <a:ext uri="{91240B29-F687-4F45-9708-019B960494DF}">
-              <a14:hiddenLine xmlns:a14="http://schemas.microsoft.com/office/drawing/2010/main" w="9525">
-                <a:solidFill>
-                  <a:schemeClr val="tx1"/>
-                </a:solidFill>
-                <a:miter lim="800000"/>
-                <a:headEnd/>
-                <a:tailEnd/>
-              </a14:hiddenLine>
-            </a:ext>
-          </a:extLst>
         </p:spPr>
       </p:pic>
     </p:spTree>
@@ -7137,145 +6710,89 @@
           <a:chExt cx="0" cy="0"/>
         </a:xfrm>
       </p:grpSpPr>
+      <p:sp>
+        <p:nvSpPr>
+          <p:cNvPr id="14" name="Ellips 13"/>
+          <p:cNvSpPr/>
+          <p:nvPr/>
+        </p:nvSpPr>
+        <p:spPr bwMode="auto">
+          <a:xfrm>
+            <a:off x="933368" y="2636660"/>
+            <a:ext cx="118412" cy="118412"/>
+          </a:xfrm>
+          <a:prstGeom prst="ellipse">
+            <a:avLst/>
+          </a:prstGeom>
+          <a:solidFill>
+            <a:schemeClr val="accent1"/>
+          </a:solidFill>
+          <a:ln w="9525" cap="flat" cmpd="sng" algn="ctr">
+            <a:solidFill>
+              <a:schemeClr val="tx1"/>
+            </a:solidFill>
+            <a:prstDash val="solid"/>
+            <a:round/>
+            <a:headEnd type="none" w="med" len="med"/>
+            <a:tailEnd type="none" w="med" len="med"/>
+          </a:ln>
+          <a:effectLst/>
+        </p:spPr>
+        <p:txBody>
+          <a:bodyPr vert="horz" wrap="square" lIns="90488" tIns="44450" rIns="90488" bIns="44450" numCol="1" rtlCol="0" anchor="t" anchorCtr="0" compatLnSpc="1">
+            <a:prstTxWarp prst="textNoShape">
+              <a:avLst/>
+            </a:prstTxWarp>
+          </a:bodyPr>
+          <a:lstStyle/>
+          <a:p>
+            <a:pPr marL="0" marR="0" indent="0" algn="l" defTabSz="914400" rtl="0" eaLnBrk="1" fontAlgn="base" latinLnBrk="0" hangingPunct="1">
+              <a:lnSpc>
+                <a:spcPct val="100000"/>
+              </a:lnSpc>
+              <a:spcBef>
+                <a:spcPct val="0"/>
+              </a:spcBef>
+              <a:spcAft>
+                <a:spcPct val="0"/>
+              </a:spcAft>
+              <a:buClrTx/>
+              <a:buSzTx/>
+              <a:buFontTx/>
+              <a:buNone/>
+              <a:tabLst/>
+            </a:pPr>
+            <a:endParaRPr kumimoji="0" lang="sv-SE" sz="1800" b="0" i="0" u="none" strike="noStrike" cap="none" normalizeH="0" baseline="0" smtClean="0">
+              <a:ln>
+                <a:noFill/>
+              </a:ln>
+              <a:solidFill>
+                <a:schemeClr val="tx1"/>
+              </a:solidFill>
+              <a:effectLst/>
+              <a:latin typeface="Arial" charset="0"/>
+            </a:endParaRPr>
+          </a:p>
+        </p:txBody>
+      </p:sp>
       <p:pic>
         <p:nvPicPr>
-          <p:cNvPr id="8199" name="Picture 7" descr="C:\Users\mats\AppData\Local\Temp\SNAGHTML26eaf67b.PNG"/>
+          <p:cNvPr id="10" name="Bildobjekt 9"/>
           <p:cNvPicPr>
-            <a:picLocks noChangeAspect="1" noChangeArrowheads="1"/>
+            <a:picLocks noChangeAspect="1"/>
           </p:cNvPicPr>
           <p:nvPr/>
         </p:nvPicPr>
         <p:blipFill>
-          <a:blip r:embed="rId2">
-            <a:grayscl/>
-            <a:extLst>
-              <a:ext uri="{28A0092B-C50C-407E-A947-70E740481C1C}">
-                <a14:useLocalDpi xmlns:a14="http://schemas.microsoft.com/office/drawing/2010/main" val="0"/>
-              </a:ext>
-            </a:extLst>
-          </a:blip>
-          <a:srcRect/>
+          <a:blip r:embed="rId2"/>
           <a:stretch>
             <a:fillRect/>
           </a:stretch>
         </p:blipFill>
-        <p:spPr bwMode="auto">
-          <a:xfrm rot="19462734">
-            <a:off x="2343308" y="1386336"/>
-            <a:ext cx="5801531" cy="814250"/>
-          </a:xfrm>
-          <a:prstGeom prst="rect">
-            <a:avLst/>
-          </a:prstGeom>
-          <a:noFill/>
-          <a:scene3d>
-            <a:camera prst="isometricBottomDown"/>
-            <a:lightRig rig="threePt" dir="t"/>
-          </a:scene3d>
-          <a:extLst>
-            <a:ext uri="{909E8E84-426E-40DD-AFC4-6F175D3DCCD1}">
-              <a14:hiddenFill xmlns:a14="http://schemas.microsoft.com/office/drawing/2010/main">
-                <a:solidFill>
-                  <a:srgbClr val="FFFFFF"/>
-                </a:solidFill>
-              </a14:hiddenFill>
-            </a:ext>
-          </a:extLst>
-        </p:spPr>
-      </p:pic>
-      <p:sp>
-        <p:nvSpPr>
-          <p:cNvPr id="2" name="Rubrik 1"/>
-          <p:cNvSpPr>
-            <a:spLocks noGrp="1"/>
-          </p:cNvSpPr>
-          <p:nvPr>
-            <p:ph type="title"/>
-          </p:nvPr>
-        </p:nvSpPr>
-        <p:spPr/>
-        <p:txBody>
-          <a:bodyPr/>
-          <a:lstStyle/>
-          <a:p>
-            <a:r>
-              <a:rPr lang="sv-SE" dirty="0" smtClean="0"/>
-              <a:t>Vyer </a:t>
-            </a:r>
-            <a:r>
-              <a:rPr lang="sv-SE" dirty="0" smtClean="0"/>
-              <a:t>som använder en </a:t>
-            </a:r>
-            <a:r>
-              <a:rPr lang="sv-SE" i="1" dirty="0" smtClean="0"/>
-              <a:t>Layout Page</a:t>
-            </a:r>
-            <a:endParaRPr lang="sv-SE" dirty="0"/>
-          </a:p>
-        </p:txBody>
-      </p:sp>
-      <p:sp>
-        <p:nvSpPr>
-          <p:cNvPr id="3" name="Platshållare för innehåll 2"/>
-          <p:cNvSpPr>
-            <a:spLocks noGrp="1"/>
-          </p:cNvSpPr>
-          <p:nvPr>
-            <p:ph idx="1"/>
-          </p:nvPr>
-        </p:nvSpPr>
-        <p:spPr/>
-        <p:txBody>
-          <a:bodyPr/>
-          <a:lstStyle/>
-          <a:p>
-            <a:r>
-              <a:rPr lang="sv-SE" dirty="0" smtClean="0"/>
-              <a:t>Då en vy skapas väljs vilken </a:t>
-            </a:r>
-            <a:r>
-              <a:rPr lang="sv-SE" i="1" dirty="0" smtClean="0"/>
-              <a:t>Layout Page</a:t>
-            </a:r>
-            <a:r>
-              <a:rPr lang="sv-SE" dirty="0" smtClean="0"/>
-              <a:t> som vyn ska använda.</a:t>
-            </a:r>
-          </a:p>
-          <a:p>
-            <a:r>
-              <a:rPr lang="sv-SE" dirty="0" smtClean="0"/>
-              <a:t>I vyn placeras HTML och kod som är specifik för vyn.</a:t>
-            </a:r>
-            <a:endParaRPr lang="sv-SE" dirty="0"/>
-          </a:p>
-        </p:txBody>
-      </p:sp>
-      <p:pic>
-        <p:nvPicPr>
-          <p:cNvPr id="4100" name="Picture 4"/>
-          <p:cNvPicPr>
-            <a:picLocks noChangeAspect="1" noChangeArrowheads="1"/>
-          </p:cNvPicPr>
-          <p:nvPr/>
-        </p:nvPicPr>
-        <p:blipFill>
-          <a:blip r:embed="rId3">
-            <a:extLst>
-              <a:ext uri="{28A0092B-C50C-407E-A947-70E740481C1C}">
-                <a14:useLocalDpi xmlns:a14="http://schemas.microsoft.com/office/drawing/2010/main" val="0"/>
-              </a:ext>
-            </a:extLst>
-          </a:blip>
-          <a:srcRect/>
-          <a:stretch>
-            <a:fillRect/>
-          </a:stretch>
-        </p:blipFill>
-        <p:spPr bwMode="auto">
+        <p:spPr>
           <a:xfrm rot="21180000">
-            <a:off x="203099" y="1420854"/>
-            <a:ext cx="2508572" cy="1657143"/>
+            <a:off x="200564" y="1535201"/>
+            <a:ext cx="3188572" cy="1657143"/>
           </a:xfrm>
           <a:prstGeom prst="rect">
             <a:avLst/>
@@ -7312,30 +6829,197 @@
               <a:srgbClr val="FFFFFF"/>
             </a:contourClr>
           </a:sp3d>
-          <a:extLst>
-            <a:ext uri="{909E8E84-426E-40DD-AFC4-6F175D3DCCD1}">
-              <a14:hiddenFill xmlns:a14="http://schemas.microsoft.com/office/drawing/2010/main">
-                <a:solidFill>
-                  <a:schemeClr val="accent1"/>
-                </a:solidFill>
-              </a14:hiddenFill>
-            </a:ext>
-            <a:ext uri="{91240B29-F687-4F45-9708-019B960494DF}">
-              <a14:hiddenLine xmlns:a14="http://schemas.microsoft.com/office/drawing/2010/main" w="9525">
-                <a:solidFill>
-                  <a:schemeClr val="tx1"/>
-                </a:solidFill>
-                <a:miter lim="800000"/>
-                <a:headEnd/>
-                <a:tailEnd/>
-              </a14:hiddenLine>
-            </a:ext>
-          </a:extLst>
+        </p:spPr>
+      </p:pic>
+      <p:sp>
+        <p:nvSpPr>
+          <p:cNvPr id="13" name="Ellips 12"/>
+          <p:cNvSpPr/>
+          <p:nvPr/>
+        </p:nvSpPr>
+        <p:spPr bwMode="auto">
+          <a:xfrm>
+            <a:off x="1753017" y="2879159"/>
+            <a:ext cx="118412" cy="118412"/>
+          </a:xfrm>
+          <a:prstGeom prst="ellipse">
+            <a:avLst/>
+          </a:prstGeom>
+          <a:solidFill>
+            <a:schemeClr val="accent1"/>
+          </a:solidFill>
+          <a:ln w="9525" cap="flat" cmpd="sng" algn="ctr">
+            <a:solidFill>
+              <a:schemeClr val="tx1"/>
+            </a:solidFill>
+            <a:prstDash val="solid"/>
+            <a:round/>
+            <a:headEnd type="none" w="med" len="med"/>
+            <a:tailEnd type="none" w="med" len="med"/>
+          </a:ln>
+          <a:effectLst/>
+        </p:spPr>
+        <p:txBody>
+          <a:bodyPr vert="horz" wrap="square" lIns="90488" tIns="44450" rIns="90488" bIns="44450" numCol="1" rtlCol="0" anchor="t" anchorCtr="0" compatLnSpc="1">
+            <a:prstTxWarp prst="textNoShape">
+              <a:avLst/>
+            </a:prstTxWarp>
+          </a:bodyPr>
+          <a:lstStyle/>
+          <a:p>
+            <a:pPr marL="0" marR="0" indent="0" algn="l" defTabSz="914400" rtl="0" eaLnBrk="1" fontAlgn="base" latinLnBrk="0" hangingPunct="1">
+              <a:lnSpc>
+                <a:spcPct val="100000"/>
+              </a:lnSpc>
+              <a:spcBef>
+                <a:spcPct val="0"/>
+              </a:spcBef>
+              <a:spcAft>
+                <a:spcPct val="0"/>
+              </a:spcAft>
+              <a:buClrTx/>
+              <a:buSzTx/>
+              <a:buFontTx/>
+              <a:buNone/>
+              <a:tabLst/>
+            </a:pPr>
+            <a:endParaRPr kumimoji="0" lang="sv-SE" sz="1800" b="0" i="0" u="none" strike="noStrike" cap="none" normalizeH="0" baseline="0" smtClean="0">
+              <a:ln>
+                <a:noFill/>
+              </a:ln>
+              <a:solidFill>
+                <a:schemeClr val="tx1"/>
+              </a:solidFill>
+              <a:effectLst/>
+              <a:latin typeface="Arial" charset="0"/>
+            </a:endParaRPr>
+          </a:p>
+        </p:txBody>
+      </p:sp>
+      <p:sp>
+        <p:nvSpPr>
+          <p:cNvPr id="17" name="Ellips 16"/>
+          <p:cNvSpPr/>
+          <p:nvPr/>
+        </p:nvSpPr>
+        <p:spPr bwMode="auto">
+          <a:xfrm>
+            <a:off x="4502002" y="3608095"/>
+            <a:ext cx="118412" cy="118412"/>
+          </a:xfrm>
+          <a:prstGeom prst="ellipse">
+            <a:avLst/>
+          </a:prstGeom>
+          <a:solidFill>
+            <a:schemeClr val="accent1"/>
+          </a:solidFill>
+          <a:ln w="9525" cap="flat" cmpd="sng" algn="ctr">
+            <a:solidFill>
+              <a:schemeClr val="tx1"/>
+            </a:solidFill>
+            <a:prstDash val="solid"/>
+            <a:round/>
+            <a:headEnd type="none" w="med" len="med"/>
+            <a:tailEnd type="none" w="med" len="med"/>
+          </a:ln>
+          <a:effectLst/>
+        </p:spPr>
+        <p:txBody>
+          <a:bodyPr vert="horz" wrap="square" lIns="90488" tIns="44450" rIns="90488" bIns="44450" numCol="1" rtlCol="0" anchor="t" anchorCtr="0" compatLnSpc="1">
+            <a:prstTxWarp prst="textNoShape">
+              <a:avLst/>
+            </a:prstTxWarp>
+          </a:bodyPr>
+          <a:lstStyle/>
+          <a:p>
+            <a:pPr marL="0" marR="0" indent="0" algn="l" defTabSz="914400" rtl="0" eaLnBrk="1" fontAlgn="base" latinLnBrk="0" hangingPunct="1">
+              <a:lnSpc>
+                <a:spcPct val="100000"/>
+              </a:lnSpc>
+              <a:spcBef>
+                <a:spcPct val="0"/>
+              </a:spcBef>
+              <a:spcAft>
+                <a:spcPct val="0"/>
+              </a:spcAft>
+              <a:buClrTx/>
+              <a:buSzTx/>
+              <a:buFontTx/>
+              <a:buNone/>
+              <a:tabLst/>
+            </a:pPr>
+            <a:endParaRPr kumimoji="0" lang="sv-SE" sz="1800" b="0" i="0" u="none" strike="noStrike" cap="none" normalizeH="0" baseline="0" smtClean="0">
+              <a:ln>
+                <a:noFill/>
+              </a:ln>
+              <a:solidFill>
+                <a:schemeClr val="tx1"/>
+              </a:solidFill>
+              <a:effectLst/>
+              <a:latin typeface="Arial" charset="0"/>
+            </a:endParaRPr>
+          </a:p>
+        </p:txBody>
+      </p:sp>
+      <p:pic>
+        <p:nvPicPr>
+          <p:cNvPr id="6" name="Bildobjekt 5"/>
+          <p:cNvPicPr>
+            <a:picLocks noChangeAspect="1"/>
+          </p:cNvPicPr>
+          <p:nvPr/>
+        </p:nvPicPr>
+        <p:blipFill>
+          <a:blip r:embed="rId3"/>
+          <a:stretch>
+            <a:fillRect/>
+          </a:stretch>
+        </p:blipFill>
+        <p:spPr>
+          <a:xfrm rot="360000">
+            <a:off x="7110343" y="1828505"/>
+            <a:ext cx="3428572" cy="2091428"/>
+          </a:xfrm>
+          <a:prstGeom prst="rect">
+            <a:avLst/>
+          </a:prstGeom>
+          <a:solidFill>
+            <a:srgbClr val="FFFFFF">
+              <a:shade val="85000"/>
+            </a:srgbClr>
+          </a:solidFill>
+          <a:ln w="101600" cap="sq">
+            <a:solidFill>
+              <a:srgbClr val="FDFDFD"/>
+            </a:solidFill>
+            <a:miter lim="800000"/>
+          </a:ln>
+          <a:effectLst>
+            <a:outerShdw blurRad="57150" dist="37500" dir="7560000" sy="98000" kx="110000" ky="200000" algn="tl" rotWithShape="0">
+              <a:srgbClr val="000000">
+                <a:alpha val="20000"/>
+              </a:srgbClr>
+            </a:outerShdw>
+          </a:effectLst>
+          <a:scene3d>
+            <a:camera prst="perspectiveRelaxed">
+              <a:rot lat="18960000" lon="0" rev="0"/>
+            </a:camera>
+            <a:lightRig rig="twoPt" dir="t">
+              <a:rot lat="0" lon="0" rev="7200000"/>
+            </a:lightRig>
+          </a:scene3d>
+          <a:sp3d prstMaterial="matte">
+            <a:bevelT w="0" h="0"/>
+            <a:contourClr>
+              <a:srgbClr val="FFFFFF"/>
+            </a:contourClr>
+          </a:sp3d>
         </p:spPr>
       </p:pic>
       <p:pic>
         <p:nvPicPr>
-          <p:cNvPr id="4099" name="Picture 3"/>
+          <p:cNvPr id="8199" name="Picture 7" descr="C:\Users\mats\AppData\Local\Temp\SNAGHTML26eaf67b.PNG"/>
           <p:cNvPicPr>
             <a:picLocks noChangeAspect="1" noChangeArrowheads="1"/>
           </p:cNvPicPr>
@@ -7343,6 +7027,7 @@
         </p:nvPicPr>
         <p:blipFill>
           <a:blip r:embed="rId4">
+            <a:grayscl/>
             <a:extLst>
               <a:ext uri="{28A0092B-C50C-407E-A947-70E740481C1C}">
                 <a14:useLocalDpi xmlns:a14="http://schemas.microsoft.com/office/drawing/2010/main" val="0"/>
@@ -7355,9 +7040,111 @@
           </a:stretch>
         </p:blipFill>
         <p:spPr bwMode="auto">
+          <a:xfrm rot="19462734">
+            <a:off x="2980003" y="1542118"/>
+            <a:ext cx="5801531" cy="814250"/>
+          </a:xfrm>
+          <a:prstGeom prst="rect">
+            <a:avLst/>
+          </a:prstGeom>
+          <a:noFill/>
+          <a:scene3d>
+            <a:camera prst="isometricBottomDown"/>
+            <a:lightRig rig="threePt" dir="t"/>
+          </a:scene3d>
+          <a:extLst>
+            <a:ext uri="{909E8E84-426E-40DD-AFC4-6F175D3DCCD1}">
+              <a14:hiddenFill xmlns:a14="http://schemas.microsoft.com/office/drawing/2010/main">
+                <a:solidFill>
+                  <a:srgbClr val="FFFFFF"/>
+                </a:solidFill>
+              </a14:hiddenFill>
+            </a:ext>
+          </a:extLst>
+        </p:spPr>
+      </p:pic>
+      <p:sp>
+        <p:nvSpPr>
+          <p:cNvPr id="2" name="Rubrik 1"/>
+          <p:cNvSpPr>
+            <a:spLocks noGrp="1"/>
+          </p:cNvSpPr>
+          <p:nvPr>
+            <p:ph type="title"/>
+          </p:nvPr>
+        </p:nvSpPr>
+        <p:spPr/>
+        <p:txBody>
+          <a:bodyPr/>
+          <a:lstStyle/>
+          <a:p>
+            <a:r>
+              <a:rPr lang="sv-SE" dirty="0" smtClean="0"/>
+              <a:t>Vyer som använder en </a:t>
+            </a:r>
+            <a:r>
+              <a:rPr lang="sv-SE" i="1" dirty="0" smtClean="0"/>
+              <a:t>Layout Page</a:t>
+            </a:r>
+            <a:endParaRPr lang="sv-SE" dirty="0"/>
+          </a:p>
+        </p:txBody>
+      </p:sp>
+      <p:sp>
+        <p:nvSpPr>
+          <p:cNvPr id="3" name="Platshållare för innehåll 2"/>
+          <p:cNvSpPr>
+            <a:spLocks noGrp="1"/>
+          </p:cNvSpPr>
+          <p:nvPr>
+            <p:ph idx="1"/>
+          </p:nvPr>
+        </p:nvSpPr>
+        <p:spPr/>
+        <p:txBody>
+          <a:bodyPr/>
+          <a:lstStyle/>
+          <a:p>
+            <a:r>
+              <a:rPr lang="sv-SE" dirty="0" smtClean="0"/>
+              <a:t>Då en vy skapas väljs vilken </a:t>
+            </a:r>
+            <a:r>
+              <a:rPr lang="sv-SE" i="1" dirty="0" smtClean="0"/>
+              <a:t>Layout Page</a:t>
+            </a:r>
+            <a:r>
+              <a:rPr lang="sv-SE" dirty="0" smtClean="0"/>
+              <a:t> som vyn ska använda.</a:t>
+            </a:r>
+          </a:p>
+          <a:p>
+            <a:r>
+              <a:rPr lang="sv-SE" dirty="0" smtClean="0"/>
+              <a:t>I vyn placeras HTML och kod som är specifik för vyn.</a:t>
+            </a:r>
+            <a:endParaRPr lang="sv-SE" dirty="0"/>
+          </a:p>
+        </p:txBody>
+      </p:sp>
+      <p:pic>
+        <p:nvPicPr>
+          <p:cNvPr id="4" name="Bildobjekt 3"/>
+          <p:cNvPicPr>
+            <a:picLocks noChangeAspect="1"/>
+          </p:cNvPicPr>
+          <p:nvPr/>
+        </p:nvPicPr>
+        <p:blipFill>
+          <a:blip r:embed="rId5"/>
+          <a:stretch>
+            <a:fillRect/>
+          </a:stretch>
+        </p:blipFill>
+        <p:spPr>
           <a:xfrm rot="240000">
-            <a:off x="1466578" y="1954206"/>
-            <a:ext cx="5440000" cy="2417143"/>
+            <a:off x="1522315" y="2187342"/>
+            <a:ext cx="5434286" cy="2051429"/>
           </a:xfrm>
           <a:prstGeom prst="rect">
             <a:avLst/>
@@ -7394,52 +7181,26 @@
               <a:srgbClr val="FFFFFF"/>
             </a:contourClr>
           </a:sp3d>
-          <a:extLst>
-            <a:ext uri="{909E8E84-426E-40DD-AFC4-6F175D3DCCD1}">
-              <a14:hiddenFill xmlns:a14="http://schemas.microsoft.com/office/drawing/2010/main">
-                <a:solidFill>
-                  <a:schemeClr val="accent1"/>
-                </a:solidFill>
-              </a14:hiddenFill>
-            </a:ext>
-            <a:ext uri="{91240B29-F687-4F45-9708-019B960494DF}">
-              <a14:hiddenLine xmlns:a14="http://schemas.microsoft.com/office/drawing/2010/main" w="9525">
-                <a:solidFill>
-                  <a:schemeClr val="tx1"/>
-                </a:solidFill>
-                <a:miter lim="800000"/>
-                <a:headEnd/>
-                <a:tailEnd/>
-              </a14:hiddenLine>
-            </a:ext>
-          </a:extLst>
         </p:spPr>
       </p:pic>
       <p:pic>
         <p:nvPicPr>
-          <p:cNvPr id="4103" name="Picture 7"/>
+          <p:cNvPr id="5" name="Bildobjekt 4"/>
           <p:cNvPicPr>
-            <a:picLocks noChangeAspect="1" noChangeArrowheads="1"/>
+            <a:picLocks noChangeAspect="1"/>
           </p:cNvPicPr>
           <p:nvPr/>
         </p:nvPicPr>
         <p:blipFill>
-          <a:blip r:embed="rId5">
-            <a:extLst>
-              <a:ext uri="{28A0092B-C50C-407E-A947-70E740481C1C}">
-                <a14:useLocalDpi xmlns:a14="http://schemas.microsoft.com/office/drawing/2010/main" val="0"/>
-              </a:ext>
-            </a:extLst>
-          </a:blip>
-          <a:srcRect/>
+          <a:blip r:embed="rId6"/>
           <a:stretch>
             <a:fillRect/>
           </a:stretch>
         </p:blipFill>
-        <p:spPr bwMode="auto">
-          <a:xfrm rot="360000">
-            <a:off x="7036715" y="311535"/>
-            <a:ext cx="3091429" cy="3108572"/>
+        <p:spPr>
+          <a:xfrm rot="21180000">
+            <a:off x="4352849" y="1695495"/>
+            <a:ext cx="2634286" cy="3514286"/>
           </a:xfrm>
           <a:prstGeom prst="rect">
             <a:avLst/>
@@ -7476,109 +7237,82 @@
               <a:srgbClr val="FFFFFF"/>
             </a:contourClr>
           </a:sp3d>
-          <a:extLst>
-            <a:ext uri="{909E8E84-426E-40DD-AFC4-6F175D3DCCD1}">
-              <a14:hiddenFill xmlns:a14="http://schemas.microsoft.com/office/drawing/2010/main">
-                <a:solidFill>
-                  <a:schemeClr val="accent1"/>
-                </a:solidFill>
-              </a14:hiddenFill>
-            </a:ext>
-            <a:ext uri="{91240B29-F687-4F45-9708-019B960494DF}">
-              <a14:hiddenLine xmlns:a14="http://schemas.microsoft.com/office/drawing/2010/main" w="9525">
-                <a:solidFill>
-                  <a:schemeClr val="tx1"/>
-                </a:solidFill>
-                <a:miter lim="800000"/>
-                <a:headEnd/>
-                <a:tailEnd/>
-              </a14:hiddenLine>
-            </a:ext>
-          </a:extLst>
         </p:spPr>
       </p:pic>
-      <p:pic>
-        <p:nvPicPr>
-          <p:cNvPr id="4098" name="Picture 2"/>
-          <p:cNvPicPr>
-            <a:picLocks noChangeAspect="1" noChangeArrowheads="1"/>
-          </p:cNvPicPr>
+      <p:cxnSp>
+        <p:nvCxnSpPr>
+          <p:cNvPr id="15" name="Kurva 14"/>
+          <p:cNvCxnSpPr>
+            <a:stCxn id="14" idx="6"/>
+          </p:cNvCxnSpPr>
           <p:nvPr/>
-        </p:nvPicPr>
-        <p:blipFill>
-          <a:blip r:embed="rId6">
-            <a:extLst>
-              <a:ext uri="{28A0092B-C50C-407E-A947-70E740481C1C}">
-                <a14:useLocalDpi xmlns:a14="http://schemas.microsoft.com/office/drawing/2010/main" val="0"/>
-              </a:ext>
-            </a:extLst>
-          </a:blip>
-          <a:srcRect/>
-          <a:stretch>
-            <a:fillRect/>
-          </a:stretch>
-        </p:blipFill>
+        </p:nvCxnSpPr>
         <p:spPr bwMode="auto">
-          <a:xfrm rot="21180000">
-            <a:off x="3158269" y="1825628"/>
-            <a:ext cx="4000000" cy="3885715"/>
+          <a:xfrm>
+            <a:off x="1051780" y="2695866"/>
+            <a:ext cx="653825" cy="226166"/>
           </a:xfrm>
-          <a:prstGeom prst="rect">
+          <a:prstGeom prst="curvedConnector3">
+            <a:avLst>
+              <a:gd name="adj1" fmla="val 50000"/>
+            </a:avLst>
+          </a:prstGeom>
+          <a:ln>
+            <a:headEnd type="none" w="med" len="med"/>
+            <a:tailEnd type="arrow"/>
+          </a:ln>
+        </p:spPr>
+        <p:style>
+          <a:lnRef idx="2">
+            <a:schemeClr val="accent6"/>
+          </a:lnRef>
+          <a:fillRef idx="0">
+            <a:schemeClr val="accent6"/>
+          </a:fillRef>
+          <a:effectRef idx="1">
+            <a:schemeClr val="accent6"/>
+          </a:effectRef>
+          <a:fontRef idx="minor">
+            <a:schemeClr val="tx1"/>
+          </a:fontRef>
+        </p:style>
+      </p:cxnSp>
+      <p:cxnSp>
+        <p:nvCxnSpPr>
+          <p:cNvPr id="18" name="Kurva 17"/>
+          <p:cNvCxnSpPr>
+            <a:stCxn id="14" idx="4"/>
+          </p:cNvCxnSpPr>
+          <p:nvPr/>
+        </p:nvCxnSpPr>
+        <p:spPr bwMode="auto">
+          <a:xfrm rot="16200000" flipH="1">
+            <a:off x="2275633" y="1472013"/>
+            <a:ext cx="895896" cy="3462014"/>
+          </a:xfrm>
+          <a:prstGeom prst="curvedConnector2">
             <a:avLst/>
           </a:prstGeom>
-          <a:solidFill>
-            <a:srgbClr val="FFFFFF">
-              <a:shade val="85000"/>
-            </a:srgbClr>
-          </a:solidFill>
-          <a:ln w="101600" cap="sq">
-            <a:solidFill>
-              <a:srgbClr val="FDFDFD"/>
-            </a:solidFill>
-            <a:miter lim="800000"/>
+          <a:ln>
+            <a:headEnd type="none" w="med" len="med"/>
+            <a:tailEnd type="arrow"/>
           </a:ln>
-          <a:effectLst>
-            <a:outerShdw blurRad="57150" dist="37500" dir="7560000" sy="98000" kx="110000" ky="200000" algn="tl" rotWithShape="0">
-              <a:srgbClr val="000000">
-                <a:alpha val="20000"/>
-              </a:srgbClr>
-            </a:outerShdw>
-          </a:effectLst>
-          <a:scene3d>
-            <a:camera prst="perspectiveRelaxed">
-              <a:rot lat="18960000" lon="0" rev="0"/>
-            </a:camera>
-            <a:lightRig rig="twoPt" dir="t">
-              <a:rot lat="0" lon="0" rev="7200000"/>
-            </a:lightRig>
-          </a:scene3d>
-          <a:sp3d prstMaterial="matte">
-            <a:bevelT w="22860" h="12700"/>
-            <a:contourClr>
-              <a:srgbClr val="FFFFFF"/>
-            </a:contourClr>
-          </a:sp3d>
-          <a:extLst>
-            <a:ext uri="{909E8E84-426E-40DD-AFC4-6F175D3DCCD1}">
-              <a14:hiddenFill xmlns:a14="http://schemas.microsoft.com/office/drawing/2010/main">
-                <a:solidFill>
-                  <a:schemeClr val="accent1"/>
-                </a:solidFill>
-              </a14:hiddenFill>
-            </a:ext>
-            <a:ext uri="{91240B29-F687-4F45-9708-019B960494DF}">
-              <a14:hiddenLine xmlns:a14="http://schemas.microsoft.com/office/drawing/2010/main" w="9525">
-                <a:solidFill>
-                  <a:schemeClr val="tx1"/>
-                </a:solidFill>
-                <a:miter lim="800000"/>
-                <a:headEnd/>
-                <a:tailEnd/>
-              </a14:hiddenLine>
-            </a:ext>
-          </a:extLst>
         </p:spPr>
-      </p:pic>
+        <p:style>
+          <a:lnRef idx="2">
+            <a:schemeClr val="accent6"/>
+          </a:lnRef>
+          <a:fillRef idx="0">
+            <a:schemeClr val="accent6"/>
+          </a:fillRef>
+          <a:effectRef idx="1">
+            <a:schemeClr val="accent6"/>
+          </a:effectRef>
+          <a:fontRef idx="minor">
+            <a:schemeClr val="tx1"/>
+          </a:fontRef>
+        </p:style>
+      </p:cxnSp>
     </p:spTree>
   </p:cSld>
   <p:clrMapOvr>
@@ -7675,25 +7409,7 @@
               <a:srgbClr val="969696"/>
             </a:contourClr>
           </a:sp3d>
-          <a:extLst>
-            <a:ext uri="{909E8E84-426E-40DD-AFC4-6F175D3DCCD1}">
-              <a14:hiddenFill xmlns:a14="http://schemas.microsoft.com/office/drawing/2010/main">
-                <a:solidFill>
-                  <a:schemeClr val="accent1"/>
-                </a:solidFill>
-              </a14:hiddenFill>
-            </a:ext>
-            <a:ext uri="{91240B29-F687-4F45-9708-019B960494DF}">
-              <a14:hiddenLine xmlns:a14="http://schemas.microsoft.com/office/drawing/2010/main" w="9525">
-                <a:solidFill>
-                  <a:schemeClr val="tx1"/>
-                </a:solidFill>
-                <a:miter lim="800000"/>
-                <a:headEnd/>
-                <a:tailEnd/>
-              </a14:hiddenLine>
-            </a:ext>
-          </a:extLst>
+          <a:extLst/>
         </p:spPr>
       </p:pic>
       <p:sp>
@@ -7729,23 +7445,7 @@
             </a:r>
             <a:r>
               <a:rPr lang="sv-SE" sz="1600" dirty="0" smtClean="0"/>
-              <a:t> kompletteras med definitioner för metoder till för att </a:t>
-            </a:r>
-            <a:r>
-              <a:rPr lang="sv-SE" sz="1600" dirty="0" smtClean="0"/>
-              <a:t>hämta, ta </a:t>
-            </a:r>
-            <a:r>
-              <a:rPr lang="sv-SE" sz="1600" dirty="0" smtClean="0"/>
-              <a:t>bort och </a:t>
-            </a:r>
-            <a:r>
-              <a:rPr lang="sv-SE" sz="1600" dirty="0" smtClean="0"/>
-              <a:t>uppdatera </a:t>
-            </a:r>
-            <a:r>
-              <a:rPr lang="sv-SE" sz="1600" dirty="0" smtClean="0"/>
-              <a:t>födelsedata.</a:t>
+              <a:t> kompletteras med definitioner för metoder till för att hämta, ta bort och uppdatera födelsedata.</a:t>
             </a:r>
           </a:p>
           <a:p>
@@ -7762,11 +7462,7 @@
             </a:r>
             <a:r>
               <a:rPr lang="sv-SE" sz="1600" dirty="0" smtClean="0"/>
-              <a:t> måste implementera </a:t>
-            </a:r>
-            <a:r>
-              <a:rPr lang="sv-SE" sz="1600" dirty="0" smtClean="0"/>
-              <a:t>metoderna</a:t>
+              <a:t> måste implementera metoderna</a:t>
             </a:r>
             <a:r>
               <a:rPr lang="sv-SE" sz="1600" dirty="0">
@@ -7795,11 +7491,7 @@
             </a:r>
             <a:r>
               <a:rPr lang="sv-SE" sz="1600" dirty="0" smtClean="0"/>
-              <a:t> </a:t>
-            </a:r>
-            <a:r>
-              <a:rPr lang="sv-SE" sz="1600" dirty="0" smtClean="0"/>
-              <a:t>och </a:t>
+              <a:t> och </a:t>
             </a:r>
             <a:r>
               <a:rPr lang="sv-SE" sz="1400" dirty="0" err="1" smtClean="0">
@@ -7812,7 +7504,6 @@
               <a:rPr lang="sv-SE" sz="1600" dirty="0" smtClean="0"/>
               <a:t>.</a:t>
             </a:r>
-            <a:endParaRPr lang="sv-SE" sz="1600" dirty="0" smtClean="0"/>
           </a:p>
           <a:p>
             <a:pPr lvl="1"/>
@@ -7870,11 +7561,7 @@
             </a:r>
             <a:r>
               <a:rPr lang="sv-SE" sz="1400" dirty="0" smtClean="0"/>
-              <a:t> </a:t>
-            </a:r>
-            <a:r>
-              <a:rPr lang="sv-SE" sz="1400" dirty="0" smtClean="0"/>
-              <a:t>anropar </a:t>
+              <a:t> anropar </a:t>
             </a:r>
             <a:r>
               <a:rPr lang="sv-SE" sz="1400" dirty="0" err="1" smtClean="0">
@@ -7886,11 +7573,7 @@
             </a:r>
             <a:r>
               <a:rPr lang="sv-SE" sz="1400" dirty="0" smtClean="0"/>
-              <a:t>, </a:t>
-            </a:r>
-            <a:r>
-              <a:rPr lang="sv-SE" sz="1400" dirty="0" smtClean="0"/>
-              <a:t>som markerar att </a:t>
+              <a:t>, som markerar att </a:t>
             </a:r>
             <a:r>
               <a:rPr lang="sv-SE" sz="1400" dirty="0" smtClean="0">
@@ -7914,19 +7597,7 @@
             </a:r>
             <a:r>
               <a:rPr lang="sv-SE" sz="1400" dirty="0" smtClean="0"/>
-              <a:t> anropas tas </a:t>
-            </a:r>
-            <a:r>
-              <a:rPr lang="sv-SE" sz="1400" dirty="0" smtClean="0"/>
-              <a:t>posten </a:t>
-            </a:r>
-            <a:r>
-              <a:rPr lang="sv-SE" sz="1400" dirty="0" smtClean="0"/>
-              <a:t>bort i databasen</a:t>
-            </a:r>
-            <a:r>
-              <a:rPr lang="sv-SE" sz="1400" dirty="0" smtClean="0"/>
-              <a:t>.</a:t>
+              <a:t> anropas tas posten bort i databasen.</a:t>
             </a:r>
           </a:p>
           <a:p>
@@ -8087,25 +7758,7 @@
               <a:srgbClr val="969696"/>
             </a:contourClr>
           </a:sp3d>
-          <a:extLst>
-            <a:ext uri="{909E8E84-426E-40DD-AFC4-6F175D3DCCD1}">
-              <a14:hiddenFill xmlns:a14="http://schemas.microsoft.com/office/drawing/2010/main">
-                <a:solidFill>
-                  <a:schemeClr val="accent1"/>
-                </a:solidFill>
-              </a14:hiddenFill>
-            </a:ext>
-            <a:ext uri="{91240B29-F687-4F45-9708-019B960494DF}">
-              <a14:hiddenLine xmlns:a14="http://schemas.microsoft.com/office/drawing/2010/main" w="9525">
-                <a:solidFill>
-                  <a:schemeClr val="tx1"/>
-                </a:solidFill>
-                <a:miter lim="800000"/>
-                <a:headEnd/>
-                <a:tailEnd/>
-              </a14:hiddenLine>
-            </a:ext>
-          </a:extLst>
+          <a:extLst/>
         </p:spPr>
       </p:pic>
     </p:spTree>
@@ -8515,25 +8168,7 @@
               <a:srgbClr val="FFFFFF"/>
             </a:contourClr>
           </a:sp3d>
-          <a:extLst>
-            <a:ext uri="{909E8E84-426E-40DD-AFC4-6F175D3DCCD1}">
-              <a14:hiddenFill xmlns:a14="http://schemas.microsoft.com/office/drawing/2010/main">
-                <a:solidFill>
-                  <a:schemeClr val="accent1"/>
-                </a:solidFill>
-              </a14:hiddenFill>
-            </a:ext>
-            <a:ext uri="{91240B29-F687-4F45-9708-019B960494DF}">
-              <a14:hiddenLine xmlns:a14="http://schemas.microsoft.com/office/drawing/2010/main" w="9525">
-                <a:solidFill>
-                  <a:schemeClr val="tx1"/>
-                </a:solidFill>
-                <a:miter lim="800000"/>
-                <a:headEnd/>
-                <a:tailEnd/>
-              </a14:hiddenLine>
-            </a:ext>
-          </a:extLst>
+          <a:extLst/>
         </p:spPr>
       </p:pic>
       <p:pic>
@@ -8597,25 +8232,7 @@
               <a:srgbClr val="FFFFFF"/>
             </a:contourClr>
           </a:sp3d>
-          <a:extLst>
-            <a:ext uri="{909E8E84-426E-40DD-AFC4-6F175D3DCCD1}">
-              <a14:hiddenFill xmlns:a14="http://schemas.microsoft.com/office/drawing/2010/main">
-                <a:solidFill>
-                  <a:schemeClr val="accent1"/>
-                </a:solidFill>
-              </a14:hiddenFill>
-            </a:ext>
-            <a:ext uri="{91240B29-F687-4F45-9708-019B960494DF}">
-              <a14:hiddenLine xmlns:a14="http://schemas.microsoft.com/office/drawing/2010/main" w="9525">
-                <a:solidFill>
-                  <a:schemeClr val="tx1"/>
-                </a:solidFill>
-                <a:miter lim="800000"/>
-                <a:headEnd/>
-                <a:tailEnd/>
-              </a14:hiddenLine>
-            </a:ext>
-          </a:extLst>
+          <a:extLst/>
         </p:spPr>
       </p:pic>
       <p:sp>
@@ -8752,25 +8369,7 @@
               <a:srgbClr val="FFFFFF"/>
             </a:contourClr>
           </a:sp3d>
-          <a:extLst>
-            <a:ext uri="{909E8E84-426E-40DD-AFC4-6F175D3DCCD1}">
-              <a14:hiddenFill xmlns:a14="http://schemas.microsoft.com/office/drawing/2010/main">
-                <a:solidFill>
-                  <a:schemeClr val="accent1"/>
-                </a:solidFill>
-              </a14:hiddenFill>
-            </a:ext>
-            <a:ext uri="{91240B29-F687-4F45-9708-019B960494DF}">
-              <a14:hiddenLine xmlns:a14="http://schemas.microsoft.com/office/drawing/2010/main" w="9525">
-                <a:solidFill>
-                  <a:schemeClr val="tx1"/>
-                </a:solidFill>
-                <a:miter lim="800000"/>
-                <a:headEnd/>
-                <a:tailEnd/>
-              </a14:hiddenLine>
-            </a:ext>
-          </a:extLst>
+          <a:extLst/>
         </p:spPr>
       </p:pic>
       <p:cxnSp>
@@ -8954,19 +8553,6 @@
               </a:rPr>
               <a:t>(), men då måste vi ta hand om en 404…</a:t>
             </a:r>
-            <a:endParaRPr kumimoji="0" lang="sv-SE" sz="800" b="0" i="0" u="none" strike="noStrike" cap="none" normalizeH="0" baseline="0" dirty="0" smtClean="0">
-              <a:ln>
-                <a:noFill/>
-              </a:ln>
-              <a:solidFill>
-                <a:schemeClr val="bg1">
-                  <a:lumMod val="50000"/>
-                </a:schemeClr>
-              </a:solidFill>
-              <a:effectLst/>
-              <a:latin typeface="Times New Roman" panose="02020603050405020304" pitchFamily="18" charset="0"/>
-              <a:cs typeface="Times New Roman" panose="02020603050405020304" pitchFamily="18" charset="0"/>
-            </a:endParaRPr>
           </a:p>
         </p:txBody>
       </p:sp>
@@ -9227,25 +8813,7 @@
               <a:srgbClr val="FFFFFF"/>
             </a:contourClr>
           </a:sp3d>
-          <a:extLst>
-            <a:ext uri="{909E8E84-426E-40DD-AFC4-6F175D3DCCD1}">
-              <a14:hiddenFill xmlns:a14="http://schemas.microsoft.com/office/drawing/2010/main">
-                <a:solidFill>
-                  <a:schemeClr val="accent1"/>
-                </a:solidFill>
-              </a14:hiddenFill>
-            </a:ext>
-            <a:ext uri="{91240B29-F687-4F45-9708-019B960494DF}">
-              <a14:hiddenLine xmlns:a14="http://schemas.microsoft.com/office/drawing/2010/main" w="9525">
-                <a:solidFill>
-                  <a:schemeClr val="tx1"/>
-                </a:solidFill>
-                <a:miter lim="800000"/>
-                <a:headEnd/>
-                <a:tailEnd/>
-              </a14:hiddenLine>
-            </a:ext>
-          </a:extLst>
+          <a:extLst/>
         </p:spPr>
       </p:pic>
       <p:sp>

--- a/Presentationsmaterial/Dokument/1.6 CRUD, Layout Pages och Partial Views.pptx
+++ b/Presentationsmaterial/Dokument/1.6 CRUD, Layout Pages och Partial Views.pptx
@@ -250,7 +250,7 @@
             <a:fld id="{0B3BAAB0-D539-4A20-AE97-450346457396}" type="datetimeFigureOut">
               <a:rPr lang="sv-SE" smtClean="0"/>
               <a:pPr/>
-              <a:t>2014-11-14</a:t>
+              <a:t>2014-11-16</a:t>
             </a:fld>
             <a:endParaRPr lang="sv-SE" dirty="0"/>
           </a:p>
@@ -3814,88 +3814,24 @@
           <a:chExt cx="0" cy="0"/>
         </a:xfrm>
       </p:grpSpPr>
-      <p:sp>
-        <p:nvSpPr>
-          <p:cNvPr id="3" name="Platshållare för innehåll 2"/>
-          <p:cNvSpPr>
-            <a:spLocks noGrp="1"/>
-          </p:cNvSpPr>
-          <p:nvPr>
-            <p:ph idx="1"/>
-          </p:nvPr>
-        </p:nvSpPr>
-        <p:spPr>
-          <a:xfrm>
-            <a:off x="429064" y="824597"/>
-            <a:ext cx="8229600" cy="4619625"/>
-          </a:xfrm>
-        </p:spPr>
-        <p:txBody>
-          <a:bodyPr/>
-          <a:lstStyle/>
-          <a:p>
-            <a:r>
-              <a:rPr lang="sv-SE" dirty="0" smtClean="0"/>
-              <a:t>Det redigerade födelsedatat postas till en </a:t>
-            </a:r>
-            <a:r>
-              <a:rPr lang="sv-SE" i="1" dirty="0" smtClean="0"/>
-              <a:t>action method</a:t>
-            </a:r>
-            <a:r>
-              <a:rPr lang="sv-SE" dirty="0" smtClean="0"/>
-              <a:t> med namnet </a:t>
-            </a:r>
-            <a:r>
-              <a:rPr lang="sv-SE" sz="1600" dirty="0" smtClean="0">
-                <a:latin typeface="Courier New" pitchFamily="49" charset="0"/>
-                <a:cs typeface="Courier New" pitchFamily="49" charset="0"/>
-              </a:rPr>
-              <a:t>Edit</a:t>
-            </a:r>
-            <a:r>
-              <a:rPr lang="sv-SE" dirty="0" smtClean="0"/>
-              <a:t>, som skapar ett </a:t>
-            </a:r>
-            <a:r>
-              <a:rPr lang="sv-SE" sz="1600" dirty="0" smtClean="0">
-                <a:latin typeface="Courier New" pitchFamily="49" charset="0"/>
-                <a:cs typeface="Courier New" pitchFamily="49" charset="0"/>
-              </a:rPr>
-              <a:t>Birthdate</a:t>
-            </a:r>
-            <a:r>
-              <a:rPr lang="sv-SE" dirty="0" smtClean="0"/>
-              <a:t>-objekt, utifrån datat i formuläret, uppdaterar objektet, sparar det i databasen och visar ett rättmeddelande. Inträffar fel visas formuläret innehållande felmeddelande(n).</a:t>
-            </a:r>
-          </a:p>
-        </p:txBody>
-      </p:sp>
       <p:pic>
         <p:nvPicPr>
-          <p:cNvPr id="8195" name="Picture 3"/>
+          <p:cNvPr id="4" name="Bildobjekt 3"/>
           <p:cNvPicPr>
-            <a:picLocks noChangeAspect="1" noChangeArrowheads="1"/>
+            <a:picLocks noChangeAspect="1"/>
           </p:cNvPicPr>
           <p:nvPr/>
         </p:nvPicPr>
         <p:blipFill>
-          <a:blip r:embed="rId2">
-            <a:extLst>
-              <a:ext uri="{28A0092B-C50C-407E-A947-70E740481C1C}">
-                <a14:useLocalDpi xmlns:a14="http://schemas.microsoft.com/office/drawing/2010/main" val="0"/>
-              </a:ext>
-            </a:extLst>
-          </a:blip>
-          <a:srcRect/>
+          <a:blip r:embed="rId2"/>
           <a:stretch>
             <a:fillRect/>
           </a:stretch>
         </p:blipFill>
-        <p:spPr bwMode="auto">
-          <a:xfrm rot="420000">
-            <a:off x="4595825" y="2900830"/>
-            <a:ext cx="3573333" cy="1860000"/>
+        <p:spPr>
+          <a:xfrm rot="224671">
+            <a:off x="1023704" y="2119220"/>
+            <a:ext cx="6828112" cy="3355377"/>
           </a:xfrm>
           <a:prstGeom prst="rect">
             <a:avLst/>
@@ -3932,73 +3868,65 @@
               <a:srgbClr val="969696"/>
             </a:contourClr>
           </a:sp3d>
-          <a:extLst/>
         </p:spPr>
       </p:pic>
-      <p:pic>
-        <p:nvPicPr>
-          <p:cNvPr id="8197" name="Picture 5"/>
-          <p:cNvPicPr>
-            <a:picLocks noChangeAspect="1" noChangeArrowheads="1"/>
-          </p:cNvPicPr>
-          <p:nvPr/>
-        </p:nvPicPr>
-        <p:blipFill>
-          <a:blip r:embed="rId3">
-            <a:extLst>
-              <a:ext uri="{28A0092B-C50C-407E-A947-70E740481C1C}">
-                <a14:useLocalDpi xmlns:a14="http://schemas.microsoft.com/office/drawing/2010/main" val="0"/>
-              </a:ext>
-            </a:extLst>
-          </a:blip>
-          <a:srcRect/>
-          <a:stretch>
-            <a:fillRect/>
-          </a:stretch>
-        </p:blipFill>
-        <p:spPr bwMode="auto">
+      <p:sp>
+        <p:nvSpPr>
+          <p:cNvPr id="3" name="Platshållare för innehåll 2"/>
+          <p:cNvSpPr>
+            <a:spLocks noGrp="1"/>
+          </p:cNvSpPr>
+          <p:nvPr>
+            <p:ph idx="1"/>
+          </p:nvPr>
+        </p:nvSpPr>
+        <p:spPr>
           <a:xfrm>
-            <a:off x="956251" y="2537497"/>
-            <a:ext cx="3473334" cy="2586667"/>
+            <a:off x="429064" y="824597"/>
+            <a:ext cx="8229600" cy="4619625"/>
           </a:xfrm>
-          <a:prstGeom prst="rect">
-            <a:avLst/>
-          </a:prstGeom>
-          <a:solidFill>
-            <a:srgbClr val="FFFFFF">
-              <a:shade val="85000"/>
-            </a:srgbClr>
-          </a:solidFill>
-          <a:ln w="190500" cap="sq">
-            <a:solidFill>
-              <a:srgbClr val="FFFFFF"/>
-            </a:solidFill>
-            <a:miter lim="800000"/>
-          </a:ln>
-          <a:effectLst>
-            <a:outerShdw blurRad="65000" dist="50800" dir="12900000" kx="195000" ky="145000" algn="tl" rotWithShape="0">
-              <a:srgbClr val="000000">
-                <a:alpha val="30000"/>
-              </a:srgbClr>
-            </a:outerShdw>
-          </a:effectLst>
-          <a:scene3d>
-            <a:camera prst="orthographicFront">
-              <a:rot lat="0" lon="0" rev="360000"/>
-            </a:camera>
-            <a:lightRig rig="twoPt" dir="t">
-              <a:rot lat="0" lon="0" rev="7200000"/>
-            </a:lightRig>
-          </a:scene3d>
-          <a:sp3d contourW="12700">
-            <a:bevelT w="25400" h="19050"/>
-            <a:contourClr>
-              <a:srgbClr val="969696"/>
-            </a:contourClr>
-          </a:sp3d>
-          <a:extLst/>
         </p:spPr>
-      </p:pic>
+        <p:txBody>
+          <a:bodyPr/>
+          <a:lstStyle/>
+          <a:p>
+            <a:r>
+              <a:rPr lang="sv-SE" dirty="0" smtClean="0"/>
+              <a:t>Det redigerade födelsedatat postas till en </a:t>
+            </a:r>
+            <a:r>
+              <a:rPr lang="sv-SE" i="1" dirty="0" smtClean="0"/>
+              <a:t>action method</a:t>
+            </a:r>
+            <a:r>
+              <a:rPr lang="sv-SE" dirty="0" smtClean="0"/>
+              <a:t> med namnet </a:t>
+            </a:r>
+            <a:r>
+              <a:rPr lang="sv-SE" sz="1600" dirty="0" smtClean="0">
+                <a:latin typeface="Courier New" pitchFamily="49" charset="0"/>
+                <a:cs typeface="Courier New" pitchFamily="49" charset="0"/>
+              </a:rPr>
+              <a:t>Edit</a:t>
+            </a:r>
+            <a:r>
+              <a:rPr lang="sv-SE" dirty="0" smtClean="0"/>
+              <a:t>, som skapar ett </a:t>
+            </a:r>
+            <a:r>
+              <a:rPr lang="sv-SE" sz="1600" dirty="0" smtClean="0">
+                <a:latin typeface="Courier New" pitchFamily="49" charset="0"/>
+                <a:cs typeface="Courier New" pitchFamily="49" charset="0"/>
+              </a:rPr>
+              <a:t>Birthdate</a:t>
+            </a:r>
+            <a:r>
+              <a:rPr lang="sv-SE" dirty="0" smtClean="0"/>
+              <a:t>-objekt, utifrån datat i formuläret, uppdaterar objektet, sparar det i databasen och visar ett rättmeddelande. Inträffar fel visas formuläret innehållande felmeddelande(n).</a:t>
+            </a:r>
+          </a:p>
+        </p:txBody>
+      </p:sp>
       <p:sp>
         <p:nvSpPr>
           <p:cNvPr id="2" name="Rubrik 1"/>
@@ -4059,29 +3987,22 @@
       </p:grpSpPr>
       <p:pic>
         <p:nvPicPr>
-          <p:cNvPr id="9219" name="Picture 3"/>
+          <p:cNvPr id="4" name="Bildobjekt 3"/>
           <p:cNvPicPr>
-            <a:picLocks noChangeAspect="1" noChangeArrowheads="1"/>
+            <a:picLocks noChangeAspect="1"/>
           </p:cNvPicPr>
           <p:nvPr/>
         </p:nvPicPr>
         <p:blipFill>
-          <a:blip r:embed="rId2">
-            <a:extLst>
-              <a:ext uri="{28A0092B-C50C-407E-A947-70E740481C1C}">
-                <a14:useLocalDpi xmlns:a14="http://schemas.microsoft.com/office/drawing/2010/main" val="0"/>
-              </a:ext>
-            </a:extLst>
-          </a:blip>
-          <a:srcRect/>
+          <a:blip r:embed="rId2"/>
           <a:stretch>
             <a:fillRect/>
           </a:stretch>
         </p:blipFill>
-        <p:spPr bwMode="auto">
+        <p:spPr>
           <a:xfrm>
-            <a:off x="390191" y="3075826"/>
-            <a:ext cx="4614286" cy="2400000"/>
+            <a:off x="390191" y="3061425"/>
+            <a:ext cx="4812447" cy="2164268"/>
           </a:xfrm>
           <a:prstGeom prst="rect">
             <a:avLst/>
@@ -4092,9 +4013,7 @@
             </a:srgbClr>
           </a:solidFill>
           <a:ln w="190500" cap="sq">
-            <a:solidFill>
-              <a:srgbClr val="FFFFFF"/>
-            </a:solidFill>
+            <a:noFill/>
             <a:miter lim="800000"/>
           </a:ln>
           <a:effectLst>
@@ -4118,34 +4037,26 @@
               <a:srgbClr val="969696"/>
             </a:contourClr>
           </a:sp3d>
-          <a:extLst/>
         </p:spPr>
       </p:pic>
       <p:pic>
         <p:nvPicPr>
-          <p:cNvPr id="9221" name="Picture 5"/>
+          <p:cNvPr id="7" name="Bildobjekt 6"/>
           <p:cNvPicPr>
-            <a:picLocks noChangeAspect="1" noChangeArrowheads="1"/>
+            <a:picLocks noChangeAspect="1"/>
           </p:cNvPicPr>
           <p:nvPr/>
         </p:nvPicPr>
         <p:blipFill>
-          <a:blip r:embed="rId3">
-            <a:extLst>
-              <a:ext uri="{28A0092B-C50C-407E-A947-70E740481C1C}">
-                <a14:useLocalDpi xmlns:a14="http://schemas.microsoft.com/office/drawing/2010/main" val="0"/>
-              </a:ext>
-            </a:extLst>
-          </a:blip>
-          <a:srcRect/>
+          <a:blip r:embed="rId3"/>
           <a:stretch>
             <a:fillRect/>
           </a:stretch>
         </p:blipFill>
-        <p:spPr bwMode="auto">
+        <p:spPr>
           <a:xfrm rot="540000">
-            <a:off x="3621470" y="2859370"/>
-            <a:ext cx="2414286" cy="2457143"/>
+            <a:off x="3586332" y="2884943"/>
+            <a:ext cx="4911516" cy="2960627"/>
           </a:xfrm>
           <a:prstGeom prst="rect">
             <a:avLst/>
@@ -4156,9 +4067,7 @@
             </a:srgbClr>
           </a:solidFill>
           <a:ln w="190500" cap="sq">
-            <a:solidFill>
-              <a:srgbClr val="FFFFFF"/>
-            </a:solidFill>
+            <a:noFill/>
             <a:miter lim="800000"/>
           </a:ln>
           <a:effectLst>
@@ -4182,69 +4091,26 @@
               <a:srgbClr val="969696"/>
             </a:contourClr>
           </a:sp3d>
-          <a:extLst/>
         </p:spPr>
       </p:pic>
-      <p:sp>
-        <p:nvSpPr>
-          <p:cNvPr id="3" name="Platshållare för innehåll 2"/>
-          <p:cNvSpPr>
-            <a:spLocks noGrp="1"/>
-          </p:cNvSpPr>
-          <p:nvPr>
-            <p:ph idx="1"/>
-          </p:nvPr>
-        </p:nvSpPr>
-        <p:spPr/>
-        <p:txBody>
-          <a:bodyPr/>
-          <a:lstStyle/>
-          <a:p>
-            <a:r>
-              <a:rPr lang="sv-SE" dirty="0" smtClean="0"/>
-              <a:t>Bortagning av födelsedag följer i stora drag samma principer som redigering av födelsedata. MEN…</a:t>
-            </a:r>
-          </a:p>
-          <a:p>
-            <a:r>
-              <a:rPr lang="sv-SE" dirty="0" smtClean="0"/>
-              <a:t>…det är viktigt att födelsedata inte kan tas bort från databasen med en GET-förfrågan. Det måste åtminstone göras med en POST-förfrågan varför någon form av bekräftelseformulär är lämpligt att använda.</a:t>
-            </a:r>
-          </a:p>
-          <a:p>
-            <a:r>
-              <a:rPr lang="sv-SE" dirty="0" smtClean="0"/>
-              <a:t>Det är även lämpligt att användaren får ett rättmeddelande då födelsedatat tagits bort.</a:t>
-            </a:r>
-            <a:endParaRPr lang="sv-SE" dirty="0"/>
-          </a:p>
-        </p:txBody>
-      </p:sp>
       <p:pic>
         <p:nvPicPr>
-          <p:cNvPr id="9220" name="Picture 4"/>
+          <p:cNvPr id="6" name="Bildobjekt 5"/>
           <p:cNvPicPr>
-            <a:picLocks noChangeAspect="1" noChangeArrowheads="1"/>
+            <a:picLocks noChangeAspect="1"/>
           </p:cNvPicPr>
           <p:nvPr/>
         </p:nvPicPr>
         <p:blipFill>
-          <a:blip r:embed="rId4">
-            <a:extLst>
-              <a:ext uri="{28A0092B-C50C-407E-A947-70E740481C1C}">
-                <a14:useLocalDpi xmlns:a14="http://schemas.microsoft.com/office/drawing/2010/main" val="0"/>
-              </a:ext>
-            </a:extLst>
-          </a:blip>
-          <a:srcRect/>
+          <a:blip r:embed="rId4"/>
           <a:stretch>
             <a:fillRect/>
           </a:stretch>
         </p:blipFill>
-        <p:spPr bwMode="auto">
-          <a:xfrm rot="540000">
-            <a:off x="3621470" y="2859370"/>
-            <a:ext cx="2414286" cy="2457143"/>
+        <p:spPr>
+          <a:xfrm rot="600000">
+            <a:off x="6037804" y="2908071"/>
+            <a:ext cx="4298053" cy="1920407"/>
           </a:xfrm>
           <a:prstGeom prst="rect">
             <a:avLst/>
@@ -4255,9 +4121,7 @@
             </a:srgbClr>
           </a:solidFill>
           <a:ln w="190500" cap="sq">
-            <a:solidFill>
-              <a:srgbClr val="FFFFFF"/>
-            </a:solidFill>
+            <a:noFill/>
             <a:miter lim="800000"/>
           </a:ln>
           <a:effectLst>
@@ -4281,137 +4145,75 @@
               <a:srgbClr val="969696"/>
             </a:contourClr>
           </a:sp3d>
-          <a:extLst/>
         </p:spPr>
       </p:pic>
-      <p:pic>
-        <p:nvPicPr>
-          <p:cNvPr id="9224" name="Picture 8"/>
-          <p:cNvPicPr>
-            <a:picLocks noChangeAspect="1" noChangeArrowheads="1"/>
-          </p:cNvPicPr>
-          <p:nvPr/>
-        </p:nvPicPr>
-        <p:blipFill>
-          <a:blip r:embed="rId5">
-            <a:extLst>
-              <a:ext uri="{28A0092B-C50C-407E-A947-70E740481C1C}">
-                <a14:useLocalDpi xmlns:a14="http://schemas.microsoft.com/office/drawing/2010/main" val="0"/>
-              </a:ext>
-            </a:extLst>
-          </a:blip>
-          <a:srcRect/>
-          <a:stretch>
-            <a:fillRect/>
-          </a:stretch>
-        </p:blipFill>
-        <p:spPr bwMode="auto">
-          <a:xfrm rot="600000">
-            <a:off x="5873832" y="2908850"/>
-            <a:ext cx="4095239" cy="1857143"/>
-          </a:xfrm>
-          <a:prstGeom prst="rect">
-            <a:avLst/>
-          </a:prstGeom>
-          <a:solidFill>
-            <a:srgbClr val="FFFFFF">
-              <a:shade val="85000"/>
-            </a:srgbClr>
-          </a:solidFill>
-          <a:ln w="190500" cap="sq">
-            <a:solidFill>
-              <a:srgbClr val="FFFFFF"/>
-            </a:solidFill>
-            <a:miter lim="800000"/>
-          </a:ln>
-          <a:effectLst>
-            <a:outerShdw blurRad="65000" dist="50800" dir="12900000" kx="195000" ky="145000" algn="tl" rotWithShape="0">
-              <a:srgbClr val="000000">
-                <a:alpha val="30000"/>
-              </a:srgbClr>
-            </a:outerShdw>
-          </a:effectLst>
-          <a:scene3d>
-            <a:camera prst="orthographicFront">
-              <a:rot lat="0" lon="0" rev="360000"/>
-            </a:camera>
-            <a:lightRig rig="twoPt" dir="t">
-              <a:rot lat="0" lon="0" rev="7200000"/>
-            </a:lightRig>
-          </a:scene3d>
-          <a:sp3d contourW="12700">
-            <a:bevelT w="25400" h="19050"/>
-            <a:contourClr>
-              <a:srgbClr val="969696"/>
-            </a:contourClr>
-          </a:sp3d>
-          <a:extLst/>
-        </p:spPr>
-      </p:pic>
-      <p:pic>
-        <p:nvPicPr>
-          <p:cNvPr id="9223" name="Picture 7"/>
-          <p:cNvPicPr>
-            <a:picLocks noChangeAspect="1" noChangeArrowheads="1"/>
-          </p:cNvPicPr>
-          <p:nvPr/>
-        </p:nvPicPr>
-        <p:blipFill>
-          <a:blip r:embed="rId6">
-            <a:extLst>
-              <a:ext uri="{28A0092B-C50C-407E-A947-70E740481C1C}">
-                <a14:useLocalDpi xmlns:a14="http://schemas.microsoft.com/office/drawing/2010/main" val="0"/>
-              </a:ext>
-            </a:extLst>
-          </a:blip>
-          <a:srcRect/>
-          <a:stretch>
-            <a:fillRect/>
-          </a:stretch>
-        </p:blipFill>
-        <p:spPr bwMode="auto">
-          <a:xfrm rot="180000">
-            <a:off x="6066287" y="4474156"/>
-            <a:ext cx="2495239" cy="1100000"/>
-          </a:xfrm>
-          <a:prstGeom prst="rect">
-            <a:avLst/>
-          </a:prstGeom>
-          <a:solidFill>
-            <a:srgbClr val="FFFFFF">
-              <a:shade val="85000"/>
-            </a:srgbClr>
-          </a:solidFill>
-          <a:ln w="190500" cap="sq">
-            <a:solidFill>
-              <a:srgbClr val="FFFFFF"/>
-            </a:solidFill>
-            <a:miter lim="800000"/>
-          </a:ln>
-          <a:effectLst>
-            <a:outerShdw blurRad="65000" dist="50800" dir="12900000" kx="195000" ky="145000" algn="tl" rotWithShape="0">
-              <a:srgbClr val="000000">
-                <a:alpha val="30000"/>
-              </a:srgbClr>
-            </a:outerShdw>
-          </a:effectLst>
-          <a:scene3d>
-            <a:camera prst="orthographicFront">
-              <a:rot lat="0" lon="0" rev="360000"/>
-            </a:camera>
-            <a:lightRig rig="twoPt" dir="t">
-              <a:rot lat="0" lon="0" rev="7200000"/>
-            </a:lightRig>
-          </a:scene3d>
-          <a:sp3d contourW="12700">
-            <a:bevelT w="25400" h="19050"/>
-            <a:contourClr>
-              <a:srgbClr val="969696"/>
-            </a:contourClr>
-          </a:sp3d>
-          <a:extLst/>
-        </p:spPr>
-      </p:pic>
+      <p:sp>
+        <p:nvSpPr>
+          <p:cNvPr id="3" name="Platshållare för innehåll 2"/>
+          <p:cNvSpPr>
+            <a:spLocks noGrp="1"/>
+          </p:cNvSpPr>
+          <p:nvPr>
+            <p:ph idx="1"/>
+          </p:nvPr>
+        </p:nvSpPr>
+        <p:spPr/>
+        <p:txBody>
+          <a:bodyPr/>
+          <a:lstStyle/>
+          <a:p>
+            <a:r>
+              <a:rPr lang="sv-SE" dirty="0" smtClean="0"/>
+              <a:t>Bortagning av födelsedag följer i stora drag samma principer som redigering av födelsedata. MEN…</a:t>
+            </a:r>
+          </a:p>
+          <a:p>
+            <a:r>
+              <a:rPr lang="sv-SE" dirty="0" smtClean="0"/>
+              <a:t>…det är viktigt att födelsedata inte kan tas bort från databasen med en GET-förfrågan. Det måste åtminstone göras med en POST-förfrågan varför någon form av bekräftelseformulär är lämpligt att använda.</a:t>
+            </a:r>
+          </a:p>
+          <a:p>
+            <a:r>
+              <a:rPr lang="sv-SE" dirty="0" smtClean="0">
+                <a:solidFill>
+                  <a:schemeClr val="bg1">
+                    <a:lumMod val="65000"/>
+                  </a:schemeClr>
+                </a:solidFill>
+              </a:rPr>
+              <a:t>(Det </a:t>
+            </a:r>
+            <a:r>
+              <a:rPr lang="sv-SE" dirty="0" smtClean="0">
+                <a:solidFill>
+                  <a:schemeClr val="bg1">
+                    <a:lumMod val="65000"/>
+                  </a:schemeClr>
+                </a:solidFill>
+              </a:rPr>
+              <a:t>är även lämpligt att användaren får ett rättmeddelande då födelsedatat tagits bort</a:t>
+            </a:r>
+            <a:r>
+              <a:rPr lang="sv-SE" dirty="0" smtClean="0">
+                <a:solidFill>
+                  <a:schemeClr val="bg1">
+                    <a:lumMod val="65000"/>
+                  </a:schemeClr>
+                </a:solidFill>
+              </a:rPr>
+              <a:t>.)</a:t>
+            </a:r>
+            <a:endParaRPr lang="sv-SE" dirty="0">
+              <a:solidFill>
+                <a:schemeClr val="bg1">
+                  <a:lumMod val="65000"/>
+                </a:schemeClr>
+              </a:solidFill>
+            </a:endParaRPr>
+          </a:p>
+        </p:txBody>
+      </p:sp>
       <p:sp>
         <p:nvSpPr>
           <p:cNvPr id="2" name="Rubrik 1"/>
@@ -4478,7 +4280,7 @@
         </p:nvSpPr>
         <p:spPr bwMode="auto">
           <a:xfrm>
-            <a:off x="5434337" y="3109215"/>
+            <a:off x="6318754" y="2067405"/>
             <a:ext cx="118412" cy="118412"/>
           </a:xfrm>
           <a:prstGeom prst="ellipse">
@@ -4537,80 +4339,22 @@
       </p:sp>
       <p:pic>
         <p:nvPicPr>
-          <p:cNvPr id="10247" name="Picture 7" descr="C:\Users\mats\AppData\Local\Temp\SNAGHTMLf74197a.PNG"/>
+          <p:cNvPr id="7" name="Bildobjekt 6"/>
           <p:cNvPicPr>
-            <a:picLocks noChangeAspect="1" noChangeArrowheads="1"/>
+            <a:picLocks noChangeAspect="1"/>
           </p:cNvPicPr>
           <p:nvPr/>
         </p:nvPicPr>
         <p:blipFill>
-          <a:blip r:embed="rId2">
-            <a:extLst>
-              <a:ext uri="{28A0092B-C50C-407E-A947-70E740481C1C}">
-                <a14:useLocalDpi xmlns:a14="http://schemas.microsoft.com/office/drawing/2010/main" val="0"/>
-              </a:ext>
-            </a:extLst>
-          </a:blip>
-          <a:srcRect/>
+          <a:blip r:embed="rId2"/>
           <a:stretch>
             <a:fillRect/>
           </a:stretch>
         </p:blipFill>
-        <p:spPr bwMode="auto">
-          <a:xfrm rot="784561">
-            <a:off x="7282592" y="1027622"/>
-            <a:ext cx="2171429" cy="2419048"/>
-          </a:xfrm>
-          <a:prstGeom prst="rect">
-            <a:avLst/>
-          </a:prstGeom>
-          <a:noFill/>
-          <a:ln w="9525">
-            <a:noFill/>
-            <a:miter lim="800000"/>
-            <a:headEnd/>
-            <a:tailEnd/>
-          </a:ln>
-          <a:scene3d>
-            <a:camera prst="perspectiveContrastingLeftFacing"/>
-            <a:lightRig rig="threePt" dir="t"/>
-          </a:scene3d>
-          <a:extLst>
-            <a:ext uri="{909E8E84-426E-40DD-AFC4-6F175D3DCCD1}">
-              <a14:hiddenFill xmlns:a14="http://schemas.microsoft.com/office/drawing/2010/main">
-                <a:solidFill>
-                  <a:srgbClr val="FFFFFF"/>
-                </a:solidFill>
-              </a14:hiddenFill>
-            </a:ext>
-          </a:extLst>
-        </p:spPr>
-      </p:pic>
-      <p:pic>
-        <p:nvPicPr>
-          <p:cNvPr id="10245" name="Picture 5"/>
-          <p:cNvPicPr>
-            <a:picLocks noChangeAspect="1" noChangeArrowheads="1"/>
-          </p:cNvPicPr>
-          <p:nvPr/>
-        </p:nvPicPr>
-        <p:blipFill>
-          <a:blip r:embed="rId3">
-            <a:extLst>
-              <a:ext uri="{28A0092B-C50C-407E-A947-70E740481C1C}">
-                <a14:useLocalDpi xmlns:a14="http://schemas.microsoft.com/office/drawing/2010/main" val="0"/>
-              </a:ext>
-            </a:extLst>
-          </a:blip>
-          <a:srcRect/>
-          <a:stretch>
-            <a:fillRect/>
-          </a:stretch>
-        </p:blipFill>
-        <p:spPr bwMode="auto">
-          <a:xfrm>
-            <a:off x="5102494" y="1616957"/>
-            <a:ext cx="5572125" cy="3695700"/>
+        <p:spPr>
+          <a:xfrm rot="360000">
+            <a:off x="4525964" y="1252815"/>
+            <a:ext cx="4427604" cy="4816257"/>
           </a:xfrm>
           <a:prstGeom prst="rect">
             <a:avLst/>
@@ -4647,65 +4391,61 @@
               <a:srgbClr val="FFFFFF"/>
             </a:contourClr>
           </a:sp3d>
-          <a:extLst/>
         </p:spPr>
       </p:pic>
-      <p:sp>
-        <p:nvSpPr>
-          <p:cNvPr id="3" name="Platshållare för innehåll 2"/>
-          <p:cNvSpPr>
-            <a:spLocks noGrp="1"/>
-          </p:cNvSpPr>
-          <p:nvPr>
-            <p:ph idx="1"/>
-          </p:nvPr>
-        </p:nvSpPr>
-        <p:spPr/>
-        <p:txBody>
-          <a:bodyPr/>
-          <a:lstStyle/>
-          <a:p>
-            <a:r>
-              <a:rPr lang="sv-SE" dirty="0" smtClean="0"/>
-              <a:t>Då vyer, som Create och Edit, till stora delar har samma innehåll kan det gemensamma innehållet brytas ut och placeras i en partiell vy, </a:t>
-            </a:r>
-            <a:r>
-              <a:rPr lang="sv-SE" i="1" dirty="0" smtClean="0"/>
-              <a:t>partial view</a:t>
-            </a:r>
-            <a:r>
-              <a:rPr lang="sv-SE" dirty="0" smtClean="0"/>
-              <a:t>.</a:t>
-            </a:r>
-            <a:endParaRPr lang="sv-SE" dirty="0"/>
-          </a:p>
-        </p:txBody>
-      </p:sp>
       <p:pic>
         <p:nvPicPr>
-          <p:cNvPr id="10243" name="Picture 3"/>
+          <p:cNvPr id="10" name="Bildobjekt 9"/>
           <p:cNvPicPr>
-            <a:picLocks noChangeAspect="1" noChangeArrowheads="1"/>
+            <a:picLocks noChangeAspect="1"/>
           </p:cNvPicPr>
           <p:nvPr/>
         </p:nvPicPr>
         <p:blipFill>
-          <a:blip r:embed="rId4">
-            <a:extLst>
-              <a:ext uri="{28A0092B-C50C-407E-A947-70E740481C1C}">
-                <a14:useLocalDpi xmlns:a14="http://schemas.microsoft.com/office/drawing/2010/main" val="0"/>
-              </a:ext>
-            </a:extLst>
-          </a:blip>
-          <a:srcRect/>
+          <a:blip r:embed="rId3"/>
           <a:stretch>
             <a:fillRect/>
           </a:stretch>
         </p:blipFill>
-        <p:spPr bwMode="auto">
+        <p:spPr>
+          <a:xfrm rot="480000">
+            <a:off x="7395411" y="985817"/>
+            <a:ext cx="2103302" cy="1463167"/>
+          </a:xfrm>
+          <a:prstGeom prst="rect">
+            <a:avLst/>
+          </a:prstGeom>
+          <a:noFill/>
+          <a:ln w="9525">
+            <a:noFill/>
+            <a:miter lim="800000"/>
+            <a:headEnd/>
+            <a:tailEnd/>
+          </a:ln>
+          <a:scene3d>
+            <a:camera prst="perspectiveContrastingLeftFacing"/>
+            <a:lightRig rig="threePt" dir="t"/>
+          </a:scene3d>
+        </p:spPr>
+      </p:pic>
+      <p:pic>
+        <p:nvPicPr>
+          <p:cNvPr id="6" name="Bildobjekt 5"/>
+          <p:cNvPicPr>
+            <a:picLocks noChangeAspect="1"/>
+          </p:cNvPicPr>
+          <p:nvPr/>
+        </p:nvPicPr>
+        <p:blipFill>
+          <a:blip r:embed="rId4"/>
+          <a:stretch>
+            <a:fillRect/>
+          </a:stretch>
+        </p:blipFill>
+        <p:spPr>
           <a:xfrm>
-            <a:off x="358433" y="1361590"/>
-            <a:ext cx="5000625" cy="2962275"/>
+            <a:off x="455164" y="1443886"/>
+            <a:ext cx="3269263" cy="2400508"/>
           </a:xfrm>
           <a:prstGeom prst="rect">
             <a:avLst/>
@@ -4742,34 +4482,26 @@
               <a:srgbClr val="FFFFFF"/>
             </a:contourClr>
           </a:sp3d>
-          <a:extLst/>
         </p:spPr>
       </p:pic>
       <p:pic>
         <p:nvPicPr>
-          <p:cNvPr id="10242" name="Picture 2"/>
+          <p:cNvPr id="5" name="Bildobjekt 4"/>
           <p:cNvPicPr>
-            <a:picLocks noChangeAspect="1" noChangeArrowheads="1"/>
+            <a:picLocks noChangeAspect="1"/>
           </p:cNvPicPr>
           <p:nvPr/>
         </p:nvPicPr>
         <p:blipFill>
-          <a:blip r:embed="rId5">
-            <a:extLst>
-              <a:ext uri="{28A0092B-C50C-407E-A947-70E740481C1C}">
-                <a14:useLocalDpi xmlns:a14="http://schemas.microsoft.com/office/drawing/2010/main" val="0"/>
-              </a:ext>
-            </a:extLst>
-          </a:blip>
-          <a:srcRect/>
+          <a:blip r:embed="rId5"/>
           <a:stretch>
             <a:fillRect/>
           </a:stretch>
         </p:blipFill>
-        <p:spPr bwMode="auto">
+        <p:spPr>
           <a:xfrm rot="21060000">
-            <a:off x="1059041" y="2502673"/>
-            <a:ext cx="5000625" cy="2971800"/>
+            <a:off x="876255" y="2669821"/>
+            <a:ext cx="3200677" cy="2400508"/>
           </a:xfrm>
           <a:prstGeom prst="rect">
             <a:avLst/>
@@ -4806,9 +4538,39 @@
               <a:srgbClr val="FFFFFF"/>
             </a:contourClr>
           </a:sp3d>
-          <a:extLst/>
         </p:spPr>
       </p:pic>
+      <p:sp>
+        <p:nvSpPr>
+          <p:cNvPr id="3" name="Platshållare för innehåll 2"/>
+          <p:cNvSpPr>
+            <a:spLocks noGrp="1"/>
+          </p:cNvSpPr>
+          <p:nvPr>
+            <p:ph idx="1"/>
+          </p:nvPr>
+        </p:nvSpPr>
+        <p:spPr/>
+        <p:txBody>
+          <a:bodyPr/>
+          <a:lstStyle/>
+          <a:p>
+            <a:r>
+              <a:rPr lang="sv-SE" dirty="0" smtClean="0"/>
+              <a:t>Då vyer, som Create och Edit, till stora delar har samma innehåll kan det gemensamma innehållet brytas ut och placeras i en partiell vy, </a:t>
+            </a:r>
+            <a:r>
+              <a:rPr lang="sv-SE" i="1" dirty="0" smtClean="0"/>
+              <a:t>partial view</a:t>
+            </a:r>
+            <a:r>
+              <a:rPr lang="sv-SE" dirty="0" smtClean="0"/>
+              <a:t>.</a:t>
+            </a:r>
+            <a:endParaRPr lang="sv-SE" dirty="0"/>
+          </a:p>
+        </p:txBody>
+      </p:sp>
       <p:sp>
         <p:nvSpPr>
           <p:cNvPr id="2" name="Rubrik 1"/>
@@ -4832,171 +4594,18 @@
           </a:p>
         </p:txBody>
       </p:sp>
-      <p:pic>
-        <p:nvPicPr>
-          <p:cNvPr id="10244" name="Picture 4"/>
-          <p:cNvPicPr>
-            <a:picLocks noChangeAspect="1" noChangeArrowheads="1"/>
-          </p:cNvPicPr>
-          <p:nvPr/>
-        </p:nvPicPr>
-        <p:blipFill>
-          <a:blip r:embed="rId6">
-            <a:extLst>
-              <a:ext uri="{28A0092B-C50C-407E-A947-70E740481C1C}">
-                <a14:useLocalDpi xmlns:a14="http://schemas.microsoft.com/office/drawing/2010/main" val="0"/>
-              </a:ext>
-            </a:extLst>
-          </a:blip>
-          <a:srcRect/>
-          <a:stretch>
-            <a:fillRect/>
-          </a:stretch>
-        </p:blipFill>
-        <p:spPr bwMode="auto">
-          <a:xfrm rot="360000">
-            <a:off x="3784030" y="2358807"/>
-            <a:ext cx="6665913" cy="4648200"/>
-          </a:xfrm>
-          <a:prstGeom prst="rect">
-            <a:avLst/>
-          </a:prstGeom>
-          <a:solidFill>
-            <a:srgbClr val="FFFFFF">
-              <a:shade val="85000"/>
-            </a:srgbClr>
-          </a:solidFill>
-          <a:ln w="101600" cap="sq">
-            <a:solidFill>
-              <a:srgbClr val="FDFDFD"/>
-            </a:solidFill>
-            <a:miter lim="800000"/>
-          </a:ln>
-          <a:effectLst>
-            <a:outerShdw blurRad="57150" dist="37500" dir="7560000" sy="98000" kx="110000" ky="200000" algn="tl" rotWithShape="0">
-              <a:srgbClr val="000000">
-                <a:alpha val="20000"/>
-              </a:srgbClr>
-            </a:outerShdw>
-          </a:effectLst>
-          <a:scene3d>
-            <a:camera prst="perspectiveRelaxed">
-              <a:rot lat="18960000" lon="0" rev="0"/>
-            </a:camera>
-            <a:lightRig rig="twoPt" dir="t">
-              <a:rot lat="0" lon="0" rev="7200000"/>
-            </a:lightRig>
-          </a:scene3d>
-          <a:sp3d prstMaterial="matte">
-            <a:bevelT w="22860" h="12700"/>
-            <a:contourClr>
-              <a:srgbClr val="FFFFFF"/>
-            </a:contourClr>
-          </a:sp3d>
-          <a:extLst/>
-        </p:spPr>
-      </p:pic>
-      <p:sp>
-        <p:nvSpPr>
-          <p:cNvPr id="4" name="Bildtext upp 3"/>
-          <p:cNvSpPr/>
-          <p:nvPr/>
-        </p:nvSpPr>
-        <p:spPr bwMode="auto">
-          <a:xfrm>
-            <a:off x="7536180" y="2770043"/>
-            <a:ext cx="1242060" cy="796756"/>
-          </a:xfrm>
-          <a:prstGeom prst="upArrowCallout">
-            <a:avLst/>
-          </a:prstGeom>
-          <a:solidFill>
-            <a:schemeClr val="tx2">
-              <a:lumMod val="20000"/>
-              <a:lumOff val="80000"/>
-            </a:schemeClr>
-          </a:solidFill>
-          <a:ln w="9525" cap="flat" cmpd="sng" algn="ctr">
-            <a:solidFill>
-              <a:schemeClr val="bg1">
-                <a:lumMod val="75000"/>
-              </a:schemeClr>
-            </a:solidFill>
-            <a:prstDash val="solid"/>
-            <a:round/>
-            <a:headEnd type="none" w="med" len="med"/>
-            <a:tailEnd type="none" w="med" len="med"/>
-          </a:ln>
-          <a:effectLst/>
-        </p:spPr>
-        <p:txBody>
-          <a:bodyPr vert="horz" wrap="square" lIns="90488" tIns="44450" rIns="90488" bIns="44450" numCol="1" rtlCol="0" anchor="t" anchorCtr="0" compatLnSpc="1">
-            <a:prstTxWarp prst="textNoShape">
-              <a:avLst/>
-            </a:prstTxWarp>
-          </a:bodyPr>
-          <a:lstStyle/>
-          <a:p>
-            <a:r>
-              <a:rPr lang="sv-SE" sz="800" dirty="0" smtClean="0">
-                <a:solidFill>
-                  <a:schemeClr val="bg1">
-                    <a:lumMod val="50000"/>
-                  </a:schemeClr>
-                </a:solidFill>
-                <a:latin typeface="Times New Roman" panose="02020603050405020304" pitchFamily="18" charset="0"/>
-                <a:cs typeface="Times New Roman" panose="02020603050405020304" pitchFamily="18" charset="0"/>
-              </a:rPr>
-              <a:t>Krävs eftersom vi i den partiella vyn har ett gömt fält för </a:t>
-            </a:r>
-            <a:r>
-              <a:rPr lang="sv-SE" sz="800" dirty="0" err="1" smtClean="0">
-                <a:solidFill>
-                  <a:schemeClr val="bg1">
-                    <a:lumMod val="50000"/>
-                  </a:schemeClr>
-                </a:solidFill>
-                <a:latin typeface="Times New Roman" panose="02020603050405020304" pitchFamily="18" charset="0"/>
-                <a:cs typeface="Times New Roman" panose="02020603050405020304" pitchFamily="18" charset="0"/>
-              </a:rPr>
-              <a:t>BirthdayId</a:t>
-            </a:r>
-            <a:r>
-              <a:rPr lang="sv-SE" sz="800" dirty="0" smtClean="0">
-                <a:solidFill>
-                  <a:schemeClr val="bg1">
-                    <a:lumMod val="50000"/>
-                  </a:schemeClr>
-                </a:solidFill>
-                <a:latin typeface="Times New Roman" panose="02020603050405020304" pitchFamily="18" charset="0"/>
-                <a:cs typeface="Times New Roman" panose="02020603050405020304" pitchFamily="18" charset="0"/>
-              </a:rPr>
-              <a:t>.</a:t>
-            </a:r>
-            <a:endParaRPr lang="sv-SE" sz="800" dirty="0">
-              <a:solidFill>
-                <a:schemeClr val="bg1">
-                  <a:lumMod val="50000"/>
-                </a:schemeClr>
-              </a:solidFill>
-              <a:latin typeface="Times New Roman" panose="02020603050405020304" pitchFamily="18" charset="0"/>
-              <a:cs typeface="Times New Roman" panose="02020603050405020304" pitchFamily="18" charset="0"/>
-            </a:endParaRPr>
-          </a:p>
-        </p:txBody>
-      </p:sp>
       <p:cxnSp>
         <p:nvCxnSpPr>
           <p:cNvPr id="17" name="Kurva 16"/>
           <p:cNvCxnSpPr>
-            <a:endCxn id="16" idx="0"/>
+            <a:endCxn id="16" idx="7"/>
           </p:cNvCxnSpPr>
           <p:nvPr/>
         </p:nvCxnSpPr>
         <p:spPr bwMode="auto">
           <a:xfrm rot="10800000" flipV="1">
-            <a:off x="5493544" y="1360153"/>
-            <a:ext cx="2626817" cy="1749062"/>
+            <a:off x="6419825" y="1443884"/>
+            <a:ext cx="1719836" cy="640861"/>
           </a:xfrm>
           <a:prstGeom prst="curvedConnector2">
             <a:avLst/>
@@ -7350,29 +6959,22 @@
       </p:grpSpPr>
       <p:pic>
         <p:nvPicPr>
-          <p:cNvPr id="5123" name="Picture 3"/>
+          <p:cNvPr id="5" name="Bildobjekt 4"/>
           <p:cNvPicPr>
-            <a:picLocks noChangeAspect="1" noChangeArrowheads="1"/>
+            <a:picLocks noChangeAspect="1"/>
           </p:cNvPicPr>
           <p:nvPr/>
         </p:nvPicPr>
         <p:blipFill>
-          <a:blip r:embed="rId2">
-            <a:extLst>
-              <a:ext uri="{28A0092B-C50C-407E-A947-70E740481C1C}">
-                <a14:useLocalDpi xmlns:a14="http://schemas.microsoft.com/office/drawing/2010/main" val="0"/>
-              </a:ext>
-            </a:extLst>
-          </a:blip>
-          <a:srcRect/>
+          <a:blip r:embed="rId2"/>
           <a:stretch>
             <a:fillRect/>
           </a:stretch>
         </p:blipFill>
-        <p:spPr bwMode="auto">
+        <p:spPr>
           <a:xfrm>
-            <a:off x="5541940" y="760766"/>
-            <a:ext cx="2353334" cy="1200000"/>
+            <a:off x="5693419" y="760766"/>
+            <a:ext cx="2260000" cy="1200000"/>
           </a:xfrm>
           <a:prstGeom prst="rect">
             <a:avLst/>
@@ -7409,319 +7011,26 @@
               <a:srgbClr val="969696"/>
             </a:contourClr>
           </a:sp3d>
-          <a:extLst/>
         </p:spPr>
       </p:pic>
-      <p:sp>
-        <p:nvSpPr>
-          <p:cNvPr id="3" name="Platshållare för innehåll 2"/>
-          <p:cNvSpPr>
-            <a:spLocks noGrp="1"/>
-          </p:cNvSpPr>
-          <p:nvPr>
-            <p:ph idx="1"/>
-          </p:nvPr>
-        </p:nvSpPr>
-        <p:spPr>
-          <a:xfrm>
-            <a:off x="457200" y="817563"/>
-            <a:ext cx="4732986" cy="4619625"/>
-          </a:xfrm>
-        </p:spPr>
-        <p:txBody>
-          <a:bodyPr/>
-          <a:lstStyle/>
-          <a:p>
-            <a:r>
-              <a:rPr lang="sv-SE" sz="1600" dirty="0" smtClean="0"/>
-              <a:t>Interfacet </a:t>
-            </a:r>
-            <a:r>
-              <a:rPr lang="sv-SE" sz="1400" dirty="0" smtClean="0">
-                <a:latin typeface="Courier New" pitchFamily="49" charset="0"/>
-                <a:cs typeface="Courier New" pitchFamily="49" charset="0"/>
-              </a:rPr>
-              <a:t>IRepository</a:t>
-            </a:r>
-            <a:r>
-              <a:rPr lang="sv-SE" sz="1600" dirty="0" smtClean="0"/>
-              <a:t> kompletteras med definitioner för metoder till för att hämta, ta bort och uppdatera födelsedata.</a:t>
-            </a:r>
-          </a:p>
-          <a:p>
-            <a:r>
-              <a:rPr lang="sv-SE" sz="1600" dirty="0" smtClean="0"/>
-              <a:t>Klassen </a:t>
-            </a:r>
-            <a:r>
-              <a:rPr lang="sv-SE" sz="1400" dirty="0" smtClean="0">
-                <a:latin typeface="Courier New" pitchFamily="49" charset="0"/>
-                <a:cs typeface="Courier New" pitchFamily="49" charset="0"/>
-              </a:rPr>
-              <a:t>EFRepsoitory</a:t>
-            </a:r>
-            <a:r>
-              <a:rPr lang="sv-SE" sz="1600" dirty="0" smtClean="0"/>
-              <a:t> måste implementera metoderna</a:t>
-            </a:r>
-            <a:r>
-              <a:rPr lang="sv-SE" sz="1600" dirty="0">
-                <a:latin typeface="Courier New" pitchFamily="49" charset="0"/>
-                <a:cs typeface="Courier New" pitchFamily="49" charset="0"/>
-              </a:rPr>
-              <a:t> </a:t>
-            </a:r>
-            <a:r>
-              <a:rPr lang="sv-SE" sz="1400" dirty="0" smtClean="0">
-                <a:latin typeface="Courier New" pitchFamily="49" charset="0"/>
-                <a:cs typeface="Courier New" pitchFamily="49" charset="0"/>
-              </a:rPr>
-              <a:t>GetBirthdayById</a:t>
-            </a:r>
-            <a:r>
-              <a:rPr lang="sv-SE" sz="1600" dirty="0"/>
-              <a:t> , </a:t>
-            </a:r>
-            <a:r>
-              <a:rPr lang="sv-SE" sz="1400" dirty="0" err="1" smtClean="0">
-                <a:latin typeface="Courier New" pitchFamily="49" charset="0"/>
-                <a:cs typeface="Courier New" pitchFamily="49" charset="0"/>
-              </a:rPr>
-              <a:t>DeleteBirthday</a:t>
-            </a:r>
-            <a:r>
-              <a:rPr lang="sv-SE" sz="1600" dirty="0" smtClean="0"/>
-              <a:t> och </a:t>
-            </a:r>
-            <a:r>
-              <a:rPr lang="sv-SE" sz="1400" dirty="0" err="1" smtClean="0">
-                <a:latin typeface="Courier New" pitchFamily="49" charset="0"/>
-                <a:cs typeface="Courier New" pitchFamily="49" charset="0"/>
-              </a:rPr>
-              <a:t>UpdateBirthday</a:t>
-            </a:r>
-            <a:r>
-              <a:rPr lang="sv-SE" sz="1600" dirty="0" smtClean="0"/>
-              <a:t>.</a:t>
-            </a:r>
-          </a:p>
-          <a:p>
-            <a:pPr lvl="1"/>
-            <a:r>
-              <a:rPr lang="sv-SE" sz="1400" dirty="0"/>
-              <a:t>Metoden </a:t>
-            </a:r>
-            <a:r>
-              <a:rPr lang="sv-SE" sz="1400" dirty="0">
-                <a:latin typeface="Courier New" pitchFamily="49" charset="0"/>
-                <a:cs typeface="Courier New" pitchFamily="49" charset="0"/>
-              </a:rPr>
-              <a:t>GetBirthdayById</a:t>
-            </a:r>
-            <a:r>
-              <a:rPr lang="sv-SE" sz="1400" dirty="0"/>
-              <a:t> returnerar ett </a:t>
-            </a:r>
-            <a:r>
-              <a:rPr lang="sv-SE" sz="1400" dirty="0">
-                <a:latin typeface="Courier New" pitchFamily="49" charset="0"/>
-                <a:cs typeface="Courier New" pitchFamily="49" charset="0"/>
-              </a:rPr>
-              <a:t>Birthday</a:t>
-            </a:r>
-            <a:r>
-              <a:rPr lang="sv-SE" sz="1400" dirty="0"/>
-              <a:t>-objekt med specificerat id. Hittas ingen post i databasen returneras </a:t>
-            </a:r>
-            <a:r>
-              <a:rPr lang="sv-SE" sz="1400" dirty="0">
-                <a:latin typeface="Courier New" pitchFamily="49" charset="0"/>
-                <a:cs typeface="Courier New" pitchFamily="49" charset="0"/>
-              </a:rPr>
-              <a:t>null</a:t>
-            </a:r>
-            <a:r>
-              <a:rPr lang="sv-SE" sz="1400" dirty="0"/>
-              <a:t>.</a:t>
-            </a:r>
-          </a:p>
-          <a:p>
-            <a:pPr lvl="1"/>
-            <a:r>
-              <a:rPr lang="sv-SE" sz="1400" dirty="0" smtClean="0"/>
-              <a:t>Metoden </a:t>
-            </a:r>
-            <a:r>
-              <a:rPr lang="sv-SE" sz="1400" dirty="0" err="1" smtClean="0">
-                <a:latin typeface="Courier New" pitchFamily="49" charset="0"/>
-                <a:ea typeface="+mn-ea"/>
-                <a:cs typeface="Courier New" pitchFamily="49" charset="0"/>
-              </a:rPr>
-              <a:t>DeleteBirthday</a:t>
-            </a:r>
-            <a:r>
-              <a:rPr lang="sv-SE" sz="1400" dirty="0" smtClean="0"/>
-              <a:t> anropar </a:t>
-            </a:r>
-            <a:r>
-              <a:rPr lang="sv-SE" sz="1400" dirty="0" err="1" smtClean="0">
-                <a:latin typeface="Courier New" pitchFamily="49" charset="0"/>
-                <a:ea typeface="+mn-ea"/>
-                <a:cs typeface="Courier New" pitchFamily="49" charset="0"/>
-              </a:rPr>
-              <a:t>Remove</a:t>
-            </a:r>
-            <a:r>
-              <a:rPr lang="sv-SE" sz="1400" dirty="0" smtClean="0"/>
-              <a:t>, som markerar att </a:t>
-            </a:r>
-            <a:r>
-              <a:rPr lang="sv-SE" sz="1400" dirty="0" smtClean="0">
-                <a:latin typeface="Courier New" pitchFamily="49" charset="0"/>
-                <a:ea typeface="+mn-ea"/>
-                <a:cs typeface="Courier New" pitchFamily="49" charset="0"/>
-              </a:rPr>
-              <a:t>Birthday</a:t>
-            </a:r>
-            <a:r>
-              <a:rPr lang="sv-SE" sz="1400" dirty="0" smtClean="0"/>
-              <a:t>-objektet ska tas bort. Först efter att </a:t>
-            </a:r>
-            <a:r>
-              <a:rPr lang="sv-SE" sz="1400" dirty="0" smtClean="0">
-                <a:latin typeface="Courier New" pitchFamily="49" charset="0"/>
-                <a:ea typeface="+mn-ea"/>
-                <a:cs typeface="Courier New" pitchFamily="49" charset="0"/>
-              </a:rPr>
-              <a:t>SaveChanges</a:t>
-            </a:r>
-            <a:r>
-              <a:rPr lang="sv-SE" sz="1400" dirty="0" smtClean="0"/>
-              <a:t> anropas tas posten bort i databasen.</a:t>
-            </a:r>
-          </a:p>
-          <a:p>
-            <a:pPr lvl="1"/>
-            <a:r>
-              <a:rPr lang="sv-SE" sz="1400" dirty="0"/>
-              <a:t>Metoden </a:t>
-            </a:r>
-            <a:r>
-              <a:rPr lang="sv-SE" sz="1400" dirty="0" err="1" smtClean="0">
-                <a:latin typeface="Courier New" pitchFamily="49" charset="0"/>
-                <a:cs typeface="Courier New" pitchFamily="49" charset="0"/>
-              </a:rPr>
-              <a:t>UpdateBirthday</a:t>
-            </a:r>
-            <a:r>
-              <a:rPr lang="sv-SE" sz="1400" dirty="0" smtClean="0"/>
-              <a:t> sätter status för </a:t>
-            </a:r>
-            <a:r>
-              <a:rPr lang="sv-SE" sz="1400" dirty="0" err="1" smtClean="0"/>
-              <a:t>entitiesobjektet</a:t>
-            </a:r>
-            <a:r>
-              <a:rPr lang="sv-SE" sz="1400" dirty="0" smtClean="0"/>
-              <a:t> vilket markerar </a:t>
-            </a:r>
-            <a:r>
-              <a:rPr lang="sv-SE" sz="1400" dirty="0"/>
-              <a:t>att </a:t>
-            </a:r>
-            <a:r>
-              <a:rPr lang="sv-SE" sz="1400" dirty="0">
-                <a:latin typeface="Courier New" pitchFamily="49" charset="0"/>
-                <a:cs typeface="Courier New" pitchFamily="49" charset="0"/>
-              </a:rPr>
-              <a:t>Birthday</a:t>
-            </a:r>
-            <a:r>
-              <a:rPr lang="sv-SE" sz="1400" dirty="0"/>
-              <a:t>-objektet ska </a:t>
-            </a:r>
-            <a:r>
-              <a:rPr lang="sv-SE" sz="1400" dirty="0" smtClean="0"/>
-              <a:t>uppdateras. </a:t>
-            </a:r>
-            <a:r>
-              <a:rPr lang="sv-SE" sz="1400" dirty="0"/>
-              <a:t>Först efter att </a:t>
-            </a:r>
-            <a:r>
-              <a:rPr lang="sv-SE" sz="1400" dirty="0">
-                <a:latin typeface="Courier New" pitchFamily="49" charset="0"/>
-                <a:cs typeface="Courier New" pitchFamily="49" charset="0"/>
-              </a:rPr>
-              <a:t>SaveChanges</a:t>
-            </a:r>
-            <a:r>
-              <a:rPr lang="sv-SE" sz="1400" dirty="0"/>
-              <a:t> anropas </a:t>
-            </a:r>
-            <a:r>
-              <a:rPr lang="sv-SE" sz="1400" dirty="0" smtClean="0"/>
-              <a:t>uppdateras posten i databasen</a:t>
-            </a:r>
-            <a:r>
-              <a:rPr lang="sv-SE" sz="1400" dirty="0"/>
-              <a:t>.</a:t>
-            </a:r>
-          </a:p>
-          <a:p>
-            <a:pPr lvl="1"/>
-            <a:endParaRPr lang="sv-SE" sz="1400" dirty="0" smtClean="0"/>
-          </a:p>
-        </p:txBody>
-      </p:sp>
-      <p:sp>
-        <p:nvSpPr>
-          <p:cNvPr id="2" name="Rubrik 1"/>
-          <p:cNvSpPr>
-            <a:spLocks noGrp="1"/>
-          </p:cNvSpPr>
-          <p:nvPr>
-            <p:ph type="title"/>
-          </p:nvPr>
-        </p:nvSpPr>
-        <p:spPr/>
-        <p:txBody>
-          <a:bodyPr/>
-          <a:lstStyle/>
-          <a:p>
-            <a:r>
-              <a:rPr lang="sv-SE" dirty="0" smtClean="0"/>
-              <a:t>Modifiering av interface och klass för ”repository”.</a:t>
-            </a:r>
-            <a:endParaRPr lang="sv-SE" dirty="0"/>
-          </a:p>
-        </p:txBody>
-      </p:sp>
       <p:pic>
         <p:nvPicPr>
-          <p:cNvPr id="5124" name="Picture 4"/>
+          <p:cNvPr id="4" name="Bildobjekt 3"/>
           <p:cNvPicPr>
-            <a:picLocks noChangeAspect="1" noChangeArrowheads="1"/>
+            <a:picLocks noChangeAspect="1"/>
           </p:cNvPicPr>
           <p:nvPr/>
         </p:nvPicPr>
         <p:blipFill>
-          <a:blip r:embed="rId3">
-            <a:extLst>
-              <a:ext uri="{28A0092B-C50C-407E-A947-70E740481C1C}">
-                <a14:useLocalDpi xmlns:a14="http://schemas.microsoft.com/office/drawing/2010/main" val="0"/>
-              </a:ext>
-            </a:extLst>
-          </a:blip>
-          <a:srcRect/>
+          <a:blip r:embed="rId3"/>
           <a:stretch>
             <a:fillRect/>
           </a:stretch>
         </p:blipFill>
-        <p:spPr bwMode="auto">
+        <p:spPr>
           <a:xfrm rot="720000">
-            <a:off x="5264346" y="1900215"/>
-            <a:ext cx="3613334" cy="4853334"/>
+            <a:off x="5331621" y="2004327"/>
+            <a:ext cx="4091533" cy="3990178"/>
           </a:xfrm>
           <a:prstGeom prst="rect">
             <a:avLst/>
@@ -7758,9 +7067,279 @@
               <a:srgbClr val="969696"/>
             </a:contourClr>
           </a:sp3d>
-          <a:extLst/>
         </p:spPr>
       </p:pic>
+      <p:sp>
+        <p:nvSpPr>
+          <p:cNvPr id="3" name="Platshållare för innehåll 2"/>
+          <p:cNvSpPr>
+            <a:spLocks noGrp="1"/>
+          </p:cNvSpPr>
+          <p:nvPr>
+            <p:ph idx="1"/>
+          </p:nvPr>
+        </p:nvSpPr>
+        <p:spPr>
+          <a:xfrm>
+            <a:off x="457200" y="817563"/>
+            <a:ext cx="4732986" cy="4619625"/>
+          </a:xfrm>
+        </p:spPr>
+        <p:txBody>
+          <a:bodyPr/>
+          <a:lstStyle/>
+          <a:p>
+            <a:r>
+              <a:rPr lang="sv-SE" sz="1600" dirty="0" smtClean="0"/>
+              <a:t>Interfacet </a:t>
+            </a:r>
+            <a:r>
+              <a:rPr lang="sv-SE" sz="1400" dirty="0" smtClean="0">
+                <a:latin typeface="Courier New" pitchFamily="49" charset="0"/>
+                <a:cs typeface="Courier New" pitchFamily="49" charset="0"/>
+              </a:rPr>
+              <a:t>IRepository</a:t>
+            </a:r>
+            <a:r>
+              <a:rPr lang="sv-SE" sz="1600" dirty="0" smtClean="0"/>
+              <a:t> kompletteras med definitioner för metoder till för att hämta, ta bort och uppdatera födelsedata.</a:t>
+            </a:r>
+          </a:p>
+          <a:p>
+            <a:r>
+              <a:rPr lang="sv-SE" sz="1600" dirty="0" smtClean="0"/>
+              <a:t>Klassen </a:t>
+            </a:r>
+            <a:r>
+              <a:rPr lang="sv-SE" sz="1400" dirty="0" smtClean="0">
+                <a:latin typeface="Courier New" pitchFamily="49" charset="0"/>
+                <a:cs typeface="Courier New" pitchFamily="49" charset="0"/>
+              </a:rPr>
+              <a:t>EFRepsoitory</a:t>
+            </a:r>
+            <a:r>
+              <a:rPr lang="sv-SE" sz="1600" dirty="0" smtClean="0"/>
+              <a:t> måste implementera metoderna</a:t>
+            </a:r>
+            <a:r>
+              <a:rPr lang="sv-SE" sz="1600" dirty="0">
+                <a:latin typeface="Courier New" pitchFamily="49" charset="0"/>
+                <a:cs typeface="Courier New" pitchFamily="49" charset="0"/>
+              </a:rPr>
+              <a:t> </a:t>
+            </a:r>
+            <a:r>
+              <a:rPr lang="sv-SE" sz="1400" dirty="0" smtClean="0">
+                <a:latin typeface="Courier New" pitchFamily="49" charset="0"/>
+                <a:cs typeface="Courier New" pitchFamily="49" charset="0"/>
+              </a:rPr>
+              <a:t>GetBirthdayById</a:t>
+            </a:r>
+            <a:r>
+              <a:rPr lang="sv-SE" sz="1600" dirty="0"/>
+              <a:t> , </a:t>
+            </a:r>
+            <a:r>
+              <a:rPr lang="sv-SE" sz="1400" dirty="0" err="1" smtClean="0">
+                <a:latin typeface="Courier New" pitchFamily="49" charset="0"/>
+                <a:cs typeface="Courier New" pitchFamily="49" charset="0"/>
+              </a:rPr>
+              <a:t>UpdateBirthday</a:t>
+            </a:r>
+            <a:r>
+              <a:rPr lang="sv-SE" sz="1400" dirty="0"/>
+              <a:t> </a:t>
+            </a:r>
+            <a:r>
+              <a:rPr lang="sv-SE" sz="1600" dirty="0" smtClean="0"/>
+              <a:t>och </a:t>
+            </a:r>
+            <a:r>
+              <a:rPr lang="sv-SE" sz="1600" dirty="0" err="1">
+                <a:latin typeface="Courier New" pitchFamily="49" charset="0"/>
+                <a:cs typeface="Courier New" pitchFamily="49" charset="0"/>
+              </a:rPr>
+              <a:t>DeleteBirthday</a:t>
+            </a:r>
+            <a:r>
+              <a:rPr lang="sv-SE" sz="1600" dirty="0" smtClean="0"/>
+              <a:t>.</a:t>
+            </a:r>
+            <a:endParaRPr lang="sv-SE" sz="1600" dirty="0" smtClean="0"/>
+          </a:p>
+          <a:p>
+            <a:pPr lvl="1"/>
+            <a:r>
+              <a:rPr lang="sv-SE" sz="1400" dirty="0"/>
+              <a:t>Metoden </a:t>
+            </a:r>
+            <a:r>
+              <a:rPr lang="sv-SE" sz="1400" dirty="0">
+                <a:latin typeface="Courier New" pitchFamily="49" charset="0"/>
+                <a:cs typeface="Courier New" pitchFamily="49" charset="0"/>
+              </a:rPr>
+              <a:t>GetBirthdayById</a:t>
+            </a:r>
+            <a:r>
+              <a:rPr lang="sv-SE" sz="1400" dirty="0"/>
+              <a:t> returnerar ett </a:t>
+            </a:r>
+            <a:r>
+              <a:rPr lang="sv-SE" sz="1400" dirty="0">
+                <a:latin typeface="Courier New" pitchFamily="49" charset="0"/>
+                <a:cs typeface="Courier New" pitchFamily="49" charset="0"/>
+              </a:rPr>
+              <a:t>Birthday</a:t>
+            </a:r>
+            <a:r>
+              <a:rPr lang="sv-SE" sz="1400" dirty="0"/>
+              <a:t>-objekt med specificerat id. Hittas ingen post i databasen returneras </a:t>
+            </a:r>
+            <a:r>
+              <a:rPr lang="sv-SE" sz="1400" dirty="0" err="1">
+                <a:latin typeface="Courier New" pitchFamily="49" charset="0"/>
+                <a:cs typeface="Courier New" pitchFamily="49" charset="0"/>
+              </a:rPr>
+              <a:t>null</a:t>
+            </a:r>
+            <a:r>
+              <a:rPr lang="sv-SE" sz="1400" dirty="0" smtClean="0"/>
+              <a:t>.</a:t>
+            </a:r>
+          </a:p>
+          <a:p>
+            <a:pPr lvl="1"/>
+            <a:r>
+              <a:rPr lang="sv-SE" sz="1400" dirty="0"/>
+              <a:t>Metoden </a:t>
+            </a:r>
+            <a:r>
+              <a:rPr lang="sv-SE" sz="1400" dirty="0" err="1">
+                <a:latin typeface="Courier New" pitchFamily="49" charset="0"/>
+                <a:cs typeface="Courier New" pitchFamily="49" charset="0"/>
+              </a:rPr>
+              <a:t>UpdateBirthday</a:t>
+            </a:r>
+            <a:r>
+              <a:rPr lang="sv-SE" sz="1400" dirty="0"/>
+              <a:t> sätter status för </a:t>
+            </a:r>
+            <a:r>
+              <a:rPr lang="sv-SE" sz="1400" dirty="0" err="1"/>
+              <a:t>entitiesobjektet</a:t>
+            </a:r>
+            <a:r>
+              <a:rPr lang="sv-SE" sz="1400" dirty="0"/>
+              <a:t> vilket markerar att </a:t>
+            </a:r>
+            <a:r>
+              <a:rPr lang="sv-SE" sz="1400" dirty="0" err="1">
+                <a:latin typeface="Courier New" pitchFamily="49" charset="0"/>
+                <a:cs typeface="Courier New" pitchFamily="49" charset="0"/>
+              </a:rPr>
+              <a:t>Birthday</a:t>
+            </a:r>
+            <a:r>
+              <a:rPr lang="sv-SE" sz="1400" dirty="0"/>
+              <a:t>-objektet ska uppdateras. Först efter att </a:t>
+            </a:r>
+            <a:r>
+              <a:rPr lang="sv-SE" sz="1400" dirty="0" err="1">
+                <a:latin typeface="Courier New" pitchFamily="49" charset="0"/>
+                <a:cs typeface="Courier New" pitchFamily="49" charset="0"/>
+              </a:rPr>
+              <a:t>SaveChanges</a:t>
+            </a:r>
+            <a:r>
+              <a:rPr lang="sv-SE" sz="1400" dirty="0"/>
+              <a:t> anropas uppdateras posten i databasen.</a:t>
+            </a:r>
+          </a:p>
+          <a:p>
+            <a:pPr lvl="1"/>
+            <a:r>
+              <a:rPr lang="sv-SE" sz="1400" dirty="0" smtClean="0"/>
+              <a:t>Metoden </a:t>
+            </a:r>
+            <a:r>
+              <a:rPr lang="sv-SE" sz="1400" dirty="0" err="1" smtClean="0">
+                <a:latin typeface="Courier New" pitchFamily="49" charset="0"/>
+                <a:ea typeface="+mn-ea"/>
+                <a:cs typeface="Courier New" pitchFamily="49" charset="0"/>
+              </a:rPr>
+              <a:t>DeleteBirthday</a:t>
+            </a:r>
+            <a:r>
+              <a:rPr lang="sv-SE" sz="1400" dirty="0" smtClean="0"/>
+              <a:t> anropar </a:t>
+            </a:r>
+            <a:r>
+              <a:rPr lang="sv-SE" sz="1400" dirty="0" err="1" smtClean="0">
+                <a:latin typeface="Courier New" pitchFamily="49" charset="0"/>
+                <a:ea typeface="+mn-ea"/>
+                <a:cs typeface="Courier New" pitchFamily="49" charset="0"/>
+              </a:rPr>
+              <a:t>Remove</a:t>
+            </a:r>
+            <a:r>
+              <a:rPr lang="sv-SE" sz="1400" dirty="0" smtClean="0"/>
+              <a:t>, som markerar att </a:t>
+            </a:r>
+            <a:r>
+              <a:rPr lang="sv-SE" sz="1400" dirty="0" smtClean="0">
+                <a:latin typeface="Courier New" pitchFamily="49" charset="0"/>
+                <a:ea typeface="+mn-ea"/>
+                <a:cs typeface="Courier New" pitchFamily="49" charset="0"/>
+              </a:rPr>
+              <a:t>Birthday</a:t>
+            </a:r>
+            <a:r>
+              <a:rPr lang="sv-SE" sz="1400" dirty="0" smtClean="0"/>
+              <a:t>-objektet ska tas bort. Först efter att </a:t>
+            </a:r>
+            <a:r>
+              <a:rPr lang="sv-SE" sz="1400" dirty="0" smtClean="0">
+                <a:latin typeface="Courier New" pitchFamily="49" charset="0"/>
+                <a:ea typeface="+mn-ea"/>
+                <a:cs typeface="Courier New" pitchFamily="49" charset="0"/>
+              </a:rPr>
+              <a:t>SaveChanges</a:t>
+            </a:r>
+            <a:r>
+              <a:rPr lang="sv-SE" sz="1400" dirty="0" smtClean="0"/>
+              <a:t> anropas tas posten bort i databasen.</a:t>
+            </a:r>
+            <a:endParaRPr lang="sv-SE" sz="1400" dirty="0"/>
+          </a:p>
+          <a:p>
+            <a:pPr lvl="1"/>
+            <a:endParaRPr lang="sv-SE" sz="1400" dirty="0" smtClean="0"/>
+          </a:p>
+        </p:txBody>
+      </p:sp>
+      <p:sp>
+        <p:nvSpPr>
+          <p:cNvPr id="2" name="Rubrik 1"/>
+          <p:cNvSpPr>
+            <a:spLocks noGrp="1"/>
+          </p:cNvSpPr>
+          <p:nvPr>
+            <p:ph type="title"/>
+          </p:nvPr>
+        </p:nvSpPr>
+        <p:spPr/>
+        <p:txBody>
+          <a:bodyPr/>
+          <a:lstStyle/>
+          <a:p>
+            <a:r>
+              <a:rPr lang="sv-SE" dirty="0" smtClean="0"/>
+              <a:t>Modifiering av interface och klass för ”repository”.</a:t>
+            </a:r>
+            <a:endParaRPr lang="sv-SE" dirty="0"/>
+          </a:p>
+        </p:txBody>
+      </p:sp>
     </p:spTree>
   </p:cSld>
   <p:clrMapOvr>
@@ -7798,13 +7377,13 @@
       </p:grpSpPr>
       <p:sp>
         <p:nvSpPr>
-          <p:cNvPr id="23" name="Ellips 22"/>
+          <p:cNvPr id="6" name="Ellips 5"/>
           <p:cNvSpPr/>
           <p:nvPr/>
         </p:nvSpPr>
         <p:spPr bwMode="auto">
           <a:xfrm>
-            <a:off x="4935719" y="3471341"/>
+            <a:off x="2362135" y="2963993"/>
             <a:ext cx="118412" cy="118412"/>
           </a:xfrm>
           <a:prstGeom prst="ellipse">
@@ -7863,13 +7442,13 @@
       </p:sp>
       <p:sp>
         <p:nvSpPr>
-          <p:cNvPr id="6" name="Ellips 5"/>
+          <p:cNvPr id="21" name="Ellips 20"/>
           <p:cNvSpPr/>
           <p:nvPr/>
         </p:nvSpPr>
         <p:spPr bwMode="auto">
           <a:xfrm>
-            <a:off x="2664259" y="3187975"/>
+            <a:off x="3171758" y="3672947"/>
             <a:ext cx="118412" cy="118412"/>
           </a:xfrm>
           <a:prstGeom prst="ellipse">
@@ -7928,13 +7507,13 @@
       </p:sp>
       <p:sp>
         <p:nvSpPr>
-          <p:cNvPr id="16" name="Ellips 15"/>
+          <p:cNvPr id="25" name="Ellips 24"/>
           <p:cNvSpPr/>
           <p:nvPr/>
         </p:nvSpPr>
         <p:spPr bwMode="auto">
           <a:xfrm>
-            <a:off x="1677496" y="4042368"/>
+            <a:off x="2347900" y="3450810"/>
             <a:ext cx="118412" cy="118412"/>
           </a:xfrm>
           <a:prstGeom prst="ellipse">
@@ -7991,147 +7570,24 @@
           </a:p>
         </p:txBody>
       </p:sp>
-      <p:sp>
-        <p:nvSpPr>
-          <p:cNvPr id="21" name="Ellips 20"/>
-          <p:cNvSpPr/>
-          <p:nvPr/>
-        </p:nvSpPr>
-        <p:spPr bwMode="auto">
-          <a:xfrm>
-            <a:off x="3974467" y="3422372"/>
-            <a:ext cx="118412" cy="118412"/>
-          </a:xfrm>
-          <a:prstGeom prst="ellipse">
-            <a:avLst/>
-          </a:prstGeom>
-          <a:solidFill>
-            <a:schemeClr val="accent1"/>
-          </a:solidFill>
-          <a:ln w="9525" cap="flat" cmpd="sng" algn="ctr">
-            <a:solidFill>
-              <a:schemeClr val="tx1"/>
-            </a:solidFill>
-            <a:prstDash val="solid"/>
-            <a:round/>
-            <a:headEnd type="none" w="med" len="med"/>
-            <a:tailEnd type="none" w="med" len="med"/>
-          </a:ln>
-          <a:effectLst/>
-        </p:spPr>
-        <p:txBody>
-          <a:bodyPr vert="horz" wrap="square" lIns="90488" tIns="44450" rIns="90488" bIns="44450" numCol="1" rtlCol="0" anchor="t" anchorCtr="0" compatLnSpc="1">
-            <a:prstTxWarp prst="textNoShape">
-              <a:avLst/>
-            </a:prstTxWarp>
-          </a:bodyPr>
-          <a:lstStyle/>
-          <a:p>
-            <a:pPr marL="0" marR="0" indent="0" algn="l" defTabSz="914400" rtl="0" eaLnBrk="1" fontAlgn="base" latinLnBrk="0" hangingPunct="1">
-              <a:lnSpc>
-                <a:spcPct val="100000"/>
-              </a:lnSpc>
-              <a:spcBef>
-                <a:spcPct val="0"/>
-              </a:spcBef>
-              <a:spcAft>
-                <a:spcPct val="0"/>
-              </a:spcAft>
-              <a:buClrTx/>
-              <a:buSzTx/>
-              <a:buFontTx/>
-              <a:buNone/>
-              <a:tabLst/>
-            </a:pPr>
-            <a:endParaRPr kumimoji="0" lang="sv-SE" sz="1800" b="0" i="0" u="none" strike="noStrike" cap="none" normalizeH="0" baseline="0" smtClean="0">
-              <a:ln>
-                <a:noFill/>
-              </a:ln>
-              <a:solidFill>
-                <a:schemeClr val="tx1"/>
-              </a:solidFill>
-              <a:effectLst/>
-              <a:latin typeface="Arial" charset="0"/>
-            </a:endParaRPr>
-          </a:p>
-        </p:txBody>
-      </p:sp>
-      <p:sp>
-        <p:nvSpPr>
-          <p:cNvPr id="3" name="Platshållare för innehåll 2"/>
-          <p:cNvSpPr>
-            <a:spLocks noGrp="1"/>
-          </p:cNvSpPr>
-          <p:nvPr>
-            <p:ph idx="1"/>
-          </p:nvPr>
-        </p:nvSpPr>
-        <p:spPr/>
-        <p:txBody>
-          <a:bodyPr/>
-          <a:lstStyle/>
-          <a:p>
-            <a:r>
-              <a:rPr lang="sv-SE" dirty="0" smtClean="0"/>
-              <a:t>Födelsedatat som ska redigeras specificeras med hjälp av primärnyckelns värde, som skickas till controllermetoden så att rätt post med födelsedata kan hämtas från databasen.</a:t>
-            </a:r>
-          </a:p>
-          <a:p>
-            <a:r>
-              <a:rPr lang="sv-SE" dirty="0" smtClean="0"/>
-              <a:t>Födelsedatat, paketerat i ett </a:t>
-            </a:r>
-            <a:r>
-              <a:rPr lang="sv-SE" sz="1600" dirty="0" smtClean="0">
-                <a:latin typeface="Courier New" pitchFamily="49" charset="0"/>
-                <a:cs typeface="Courier New" pitchFamily="49" charset="0"/>
-              </a:rPr>
-              <a:t>Birthday</a:t>
-            </a:r>
-            <a:r>
-              <a:rPr lang="sv-SE" dirty="0" smtClean="0"/>
-              <a:t>-objekt, utgör modellen som skickas till vyn som visar födelsedatat i ett formulär. Hittas inte någon post med specificerat id visas vyn </a:t>
-            </a:r>
-            <a:r>
-              <a:rPr lang="sv-SE" sz="1600" dirty="0" err="1" smtClean="0">
-                <a:latin typeface="Courier New" pitchFamily="49" charset="0"/>
-                <a:cs typeface="Courier New" pitchFamily="49" charset="0"/>
-              </a:rPr>
-              <a:t>NotFound</a:t>
-            </a:r>
-            <a:r>
-              <a:rPr lang="sv-SE" dirty="0" smtClean="0"/>
-              <a:t>.</a:t>
-            </a:r>
-            <a:endParaRPr lang="sv-SE" dirty="0"/>
-          </a:p>
-        </p:txBody>
-      </p:sp>
       <p:pic>
         <p:nvPicPr>
-          <p:cNvPr id="6147" name="Picture 3"/>
+          <p:cNvPr id="10" name="Bildobjekt 9"/>
           <p:cNvPicPr>
-            <a:picLocks noChangeAspect="1" noChangeArrowheads="1"/>
+            <a:picLocks noChangeAspect="1"/>
           </p:cNvPicPr>
           <p:nvPr/>
         </p:nvPicPr>
         <p:blipFill>
-          <a:blip r:embed="rId2">
-            <a:extLst>
-              <a:ext uri="{28A0092B-C50C-407E-A947-70E740481C1C}">
-                <a14:useLocalDpi xmlns:a14="http://schemas.microsoft.com/office/drawing/2010/main" val="0"/>
-              </a:ext>
-            </a:extLst>
-          </a:blip>
-          <a:srcRect/>
+          <a:blip r:embed="rId2"/>
           <a:stretch>
             <a:fillRect/>
           </a:stretch>
         </p:blipFill>
-        <p:spPr bwMode="auto">
+        <p:spPr>
           <a:xfrm rot="21420000">
-            <a:off x="2311861" y="2524939"/>
-            <a:ext cx="2633334" cy="1306667"/>
+            <a:off x="1897727" y="2267630"/>
+            <a:ext cx="3419390" cy="1877730"/>
           </a:xfrm>
           <a:prstGeom prst="rect">
             <a:avLst/>
@@ -8168,12 +7624,206 @@
               <a:srgbClr val="FFFFFF"/>
             </a:contourClr>
           </a:sp3d>
-          <a:extLst/>
         </p:spPr>
       </p:pic>
+      <p:sp>
+        <p:nvSpPr>
+          <p:cNvPr id="23" name="Ellips 22"/>
+          <p:cNvSpPr/>
+          <p:nvPr/>
+        </p:nvSpPr>
+        <p:spPr bwMode="auto">
+          <a:xfrm>
+            <a:off x="5304704" y="3488285"/>
+            <a:ext cx="118412" cy="118412"/>
+          </a:xfrm>
+          <a:prstGeom prst="ellipse">
+            <a:avLst/>
+          </a:prstGeom>
+          <a:solidFill>
+            <a:schemeClr val="accent1"/>
+          </a:solidFill>
+          <a:ln w="9525" cap="flat" cmpd="sng" algn="ctr">
+            <a:solidFill>
+              <a:schemeClr val="tx1"/>
+            </a:solidFill>
+            <a:prstDash val="solid"/>
+            <a:round/>
+            <a:headEnd type="none" w="med" len="med"/>
+            <a:tailEnd type="none" w="med" len="med"/>
+          </a:ln>
+          <a:effectLst/>
+        </p:spPr>
+        <p:txBody>
+          <a:bodyPr vert="horz" wrap="square" lIns="90488" tIns="44450" rIns="90488" bIns="44450" numCol="1" rtlCol="0" anchor="t" anchorCtr="0" compatLnSpc="1">
+            <a:prstTxWarp prst="textNoShape">
+              <a:avLst/>
+            </a:prstTxWarp>
+          </a:bodyPr>
+          <a:lstStyle/>
+          <a:p>
+            <a:pPr marL="0" marR="0" indent="0" algn="l" defTabSz="914400" rtl="0" eaLnBrk="1" fontAlgn="base" latinLnBrk="0" hangingPunct="1">
+              <a:lnSpc>
+                <a:spcPct val="100000"/>
+              </a:lnSpc>
+              <a:spcBef>
+                <a:spcPct val="0"/>
+              </a:spcBef>
+              <a:spcAft>
+                <a:spcPct val="0"/>
+              </a:spcAft>
+              <a:buClrTx/>
+              <a:buSzTx/>
+              <a:buFontTx/>
+              <a:buNone/>
+              <a:tabLst/>
+            </a:pPr>
+            <a:endParaRPr kumimoji="0" lang="sv-SE" sz="1800" b="0" i="0" u="none" strike="noStrike" cap="none" normalizeH="0" baseline="0" smtClean="0">
+              <a:ln>
+                <a:noFill/>
+              </a:ln>
+              <a:solidFill>
+                <a:schemeClr val="tx1"/>
+              </a:solidFill>
+              <a:effectLst/>
+              <a:latin typeface="Arial" charset="0"/>
+            </a:endParaRPr>
+          </a:p>
+        </p:txBody>
+      </p:sp>
+      <p:sp>
+        <p:nvSpPr>
+          <p:cNvPr id="16" name="Ellips 15"/>
+          <p:cNvSpPr/>
+          <p:nvPr/>
+        </p:nvSpPr>
+        <p:spPr bwMode="auto">
+          <a:xfrm>
+            <a:off x="1134165" y="4155825"/>
+            <a:ext cx="118412" cy="118412"/>
+          </a:xfrm>
+          <a:prstGeom prst="ellipse">
+            <a:avLst/>
+          </a:prstGeom>
+          <a:solidFill>
+            <a:schemeClr val="accent1"/>
+          </a:solidFill>
+          <a:ln w="9525" cap="flat" cmpd="sng" algn="ctr">
+            <a:solidFill>
+              <a:schemeClr val="tx1"/>
+            </a:solidFill>
+            <a:prstDash val="solid"/>
+            <a:round/>
+            <a:headEnd type="none" w="med" len="med"/>
+            <a:tailEnd type="none" w="med" len="med"/>
+          </a:ln>
+          <a:effectLst/>
+        </p:spPr>
+        <p:txBody>
+          <a:bodyPr vert="horz" wrap="square" lIns="90488" tIns="44450" rIns="90488" bIns="44450" numCol="1" rtlCol="0" anchor="t" anchorCtr="0" compatLnSpc="1">
+            <a:prstTxWarp prst="textNoShape">
+              <a:avLst/>
+            </a:prstTxWarp>
+          </a:bodyPr>
+          <a:lstStyle/>
+          <a:p>
+            <a:pPr marL="0" marR="0" indent="0" algn="l" defTabSz="914400" rtl="0" eaLnBrk="1" fontAlgn="base" latinLnBrk="0" hangingPunct="1">
+              <a:lnSpc>
+                <a:spcPct val="100000"/>
+              </a:lnSpc>
+              <a:spcBef>
+                <a:spcPct val="0"/>
+              </a:spcBef>
+              <a:spcAft>
+                <a:spcPct val="0"/>
+              </a:spcAft>
+              <a:buClrTx/>
+              <a:buSzTx/>
+              <a:buFontTx/>
+              <a:buNone/>
+              <a:tabLst/>
+            </a:pPr>
+            <a:endParaRPr kumimoji="0" lang="sv-SE" sz="1800" b="0" i="0" u="none" strike="noStrike" cap="none" normalizeH="0" baseline="0" smtClean="0">
+              <a:ln>
+                <a:noFill/>
+              </a:ln>
+              <a:solidFill>
+                <a:schemeClr val="tx1"/>
+              </a:solidFill>
+              <a:effectLst/>
+              <a:latin typeface="Arial" charset="0"/>
+            </a:endParaRPr>
+          </a:p>
+        </p:txBody>
+      </p:sp>
+      <p:sp>
+        <p:nvSpPr>
+          <p:cNvPr id="26" name="Ellips 25"/>
+          <p:cNvSpPr/>
+          <p:nvPr/>
+        </p:nvSpPr>
+        <p:spPr bwMode="auto">
+          <a:xfrm>
+            <a:off x="1477208" y="4455985"/>
+            <a:ext cx="118412" cy="118412"/>
+          </a:xfrm>
+          <a:prstGeom prst="ellipse">
+            <a:avLst/>
+          </a:prstGeom>
+          <a:solidFill>
+            <a:schemeClr val="accent1"/>
+          </a:solidFill>
+          <a:ln w="9525" cap="flat" cmpd="sng" algn="ctr">
+            <a:solidFill>
+              <a:schemeClr val="tx1"/>
+            </a:solidFill>
+            <a:prstDash val="solid"/>
+            <a:round/>
+            <a:headEnd type="none" w="med" len="med"/>
+            <a:tailEnd type="none" w="med" len="med"/>
+          </a:ln>
+          <a:effectLst/>
+        </p:spPr>
+        <p:txBody>
+          <a:bodyPr vert="horz" wrap="square" lIns="90488" tIns="44450" rIns="90488" bIns="44450" numCol="1" rtlCol="0" anchor="t" anchorCtr="0" compatLnSpc="1">
+            <a:prstTxWarp prst="textNoShape">
+              <a:avLst/>
+            </a:prstTxWarp>
+          </a:bodyPr>
+          <a:lstStyle/>
+          <a:p>
+            <a:pPr marL="0" marR="0" indent="0" algn="l" defTabSz="914400" rtl="0" eaLnBrk="1" fontAlgn="base" latinLnBrk="0" hangingPunct="1">
+              <a:lnSpc>
+                <a:spcPct val="100000"/>
+              </a:lnSpc>
+              <a:spcBef>
+                <a:spcPct val="0"/>
+              </a:spcBef>
+              <a:spcAft>
+                <a:spcPct val="0"/>
+              </a:spcAft>
+              <a:buClrTx/>
+              <a:buSzTx/>
+              <a:buFontTx/>
+              <a:buNone/>
+              <a:tabLst/>
+            </a:pPr>
+            <a:endParaRPr kumimoji="0" lang="sv-SE" sz="1800" b="0" i="0" u="none" strike="noStrike" cap="none" normalizeH="0" baseline="0" smtClean="0">
+              <a:ln>
+                <a:noFill/>
+              </a:ln>
+              <a:solidFill>
+                <a:schemeClr val="tx1"/>
+              </a:solidFill>
+              <a:effectLst/>
+              <a:latin typeface="Arial" charset="0"/>
+            </a:endParaRPr>
+          </a:p>
+        </p:txBody>
+      </p:sp>
       <p:pic>
         <p:nvPicPr>
-          <p:cNvPr id="6148" name="Picture 4"/>
+          <p:cNvPr id="1026" name="Picture 2" descr="C:\Users\mats\AppData\Local\Temp\SNAGHTML8f9e7ac.PNG"/>
           <p:cNvPicPr>
             <a:picLocks noChangeAspect="1" noChangeArrowheads="1"/>
           </p:cNvPicPr>
@@ -8181,6 +7831,7 @@
         </p:nvPicPr>
         <p:blipFill>
           <a:blip r:embed="rId3">
+            <a:grayscl/>
             <a:extLst>
               <a:ext uri="{28A0092B-C50C-407E-A947-70E740481C1C}">
                 <a14:useLocalDpi xmlns:a14="http://schemas.microsoft.com/office/drawing/2010/main" val="0"/>
@@ -8194,8 +7845,84 @@
         </p:blipFill>
         <p:spPr bwMode="auto">
           <a:xfrm rot="21180000">
-            <a:off x="842846" y="3692200"/>
-            <a:ext cx="3526667" cy="1540000"/>
+            <a:off x="-111234" y="3996815"/>
+            <a:ext cx="3232684" cy="1883065"/>
+          </a:xfrm>
+          <a:prstGeom prst="rect">
+            <a:avLst/>
+          </a:prstGeom>
+          <a:noFill/>
+          <a:extLst>
+            <a:ext uri="{909E8E84-426E-40DD-AFC4-6F175D3DCCD1}">
+              <a14:hiddenFill xmlns:a14="http://schemas.microsoft.com/office/drawing/2010/main">
+                <a:solidFill>
+                  <a:srgbClr val="FFFFFF"/>
+                </a:solidFill>
+              </a14:hiddenFill>
+            </a:ext>
+          </a:extLst>
+        </p:spPr>
+      </p:pic>
+      <p:pic>
+        <p:nvPicPr>
+          <p:cNvPr id="1028" name="Picture 4" descr="C:\Users\mats\AppData\Local\Temp\SNAGHTML8fb0b5b.PNG"/>
+          <p:cNvPicPr>
+            <a:picLocks noChangeAspect="1" noChangeArrowheads="1"/>
+          </p:cNvPicPr>
+          <p:nvPr/>
+        </p:nvPicPr>
+        <p:blipFill>
+          <a:blip r:embed="rId4">
+            <a:grayscl/>
+            <a:extLst>
+              <a:ext uri="{28A0092B-C50C-407E-A947-70E740481C1C}">
+                <a14:useLocalDpi xmlns:a14="http://schemas.microsoft.com/office/drawing/2010/main" val="0"/>
+              </a:ext>
+            </a:extLst>
+          </a:blip>
+          <a:srcRect/>
+          <a:stretch>
+            <a:fillRect/>
+          </a:stretch>
+        </p:blipFill>
+        <p:spPr bwMode="auto">
+          <a:xfrm rot="20856002">
+            <a:off x="217564" y="4286302"/>
+            <a:ext cx="3270026" cy="1867062"/>
+          </a:xfrm>
+          <a:prstGeom prst="rect">
+            <a:avLst/>
+          </a:prstGeom>
+          <a:noFill/>
+          <a:extLst>
+            <a:ext uri="{909E8E84-426E-40DD-AFC4-6F175D3DCCD1}">
+              <a14:hiddenFill xmlns:a14="http://schemas.microsoft.com/office/drawing/2010/main">
+                <a:solidFill>
+                  <a:srgbClr val="FFFFFF"/>
+                </a:solidFill>
+              </a14:hiddenFill>
+            </a:ext>
+          </a:extLst>
+        </p:spPr>
+      </p:pic>
+      <p:pic>
+        <p:nvPicPr>
+          <p:cNvPr id="7" name="Bildobjekt 6"/>
+          <p:cNvPicPr>
+            <a:picLocks noChangeAspect="1"/>
+          </p:cNvPicPr>
+          <p:nvPr/>
+        </p:nvPicPr>
+        <p:blipFill>
+          <a:blip r:embed="rId5"/>
+          <a:stretch>
+            <a:fillRect/>
+          </a:stretch>
+        </p:blipFill>
+        <p:spPr>
+          <a:xfrm rot="420000">
+            <a:off x="5096319" y="1871963"/>
+            <a:ext cx="3158002" cy="4411600"/>
           </a:xfrm>
           <a:prstGeom prst="rect">
             <a:avLst/>
@@ -8232,9 +7959,60 @@
               <a:srgbClr val="FFFFFF"/>
             </a:contourClr>
           </a:sp3d>
-          <a:extLst/>
         </p:spPr>
       </p:pic>
+      <p:sp>
+        <p:nvSpPr>
+          <p:cNvPr id="3" name="Platshållare för innehåll 2"/>
+          <p:cNvSpPr>
+            <a:spLocks noGrp="1"/>
+          </p:cNvSpPr>
+          <p:nvPr>
+            <p:ph idx="1"/>
+          </p:nvPr>
+        </p:nvSpPr>
+        <p:spPr/>
+        <p:txBody>
+          <a:bodyPr/>
+          <a:lstStyle/>
+          <a:p>
+            <a:r>
+              <a:rPr lang="sv-SE" dirty="0" smtClean="0"/>
+              <a:t>Födelsedatat som ska redigeras specificeras med hjälp av primärnyckelns värde, som skickas till controllermetoden så att rätt post med födelsedata kan hämtas från databasen.</a:t>
+            </a:r>
+          </a:p>
+          <a:p>
+            <a:r>
+              <a:rPr lang="sv-SE" dirty="0" smtClean="0"/>
+              <a:t>Födelsedatat, paketerat i ett </a:t>
+            </a:r>
+            <a:r>
+              <a:rPr lang="sv-SE" sz="1600" dirty="0" smtClean="0">
+                <a:latin typeface="Courier New" pitchFamily="49" charset="0"/>
+                <a:cs typeface="Courier New" pitchFamily="49" charset="0"/>
+              </a:rPr>
+              <a:t>Birthday</a:t>
+            </a:r>
+            <a:r>
+              <a:rPr lang="sv-SE" dirty="0" smtClean="0"/>
+              <a:t>-objekt, utgör modellen som skickas till vyn som visar födelsedatat i ett formulär. </a:t>
+            </a:r>
+            <a:r>
+              <a:rPr lang="sv-SE" dirty="0" smtClean="0"/>
+              <a:t>Saknar parametern värde blir det en 400:a. Hittas </a:t>
+            </a:r>
+            <a:r>
+              <a:rPr lang="sv-SE" dirty="0" smtClean="0"/>
+              <a:t>inte någon post med specificerat id </a:t>
+            </a:r>
+            <a:r>
+              <a:rPr lang="sv-SE" dirty="0" smtClean="0"/>
+              <a:t>blir det en 404:a.</a:t>
+            </a:r>
+            <a:endParaRPr lang="sv-SE" dirty="0"/>
+          </a:p>
+        </p:txBody>
+      </p:sp>
       <p:sp>
         <p:nvSpPr>
           <p:cNvPr id="2" name="Rubrik 1"/>
@@ -8282,8 +8060,8 @@
         </p:nvCxnSpPr>
         <p:spPr bwMode="auto">
           <a:xfrm rot="10800000" flipV="1">
-            <a:off x="1736703" y="3247180"/>
-            <a:ext cx="927557" cy="795187"/>
+            <a:off x="1193371" y="3023199"/>
+            <a:ext cx="1168764" cy="1132626"/>
           </a:xfrm>
           <a:prstGeom prst="curvedConnector2">
             <a:avLst/>
@@ -8308,88 +8086,22 @@
           </a:fontRef>
         </p:style>
       </p:cxnSp>
-      <p:pic>
-        <p:nvPicPr>
-          <p:cNvPr id="6149" name="Picture 5"/>
-          <p:cNvPicPr>
-            <a:picLocks noChangeAspect="1" noChangeArrowheads="1"/>
-          </p:cNvPicPr>
-          <p:nvPr/>
-        </p:nvPicPr>
-        <p:blipFill>
-          <a:blip r:embed="rId4">
-            <a:extLst>
-              <a:ext uri="{28A0092B-C50C-407E-A947-70E740481C1C}">
-                <a14:useLocalDpi xmlns:a14="http://schemas.microsoft.com/office/drawing/2010/main" val="0"/>
-              </a:ext>
-            </a:extLst>
-          </a:blip>
-          <a:srcRect/>
-          <a:stretch>
-            <a:fillRect/>
-          </a:stretch>
-        </p:blipFill>
-        <p:spPr bwMode="auto">
-          <a:xfrm rot="420000">
-            <a:off x="4715553" y="1726604"/>
-            <a:ext cx="4666667" cy="4640000"/>
-          </a:xfrm>
-          <a:prstGeom prst="rect">
-            <a:avLst/>
-          </a:prstGeom>
-          <a:solidFill>
-            <a:srgbClr val="FFFFFF">
-              <a:shade val="85000"/>
-            </a:srgbClr>
-          </a:solidFill>
-          <a:ln w="101600" cap="sq">
-            <a:solidFill>
-              <a:srgbClr val="FDFDFD"/>
-            </a:solidFill>
-            <a:miter lim="800000"/>
-          </a:ln>
-          <a:effectLst>
-            <a:outerShdw blurRad="57150" dist="37500" dir="7560000" sy="98000" kx="110000" ky="200000" algn="tl" rotWithShape="0">
-              <a:srgbClr val="000000">
-                <a:alpha val="20000"/>
-              </a:srgbClr>
-            </a:outerShdw>
-          </a:effectLst>
-          <a:scene3d>
-            <a:camera prst="perspectiveRelaxed">
-              <a:rot lat="18960000" lon="0" rev="0"/>
-            </a:camera>
-            <a:lightRig rig="twoPt" dir="t">
-              <a:rot lat="0" lon="0" rev="7200000"/>
-            </a:lightRig>
-          </a:scene3d>
-          <a:sp3d prstMaterial="matte">
-            <a:bevelT w="22860" h="12700"/>
-            <a:contourClr>
-              <a:srgbClr val="FFFFFF"/>
-            </a:contourClr>
-          </a:sp3d>
-          <a:extLst/>
-        </p:spPr>
-      </p:pic>
       <p:cxnSp>
         <p:nvCxnSpPr>
           <p:cNvPr id="24" name="Kurva 23"/>
           <p:cNvCxnSpPr>
             <a:stCxn id="21" idx="7"/>
+            <a:endCxn id="23" idx="2"/>
           </p:cNvCxnSpPr>
           <p:nvPr/>
         </p:nvCxnSpPr>
         <p:spPr bwMode="auto">
-          <a:xfrm rot="16200000" flipH="1">
-            <a:off x="4481142" y="3034108"/>
-            <a:ext cx="48971" cy="860181"/>
+          <a:xfrm rot="5400000" flipH="1" flipV="1">
+            <a:off x="4217368" y="2602953"/>
+            <a:ext cx="142797" cy="2031875"/>
           </a:xfrm>
-          <a:prstGeom prst="curvedConnector4">
-            <a:avLst>
-              <a:gd name="adj1" fmla="val -90674"/>
-              <a:gd name="adj2" fmla="val 43360"/>
-            </a:avLst>
+          <a:prstGeom prst="curvedConnector2">
+            <a:avLst/>
           </a:prstGeom>
           <a:ln>
             <a:headEnd type="none" w="med" len="med"/>
@@ -8411,151 +8123,43 @@
           </a:fontRef>
         </p:style>
       </p:cxnSp>
-      <p:sp>
-        <p:nvSpPr>
-          <p:cNvPr id="28" name="Bildtext höger 27"/>
-          <p:cNvSpPr/>
+      <p:cxnSp>
+        <p:nvCxnSpPr>
+          <p:cNvPr id="27" name="Kurva 26"/>
+          <p:cNvCxnSpPr>
+            <a:stCxn id="25" idx="2"/>
+            <a:endCxn id="26" idx="0"/>
+          </p:cNvCxnSpPr>
           <p:nvPr/>
-        </p:nvSpPr>
+        </p:nvCxnSpPr>
         <p:spPr bwMode="auto">
-          <a:xfrm>
-            <a:off x="762150" y="2770043"/>
-            <a:ext cx="1303473" cy="718641"/>
+          <a:xfrm rot="10800000" flipV="1">
+            <a:off x="1536414" y="3510015"/>
+            <a:ext cx="811486" cy="945969"/>
           </a:xfrm>
-          <a:prstGeom prst="rightArrowCallout">
-            <a:avLst>
-              <a:gd name="adj1" fmla="val 25000"/>
-              <a:gd name="adj2" fmla="val 25000"/>
-              <a:gd name="adj3" fmla="val 25000"/>
-              <a:gd name="adj4" fmla="val 76936"/>
-            </a:avLst>
+          <a:prstGeom prst="curvedConnector2">
+            <a:avLst/>
           </a:prstGeom>
-          <a:solidFill>
-            <a:schemeClr val="tx2">
-              <a:lumMod val="20000"/>
-              <a:lumOff val="80000"/>
-            </a:schemeClr>
-          </a:solidFill>
-          <a:ln w="9525" cap="flat" cmpd="sng" algn="ctr">
-            <a:solidFill>
-              <a:schemeClr val="bg1">
-                <a:lumMod val="75000"/>
-              </a:schemeClr>
-            </a:solidFill>
-            <a:prstDash val="solid"/>
-            <a:round/>
+          <a:ln>
             <a:headEnd type="none" w="med" len="med"/>
-            <a:tailEnd type="none" w="med" len="med"/>
+            <a:tailEnd type="arrow"/>
           </a:ln>
-          <a:effectLst/>
         </p:spPr>
-        <p:txBody>
-          <a:bodyPr vert="horz" wrap="square" lIns="90488" tIns="44450" rIns="90488" bIns="44450" numCol="1" rtlCol="0" anchor="t" anchorCtr="0" compatLnSpc="1">
-            <a:prstTxWarp prst="textNoShape">
-              <a:avLst/>
-            </a:prstTxWarp>
-          </a:bodyPr>
-          <a:lstStyle/>
-          <a:p>
-            <a:pPr marL="0" marR="0" indent="0" algn="l" defTabSz="914400" rtl="0" eaLnBrk="1" fontAlgn="base" latinLnBrk="0" hangingPunct="1">
-              <a:lnSpc>
-                <a:spcPct val="100000"/>
-              </a:lnSpc>
-              <a:spcBef>
-                <a:spcPct val="0"/>
-              </a:spcBef>
-              <a:spcAft>
-                <a:spcPct val="0"/>
-              </a:spcAft>
-              <a:buClrTx/>
-              <a:buSzTx/>
-              <a:buFontTx/>
-              <a:buNone/>
-              <a:tabLst/>
-            </a:pPr>
-            <a:r>
-              <a:rPr kumimoji="0" lang="sv-SE" sz="800" b="0" i="0" u="none" strike="noStrike" cap="none" normalizeH="0" baseline="0" dirty="0" smtClean="0">
-                <a:ln>
-                  <a:noFill/>
-                </a:ln>
-                <a:solidFill>
-                  <a:schemeClr val="bg1">
-                    <a:lumMod val="50000"/>
-                  </a:schemeClr>
-                </a:solidFill>
-                <a:effectLst/>
-                <a:latin typeface="Times New Roman" panose="02020603050405020304" pitchFamily="18" charset="0"/>
-                <a:cs typeface="Times New Roman" panose="02020603050405020304" pitchFamily="18" charset="0"/>
-              </a:rPr>
-              <a:t>Ett alternativ till View(”</a:t>
-            </a:r>
-            <a:r>
-              <a:rPr kumimoji="0" lang="sv-SE" sz="800" b="0" i="0" u="none" strike="noStrike" cap="none" normalizeH="0" baseline="0" dirty="0" err="1" smtClean="0">
-                <a:ln>
-                  <a:noFill/>
-                </a:ln>
-                <a:solidFill>
-                  <a:schemeClr val="bg1">
-                    <a:lumMod val="50000"/>
-                  </a:schemeClr>
-                </a:solidFill>
-                <a:effectLst/>
-                <a:latin typeface="Times New Roman" panose="02020603050405020304" pitchFamily="18" charset="0"/>
-                <a:cs typeface="Times New Roman" panose="02020603050405020304" pitchFamily="18" charset="0"/>
-              </a:rPr>
-              <a:t>NotFound</a:t>
-            </a:r>
-            <a:r>
-              <a:rPr kumimoji="0" lang="sv-SE" sz="800" b="0" i="0" u="none" strike="noStrike" cap="none" normalizeH="0" baseline="0" dirty="0" smtClean="0">
-                <a:ln>
-                  <a:noFill/>
-                </a:ln>
-                <a:solidFill>
-                  <a:schemeClr val="bg1">
-                    <a:lumMod val="50000"/>
-                  </a:schemeClr>
-                </a:solidFill>
-                <a:effectLst/>
-                <a:latin typeface="Times New Roman" panose="02020603050405020304" pitchFamily="18" charset="0"/>
-                <a:cs typeface="Times New Roman" panose="02020603050405020304" pitchFamily="18" charset="0"/>
-              </a:rPr>
-              <a:t>”) är </a:t>
-            </a:r>
-            <a:r>
-              <a:rPr kumimoji="0" lang="sv-SE" sz="800" b="0" i="0" u="none" strike="noStrike" cap="none" normalizeH="0" baseline="0" dirty="0" err="1" smtClean="0">
-                <a:ln>
-                  <a:noFill/>
-                </a:ln>
-                <a:solidFill>
-                  <a:schemeClr val="bg1">
-                    <a:lumMod val="50000"/>
-                  </a:schemeClr>
-                </a:solidFill>
-                <a:effectLst/>
-                <a:latin typeface="Times New Roman" panose="02020603050405020304" pitchFamily="18" charset="0"/>
-                <a:cs typeface="Times New Roman" panose="02020603050405020304" pitchFamily="18" charset="0"/>
-              </a:rPr>
-              <a:t>HttNotFound</a:t>
-            </a:r>
-            <a:r>
-              <a:rPr kumimoji="0" lang="sv-SE" sz="800" b="0" i="0" u="none" strike="noStrike" cap="none" normalizeH="0" baseline="0" dirty="0" smtClean="0">
-                <a:ln>
-                  <a:noFill/>
-                </a:ln>
-                <a:solidFill>
-                  <a:schemeClr val="bg1">
-                    <a:lumMod val="50000"/>
-                  </a:schemeClr>
-                </a:solidFill>
-                <a:effectLst/>
-                <a:latin typeface="Times New Roman" panose="02020603050405020304" pitchFamily="18" charset="0"/>
-                <a:cs typeface="Times New Roman" panose="02020603050405020304" pitchFamily="18" charset="0"/>
-              </a:rPr>
-              <a:t>(), men då måste vi ta hand om en 404…</a:t>
-            </a:r>
-          </a:p>
-        </p:txBody>
-      </p:sp>
+        <p:style>
+          <a:lnRef idx="2">
+            <a:schemeClr val="accent6"/>
+          </a:lnRef>
+          <a:fillRef idx="0">
+            <a:schemeClr val="accent6"/>
+          </a:fillRef>
+          <a:effectRef idx="1">
+            <a:schemeClr val="accent6"/>
+          </a:effectRef>
+          <a:fontRef idx="minor">
+            <a:schemeClr val="tx1"/>
+          </a:fontRef>
+        </p:style>
+      </p:cxnSp>
     </p:spTree>
   </p:cSld>
   <p:clrMapOvr>
@@ -8648,7 +8252,7 @@
       </p:pic>
       <p:pic>
         <p:nvPicPr>
-          <p:cNvPr id="7171" name="Picture 3"/>
+          <p:cNvPr id="2050" name="Picture 2" descr="C:\Users\mats\AppData\Local\Temp\SNAGHTML91cd969.PNG"/>
           <p:cNvPicPr>
             <a:picLocks noChangeAspect="1" noChangeArrowheads="1"/>
           </p:cNvPicPr>
@@ -8676,8 +8280,8 @@
         </p:blipFill>
         <p:spPr bwMode="auto">
           <a:xfrm rot="300000">
-            <a:off x="69516" y="5218822"/>
-            <a:ext cx="8111714" cy="279715"/>
+            <a:off x="5997" y="5127176"/>
+            <a:ext cx="8365962" cy="352075"/>
           </a:xfrm>
           <a:prstGeom prst="rect">
             <a:avLst/>
@@ -8693,19 +8297,9 @@
             <a:ext uri="{909E8E84-426E-40DD-AFC4-6F175D3DCCD1}">
               <a14:hiddenFill xmlns:a14="http://schemas.microsoft.com/office/drawing/2010/main">
                 <a:solidFill>
-                  <a:schemeClr val="accent1"/>
+                  <a:srgbClr val="FFFFFF"/>
                 </a:solidFill>
               </a14:hiddenFill>
-            </a:ext>
-            <a:ext uri="{91240B29-F687-4F45-9708-019B960494DF}">
-              <a14:hiddenLine xmlns:a14="http://schemas.microsoft.com/office/drawing/2010/main" w="9525">
-                <a:solidFill>
-                  <a:schemeClr val="tx1"/>
-                </a:solidFill>
-                <a:miter lim="800000"/>
-                <a:headEnd/>
-                <a:tailEnd/>
-              </a14:hiddenLine>
             </a:ext>
           </a:extLst>
         </p:spPr>
@@ -8752,44 +8346,62 @@
           </a:p>
         </p:txBody>
       </p:sp>
+      <p:sp>
+        <p:nvSpPr>
+          <p:cNvPr id="2" name="Rubrik 1"/>
+          <p:cNvSpPr>
+            <a:spLocks noGrp="1"/>
+          </p:cNvSpPr>
+          <p:nvPr>
+            <p:ph type="title"/>
+          </p:nvPr>
+        </p:nvSpPr>
+        <p:spPr/>
+        <p:txBody>
+          <a:bodyPr/>
+          <a:lstStyle/>
+          <a:p>
+            <a:r>
+              <a:rPr lang="sv-SE" dirty="0" smtClean="0"/>
+              <a:t>Men hur kan ett id skickas till en </a:t>
+            </a:r>
+            <a:r>
+              <a:rPr lang="sv-SE" i="1" dirty="0" smtClean="0"/>
+              <a:t>action method</a:t>
+            </a:r>
+            <a:r>
+              <a:rPr lang="sv-SE" dirty="0" smtClean="0"/>
+              <a:t> ?</a:t>
+            </a:r>
+            <a:endParaRPr lang="sv-SE" dirty="0"/>
+          </a:p>
+        </p:txBody>
+      </p:sp>
       <p:pic>
         <p:nvPicPr>
-          <p:cNvPr id="7170" name="Picture 2"/>
+          <p:cNvPr id="6" name="Bildobjekt 5"/>
           <p:cNvPicPr>
-            <a:picLocks noChangeAspect="1" noChangeArrowheads="1"/>
+            <a:picLocks noChangeAspect="1"/>
           </p:cNvPicPr>
           <p:nvPr/>
         </p:nvPicPr>
         <p:blipFill>
-          <a:blip r:embed="rId4">
-            <a:extLst>
-              <a:ext uri="{28A0092B-C50C-407E-A947-70E740481C1C}">
-                <a14:useLocalDpi xmlns:a14="http://schemas.microsoft.com/office/drawing/2010/main" val="0"/>
-              </a:ext>
-            </a:extLst>
-          </a:blip>
-          <a:srcRect/>
+          <a:blip r:embed="rId4"/>
           <a:stretch>
             <a:fillRect/>
           </a:stretch>
         </p:blipFill>
-        <p:spPr bwMode="auto">
+        <p:spPr>
           <a:xfrm rot="240000">
-            <a:off x="115061" y="1100798"/>
-            <a:ext cx="5791200" cy="3171825"/>
+            <a:off x="456643" y="1089510"/>
+            <a:ext cx="6628474" cy="3365754"/>
           </a:xfrm>
           <a:prstGeom prst="rect">
             <a:avLst/>
           </a:prstGeom>
-          <a:solidFill>
-            <a:srgbClr val="FFFFFF">
-              <a:shade val="85000"/>
-            </a:srgbClr>
-          </a:solidFill>
+          <a:noFill/>
           <a:ln w="101600" cap="sq">
-            <a:solidFill>
-              <a:srgbClr val="FDFDFD"/>
-            </a:solidFill>
+            <a:noFill/>
             <a:miter lim="800000"/>
           </a:ln>
           <a:effectLst>
@@ -8808,45 +8420,13 @@
             </a:lightRig>
           </a:scene3d>
           <a:sp3d prstMaterial="matte">
-            <a:bevelT w="22860" h="12700"/>
+            <a:bevelT w="0" h="0"/>
             <a:contourClr>
               <a:srgbClr val="FFFFFF"/>
             </a:contourClr>
           </a:sp3d>
-          <a:extLst/>
         </p:spPr>
       </p:pic>
-      <p:sp>
-        <p:nvSpPr>
-          <p:cNvPr id="2" name="Rubrik 1"/>
-          <p:cNvSpPr>
-            <a:spLocks noGrp="1"/>
-          </p:cNvSpPr>
-          <p:nvPr>
-            <p:ph type="title"/>
-          </p:nvPr>
-        </p:nvSpPr>
-        <p:spPr/>
-        <p:txBody>
-          <a:bodyPr/>
-          <a:lstStyle/>
-          <a:p>
-            <a:r>
-              <a:rPr lang="sv-SE" dirty="0" smtClean="0"/>
-              <a:t>Men hur kan ett id skickas till en </a:t>
-            </a:r>
-            <a:r>
-              <a:rPr lang="sv-SE" i="1" dirty="0" smtClean="0"/>
-              <a:t>action method</a:t>
-            </a:r>
-            <a:r>
-              <a:rPr lang="sv-SE" dirty="0" smtClean="0"/>
-              <a:t> ?</a:t>
-            </a:r>
-            <a:endParaRPr lang="sv-SE" dirty="0"/>
-          </a:p>
-        </p:txBody>
-      </p:sp>
     </p:spTree>
   </p:cSld>
   <p:clrMapOvr>

--- a/Presentationsmaterial/Dokument/1.6 CRUD, Layout Pages och Partial Views.pptx
+++ b/Presentationsmaterial/Dokument/1.6 CRUD, Layout Pages och Partial Views.pptx
@@ -5,7 +5,7 @@
     <p:sldMasterId id="2147483773" r:id="rId1"/>
   </p:sldMasterIdLst>
   <p:notesMasterIdLst>
-    <p:notesMasterId r:id="rId14"/>
+    <p:notesMasterId r:id="rId16"/>
   </p:notesMasterIdLst>
   <p:sldIdLst>
     <p:sldId id="256" r:id="rId2"/>
@@ -14,12 +14,14 @@
     <p:sldId id="257" r:id="rId5"/>
     <p:sldId id="259" r:id="rId6"/>
     <p:sldId id="260" r:id="rId7"/>
-    <p:sldId id="261" r:id="rId8"/>
-    <p:sldId id="262" r:id="rId9"/>
-    <p:sldId id="263" r:id="rId10"/>
-    <p:sldId id="264" r:id="rId11"/>
-    <p:sldId id="265" r:id="rId12"/>
-    <p:sldId id="266" r:id="rId13"/>
+    <p:sldId id="269" r:id="rId8"/>
+    <p:sldId id="261" r:id="rId9"/>
+    <p:sldId id="262" r:id="rId10"/>
+    <p:sldId id="263" r:id="rId11"/>
+    <p:sldId id="264" r:id="rId12"/>
+    <p:sldId id="265" r:id="rId13"/>
+    <p:sldId id="266" r:id="rId14"/>
+    <p:sldId id="268" r:id="rId15"/>
   </p:sldIdLst>
   <p:sldSz cx="9144000" cy="5715000" type="screen16x10"/>
   <p:notesSz cx="6858000" cy="9144000"/>
@@ -250,7 +252,7 @@
             <a:fld id="{0B3BAAB0-D539-4A20-AE97-450346457396}" type="datetimeFigureOut">
               <a:rPr lang="sv-SE" smtClean="0"/>
               <a:pPr/>
-              <a:t>2014-11-16</a:t>
+              <a:t>2014-11-17</a:t>
             </a:fld>
             <a:endParaRPr lang="sv-SE" dirty="0"/>
           </a:p>
@@ -3816,6 +3818,273 @@
       </p:grpSpPr>
       <p:pic>
         <p:nvPicPr>
+          <p:cNvPr id="7172" name="Picture 4"/>
+          <p:cNvPicPr>
+            <a:picLocks noChangeAspect="1" noChangeArrowheads="1"/>
+          </p:cNvPicPr>
+          <p:nvPr/>
+        </p:nvPicPr>
+        <p:blipFill>
+          <a:blip r:embed="rId2">
+            <a:extLst>
+              <a:ext uri="{28A0092B-C50C-407E-A947-70E740481C1C}">
+                <a14:useLocalDpi xmlns:a14="http://schemas.microsoft.com/office/drawing/2010/main" val="0"/>
+              </a:ext>
+            </a:extLst>
+          </a:blip>
+          <a:srcRect/>
+          <a:stretch>
+            <a:fillRect/>
+          </a:stretch>
+        </p:blipFill>
+        <p:spPr bwMode="auto">
+          <a:xfrm rot="540000">
+            <a:off x="2789639" y="2298384"/>
+            <a:ext cx="8685213" cy="3800475"/>
+          </a:xfrm>
+          <a:prstGeom prst="rect">
+            <a:avLst/>
+          </a:prstGeom>
+          <a:noFill/>
+          <a:scene3d>
+            <a:camera prst="perspectiveRelaxed"/>
+            <a:lightRig rig="threePt" dir="t"/>
+          </a:scene3d>
+          <a:extLst>
+            <a:ext uri="{909E8E84-426E-40DD-AFC4-6F175D3DCCD1}">
+              <a14:hiddenFill xmlns:a14="http://schemas.microsoft.com/office/drawing/2010/main">
+                <a:solidFill>
+                  <a:schemeClr val="accent1"/>
+                </a:solidFill>
+              </a14:hiddenFill>
+            </a:ext>
+            <a:ext uri="{91240B29-F687-4F45-9708-019B960494DF}">
+              <a14:hiddenLine xmlns:a14="http://schemas.microsoft.com/office/drawing/2010/main" w="9525">
+                <a:solidFill>
+                  <a:schemeClr val="tx1"/>
+                </a:solidFill>
+                <a:miter lim="800000"/>
+                <a:headEnd/>
+                <a:tailEnd/>
+              </a14:hiddenLine>
+            </a:ext>
+          </a:extLst>
+        </p:spPr>
+      </p:pic>
+      <p:pic>
+        <p:nvPicPr>
+          <p:cNvPr id="2050" name="Picture 2" descr="C:\Users\mats\AppData\Local\Temp\SNAGHTML91cd969.PNG"/>
+          <p:cNvPicPr>
+            <a:picLocks noChangeAspect="1" noChangeArrowheads="1"/>
+          </p:cNvPicPr>
+          <p:nvPr/>
+        </p:nvPicPr>
+        <p:blipFill>
+          <a:blip r:embed="rId3">
+            <a:duotone>
+              <a:schemeClr val="bg2">
+                <a:shade val="45000"/>
+                <a:satMod val="135000"/>
+              </a:schemeClr>
+              <a:prstClr val="white"/>
+            </a:duotone>
+            <a:extLst>
+              <a:ext uri="{28A0092B-C50C-407E-A947-70E740481C1C}">
+                <a14:useLocalDpi xmlns:a14="http://schemas.microsoft.com/office/drawing/2010/main" val="0"/>
+              </a:ext>
+            </a:extLst>
+          </a:blip>
+          <a:srcRect/>
+          <a:stretch>
+            <a:fillRect/>
+          </a:stretch>
+        </p:blipFill>
+        <p:spPr bwMode="auto">
+          <a:xfrm rot="300000">
+            <a:off x="5997" y="5127176"/>
+            <a:ext cx="8365962" cy="352075"/>
+          </a:xfrm>
+          <a:prstGeom prst="rect">
+            <a:avLst/>
+          </a:prstGeom>
+          <a:noFill/>
+          <a:ln w="9525">
+            <a:noFill/>
+            <a:miter lim="800000"/>
+            <a:headEnd/>
+            <a:tailEnd/>
+          </a:ln>
+          <a:extLst>
+            <a:ext uri="{909E8E84-426E-40DD-AFC4-6F175D3DCCD1}">
+              <a14:hiddenFill xmlns:a14="http://schemas.microsoft.com/office/drawing/2010/main">
+                <a:solidFill>
+                  <a:srgbClr val="FFFFFF"/>
+                </a:solidFill>
+              </a14:hiddenFill>
+            </a:ext>
+          </a:extLst>
+        </p:spPr>
+      </p:pic>
+      <p:sp>
+        <p:nvSpPr>
+          <p:cNvPr id="3" name="Platshållare för innehåll 2"/>
+          <p:cNvSpPr>
+            <a:spLocks noGrp="1"/>
+          </p:cNvSpPr>
+          <p:nvPr>
+            <p:ph idx="1"/>
+          </p:nvPr>
+        </p:nvSpPr>
+        <p:spPr/>
+        <p:txBody>
+          <a:bodyPr/>
+          <a:lstStyle/>
+          <a:p>
+            <a:r>
+              <a:rPr lang="sv-SE" dirty="0" smtClean="0"/>
+              <a:t>Med </a:t>
+            </a:r>
+            <a:r>
+              <a:rPr lang="sv-SE" sz="1600" dirty="0" smtClean="0">
+                <a:latin typeface="Courier New" pitchFamily="49" charset="0"/>
+                <a:cs typeface="Courier New" pitchFamily="49" charset="0"/>
+              </a:rPr>
+              <a:t>Html.ActionLink</a:t>
+            </a:r>
+            <a:r>
+              <a:rPr lang="sv-SE" dirty="0" smtClean="0"/>
+              <a:t> , där controllerklass, metod och parameter anges, kan en länk till en </a:t>
+            </a:r>
+            <a:r>
+              <a:rPr lang="sv-SE" i="1" dirty="0" smtClean="0"/>
+              <a:t>action method</a:t>
+            </a:r>
+            <a:r>
+              <a:rPr lang="sv-SE" dirty="0" smtClean="0"/>
+              <a:t> genereras.</a:t>
+            </a:r>
+            <a:endParaRPr lang="sv-SE" dirty="0"/>
+          </a:p>
+        </p:txBody>
+      </p:sp>
+      <p:sp>
+        <p:nvSpPr>
+          <p:cNvPr id="2" name="Rubrik 1"/>
+          <p:cNvSpPr>
+            <a:spLocks noGrp="1"/>
+          </p:cNvSpPr>
+          <p:nvPr>
+            <p:ph type="title"/>
+          </p:nvPr>
+        </p:nvSpPr>
+        <p:spPr/>
+        <p:txBody>
+          <a:bodyPr/>
+          <a:lstStyle/>
+          <a:p>
+            <a:r>
+              <a:rPr lang="sv-SE" dirty="0" smtClean="0"/>
+              <a:t>Men hur kan ett id skickas till en </a:t>
+            </a:r>
+            <a:r>
+              <a:rPr lang="sv-SE" i="1" dirty="0" smtClean="0"/>
+              <a:t>action method</a:t>
+            </a:r>
+            <a:r>
+              <a:rPr lang="sv-SE" dirty="0" smtClean="0"/>
+              <a:t> ?</a:t>
+            </a:r>
+            <a:endParaRPr lang="sv-SE" dirty="0"/>
+          </a:p>
+        </p:txBody>
+      </p:sp>
+      <p:pic>
+        <p:nvPicPr>
+          <p:cNvPr id="6" name="Bildobjekt 5"/>
+          <p:cNvPicPr>
+            <a:picLocks noChangeAspect="1"/>
+          </p:cNvPicPr>
+          <p:nvPr/>
+        </p:nvPicPr>
+        <p:blipFill>
+          <a:blip r:embed="rId4"/>
+          <a:stretch>
+            <a:fillRect/>
+          </a:stretch>
+        </p:blipFill>
+        <p:spPr>
+          <a:xfrm rot="240000">
+            <a:off x="456643" y="1089510"/>
+            <a:ext cx="6628474" cy="3365754"/>
+          </a:xfrm>
+          <a:prstGeom prst="rect">
+            <a:avLst/>
+          </a:prstGeom>
+          <a:noFill/>
+          <a:ln w="101600" cap="sq">
+            <a:noFill/>
+            <a:miter lim="800000"/>
+          </a:ln>
+          <a:effectLst>
+            <a:outerShdw blurRad="57150" dist="37500" dir="7560000" sy="98000" kx="110000" ky="200000" algn="tl" rotWithShape="0">
+              <a:srgbClr val="000000">
+                <a:alpha val="20000"/>
+              </a:srgbClr>
+            </a:outerShdw>
+          </a:effectLst>
+          <a:scene3d>
+            <a:camera prst="perspectiveRelaxed">
+              <a:rot lat="18960000" lon="0" rev="0"/>
+            </a:camera>
+            <a:lightRig rig="twoPt" dir="t">
+              <a:rot lat="0" lon="0" rev="7200000"/>
+            </a:lightRig>
+          </a:scene3d>
+          <a:sp3d prstMaterial="matte">
+            <a:bevelT w="0" h="0"/>
+            <a:contourClr>
+              <a:srgbClr val="FFFFFF"/>
+            </a:contourClr>
+          </a:sp3d>
+        </p:spPr>
+      </p:pic>
+    </p:spTree>
+  </p:cSld>
+  <p:clrMapOvr>
+    <a:masterClrMapping/>
+  </p:clrMapOvr>
+  <p:transition>
+    <p:random/>
+  </p:transition>
+  <p:timing>
+    <p:tnLst>
+      <p:par>
+        <p:cTn id="1" dur="indefinite" restart="never" nodeType="tmRoot"/>
+      </p:par>
+    </p:tnLst>
+  </p:timing>
+</p:sld>
+</file>
+
+<file path=ppt/slides/slide11.xml><?xml version="1.0" encoding="utf-8"?>
+<p:sld xmlns:a="http://schemas.openxmlformats.org/drawingml/2006/main" xmlns:r="http://schemas.openxmlformats.org/officeDocument/2006/relationships" xmlns:p="http://schemas.openxmlformats.org/presentationml/2006/main">
+  <p:cSld>
+    <p:spTree>
+      <p:nvGrpSpPr>
+        <p:cNvPr id="1" name=""/>
+        <p:cNvGrpSpPr/>
+        <p:nvPr/>
+      </p:nvGrpSpPr>
+      <p:grpSpPr>
+        <a:xfrm>
+          <a:off x="0" y="0"/>
+          <a:ext cx="0" cy="0"/>
+          <a:chOff x="0" y="0"/>
+          <a:chExt cx="0" cy="0"/>
+        </a:xfrm>
+      </p:grpSpPr>
+      <p:pic>
+        <p:nvPicPr>
           <p:cNvPr id="4" name="Bildobjekt 3"/>
           <p:cNvPicPr>
             <a:picLocks noChangeAspect="1"/>
@@ -3968,7 +4237,7 @@
 </p:sld>
 </file>
 
-<file path=ppt/slides/slide11.xml><?xml version="1.0" encoding="utf-8"?>
+<file path=ppt/slides/slide12.xml><?xml version="1.0" encoding="utf-8"?>
 <p:sld xmlns:a="http://schemas.openxmlformats.org/drawingml/2006/main" xmlns:r="http://schemas.openxmlformats.org/officeDocument/2006/relationships" xmlns:p="http://schemas.openxmlformats.org/presentationml/2006/main">
   <p:cSld>
     <p:spTree>
@@ -4182,27 +4451,7 @@
                   </a:schemeClr>
                 </a:solidFill>
               </a:rPr>
-              <a:t>(Det </a:t>
-            </a:r>
-            <a:r>
-              <a:rPr lang="sv-SE" dirty="0" smtClean="0">
-                <a:solidFill>
-                  <a:schemeClr val="bg1">
-                    <a:lumMod val="65000"/>
-                  </a:schemeClr>
-                </a:solidFill>
-              </a:rPr>
-              <a:t>är även lämpligt att användaren får ett rättmeddelande då födelsedatat tagits bort</a:t>
-            </a:r>
-            <a:r>
-              <a:rPr lang="sv-SE" dirty="0" smtClean="0">
-                <a:solidFill>
-                  <a:schemeClr val="bg1">
-                    <a:lumMod val="65000"/>
-                  </a:schemeClr>
-                </a:solidFill>
-              </a:rPr>
-              <a:t>.)</a:t>
+              <a:t>(Det är även lämpligt att användaren får ett rättmeddelande då födelsedatat tagits bort.)</a:t>
             </a:r>
             <a:endParaRPr lang="sv-SE" dirty="0">
               <a:solidFill>
@@ -4255,7 +4504,7 @@
 </p:sld>
 </file>
 
-<file path=ppt/slides/slide12.xml><?xml version="1.0" encoding="utf-8"?>
+<file path=ppt/slides/slide13.xml><?xml version="1.0" encoding="utf-8"?>
 <p:sld xmlns:a="http://schemas.openxmlformats.org/drawingml/2006/main" xmlns:r="http://schemas.openxmlformats.org/officeDocument/2006/relationships" xmlns:p="http://schemas.openxmlformats.org/presentationml/2006/main">
   <p:cSld>
     <p:spTree>
@@ -4631,6 +4880,321 @@
         </p:style>
       </p:cxnSp>
     </p:spTree>
+  </p:cSld>
+  <p:clrMapOvr>
+    <a:masterClrMapping/>
+  </p:clrMapOvr>
+  <p:transition>
+    <p:random/>
+  </p:transition>
+  <p:timing>
+    <p:tnLst>
+      <p:par>
+        <p:cTn id="1" dur="indefinite" restart="never" nodeType="tmRoot"/>
+      </p:par>
+    </p:tnLst>
+  </p:timing>
+</p:sld>
+</file>
+
+<file path=ppt/slides/slide14.xml><?xml version="1.0" encoding="utf-8"?>
+<p:sld xmlns:a="http://schemas.openxmlformats.org/drawingml/2006/main" xmlns:r="http://schemas.openxmlformats.org/officeDocument/2006/relationships" xmlns:p="http://schemas.openxmlformats.org/presentationml/2006/main">
+  <p:cSld>
+    <p:spTree>
+      <p:nvGrpSpPr>
+        <p:cNvPr id="1" name=""/>
+        <p:cNvGrpSpPr/>
+        <p:nvPr/>
+      </p:nvGrpSpPr>
+      <p:grpSpPr>
+        <a:xfrm>
+          <a:off x="0" y="0"/>
+          <a:ext cx="0" cy="0"/>
+          <a:chOff x="0" y="0"/>
+          <a:chExt cx="0" cy="0"/>
+        </a:xfrm>
+      </p:grpSpPr>
+      <p:pic>
+        <p:nvPicPr>
+          <p:cNvPr id="6" name="Bildobjekt 5"/>
+          <p:cNvPicPr>
+            <a:picLocks noChangeAspect="1"/>
+          </p:cNvPicPr>
+          <p:nvPr/>
+        </p:nvPicPr>
+        <p:blipFill>
+          <a:blip r:embed="rId2"/>
+          <a:stretch>
+            <a:fillRect/>
+          </a:stretch>
+        </p:blipFill>
+        <p:spPr>
+          <a:xfrm rot="230154">
+            <a:off x="182104" y="1510388"/>
+            <a:ext cx="7596190" cy="2834286"/>
+          </a:xfrm>
+          <a:prstGeom prst="rect">
+            <a:avLst/>
+          </a:prstGeom>
+          <a:solidFill>
+            <a:srgbClr val="FFFFFF">
+              <a:shade val="85000"/>
+            </a:srgbClr>
+          </a:solidFill>
+          <a:ln w="190500" cap="sq">
+            <a:noFill/>
+            <a:miter lim="800000"/>
+          </a:ln>
+          <a:effectLst>
+            <a:outerShdw blurRad="65000" dist="50800" dir="12900000" kx="195000" ky="145000" algn="tl" rotWithShape="0">
+              <a:srgbClr val="000000">
+                <a:alpha val="30000"/>
+              </a:srgbClr>
+            </a:outerShdw>
+          </a:effectLst>
+          <a:scene3d>
+            <a:camera prst="orthographicFront">
+              <a:rot lat="0" lon="0" rev="360000"/>
+            </a:camera>
+            <a:lightRig rig="twoPt" dir="t">
+              <a:rot lat="0" lon="0" rev="7200000"/>
+            </a:lightRig>
+          </a:scene3d>
+          <a:sp3d contourW="12700">
+            <a:bevelT w="25400" h="19050"/>
+            <a:contourClr>
+              <a:srgbClr val="969696"/>
+            </a:contourClr>
+          </a:sp3d>
+        </p:spPr>
+      </p:pic>
+      <p:sp>
+        <p:nvSpPr>
+          <p:cNvPr id="2" name="Rubrik 1"/>
+          <p:cNvSpPr>
+            <a:spLocks noGrp="1"/>
+          </p:cNvSpPr>
+          <p:nvPr>
+            <p:ph type="title"/>
+          </p:nvPr>
+        </p:nvSpPr>
+        <p:spPr/>
+        <p:txBody>
+          <a:bodyPr/>
+          <a:lstStyle/>
+          <a:p>
+            <a:r>
+              <a:rPr lang="sv-SE" dirty="0" smtClean="0"/>
+              <a:t>Rätt- och felmeddelanden</a:t>
+            </a:r>
+            <a:endParaRPr lang="sv-SE" dirty="0"/>
+          </a:p>
+        </p:txBody>
+      </p:sp>
+      <p:sp>
+        <p:nvSpPr>
+          <p:cNvPr id="3" name="Platshållare för innehåll 2"/>
+          <p:cNvSpPr>
+            <a:spLocks noGrp="1"/>
+          </p:cNvSpPr>
+          <p:nvPr>
+            <p:ph idx="1"/>
+          </p:nvPr>
+        </p:nvSpPr>
+        <p:spPr/>
+        <p:txBody>
+          <a:bodyPr/>
+          <a:lstStyle/>
+          <a:p>
+            <a:r>
+              <a:rPr lang="sv-SE" dirty="0" smtClean="0"/>
+              <a:t>Med den associativa </a:t>
+            </a:r>
+            <a:r>
+              <a:rPr lang="sv-SE" dirty="0" err="1" smtClean="0"/>
+              <a:t>arrayen</a:t>
+            </a:r>
+            <a:r>
+              <a:rPr lang="sv-SE" dirty="0" smtClean="0"/>
+              <a:t> </a:t>
+            </a:r>
+            <a:r>
+              <a:rPr lang="sv-SE" sz="1600" dirty="0" err="1" smtClean="0">
+                <a:latin typeface="Courier New" panose="02070309020205020404" pitchFamily="49" charset="0"/>
+                <a:cs typeface="Courier New" panose="02070309020205020404" pitchFamily="49" charset="0"/>
+              </a:rPr>
+              <a:t>TempData</a:t>
+            </a:r>
+            <a:r>
+              <a:rPr lang="sv-SE" dirty="0" smtClean="0"/>
+              <a:t> kan meddelanden lagras som behövs i samband med omdirigeringar.</a:t>
+            </a:r>
+            <a:endParaRPr lang="sv-SE" dirty="0"/>
+          </a:p>
+        </p:txBody>
+      </p:sp>
+      <p:pic>
+        <p:nvPicPr>
+          <p:cNvPr id="4" name="Bildobjekt 3"/>
+          <p:cNvPicPr>
+            <a:picLocks noChangeAspect="1"/>
+          </p:cNvPicPr>
+          <p:nvPr/>
+        </p:nvPicPr>
+        <p:blipFill>
+          <a:blip r:embed="rId3"/>
+          <a:stretch>
+            <a:fillRect/>
+          </a:stretch>
+        </p:blipFill>
+        <p:spPr>
+          <a:xfrm>
+            <a:off x="3715306" y="1470212"/>
+            <a:ext cx="4312381" cy="2354286"/>
+          </a:xfrm>
+          <a:prstGeom prst="rect">
+            <a:avLst/>
+          </a:prstGeom>
+          <a:solidFill>
+            <a:srgbClr val="FFFFFF">
+              <a:shade val="85000"/>
+            </a:srgbClr>
+          </a:solidFill>
+          <a:ln w="190500" cap="sq">
+            <a:noFill/>
+            <a:miter lim="800000"/>
+          </a:ln>
+          <a:effectLst>
+            <a:outerShdw blurRad="65000" dist="50800" dir="12900000" kx="195000" ky="145000" algn="tl" rotWithShape="0">
+              <a:srgbClr val="000000">
+                <a:alpha val="30000"/>
+              </a:srgbClr>
+            </a:outerShdw>
+          </a:effectLst>
+          <a:scene3d>
+            <a:camera prst="orthographicFront">
+              <a:rot lat="0" lon="0" rev="360000"/>
+            </a:camera>
+            <a:lightRig rig="twoPt" dir="t">
+              <a:rot lat="0" lon="0" rev="7200000"/>
+            </a:lightRig>
+          </a:scene3d>
+          <a:sp3d contourW="12700">
+            <a:bevelT w="25400" h="19050"/>
+            <a:contourClr>
+              <a:srgbClr val="969696"/>
+            </a:contourClr>
+          </a:sp3d>
+        </p:spPr>
+      </p:pic>
+      <p:pic>
+        <p:nvPicPr>
+          <p:cNvPr id="5" name="Bildobjekt 4"/>
+          <p:cNvPicPr>
+            <a:picLocks noChangeAspect="1"/>
+          </p:cNvPicPr>
+          <p:nvPr/>
+        </p:nvPicPr>
+        <p:blipFill>
+          <a:blip r:embed="rId4"/>
+          <a:stretch>
+            <a:fillRect/>
+          </a:stretch>
+        </p:blipFill>
+        <p:spPr>
+          <a:xfrm rot="709790">
+            <a:off x="6052054" y="2728441"/>
+            <a:ext cx="2339047" cy="2003810"/>
+          </a:xfrm>
+          <a:prstGeom prst="rect">
+            <a:avLst/>
+          </a:prstGeom>
+          <a:solidFill>
+            <a:srgbClr val="FFFFFF">
+              <a:shade val="85000"/>
+            </a:srgbClr>
+          </a:solidFill>
+          <a:ln w="190500" cap="sq">
+            <a:noFill/>
+            <a:miter lim="800000"/>
+          </a:ln>
+          <a:effectLst>
+            <a:outerShdw blurRad="65000" dist="50800" dir="12900000" kx="195000" ky="145000" algn="tl" rotWithShape="0">
+              <a:srgbClr val="000000">
+                <a:alpha val="30000"/>
+              </a:srgbClr>
+            </a:outerShdw>
+          </a:effectLst>
+          <a:scene3d>
+            <a:camera prst="orthographicFront">
+              <a:rot lat="0" lon="0" rev="360000"/>
+            </a:camera>
+            <a:lightRig rig="twoPt" dir="t">
+              <a:rot lat="0" lon="0" rev="7200000"/>
+            </a:lightRig>
+          </a:scene3d>
+          <a:sp3d contourW="12700">
+            <a:bevelT w="25400" h="19050"/>
+            <a:contourClr>
+              <a:srgbClr val="969696"/>
+            </a:contourClr>
+          </a:sp3d>
+        </p:spPr>
+      </p:pic>
+      <p:pic>
+        <p:nvPicPr>
+          <p:cNvPr id="8" name="Bildobjekt 7"/>
+          <p:cNvPicPr>
+            <a:picLocks noChangeAspect="1"/>
+          </p:cNvPicPr>
+          <p:nvPr/>
+        </p:nvPicPr>
+        <p:blipFill>
+          <a:blip r:embed="rId5"/>
+          <a:stretch>
+            <a:fillRect/>
+          </a:stretch>
+        </p:blipFill>
+        <p:spPr>
+          <a:xfrm rot="21060602">
+            <a:off x="963854" y="3782684"/>
+            <a:ext cx="3842857" cy="1980953"/>
+          </a:xfrm>
+          <a:prstGeom prst="rect">
+            <a:avLst/>
+          </a:prstGeom>
+        </p:spPr>
+      </p:pic>
+      <p:pic>
+        <p:nvPicPr>
+          <p:cNvPr id="7" name="Bildobjekt 6"/>
+          <p:cNvPicPr>
+            <a:picLocks noChangeAspect="1"/>
+          </p:cNvPicPr>
+          <p:nvPr/>
+        </p:nvPicPr>
+        <p:blipFill>
+          <a:blip r:embed="rId6"/>
+          <a:stretch>
+            <a:fillRect/>
+          </a:stretch>
+        </p:blipFill>
+        <p:spPr>
+          <a:xfrm rot="21231122">
+            <a:off x="2263787" y="4106952"/>
+            <a:ext cx="3842857" cy="1980953"/>
+          </a:xfrm>
+          <a:prstGeom prst="rect">
+            <a:avLst/>
+          </a:prstGeom>
+        </p:spPr>
+      </p:pic>
+    </p:spTree>
+    <p:extLst>
+      <p:ext uri="{BB962C8B-B14F-4D97-AF65-F5344CB8AC3E}">
+        <p14:creationId xmlns:p14="http://schemas.microsoft.com/office/powerpoint/2010/main" val="1585894940"/>
+      </p:ext>
+    </p:extLst>
   </p:cSld>
   <p:clrMapOvr>
     <a:masterClrMapping/>
@@ -6959,6 +7523,339 @@
       </p:grpSpPr>
       <p:pic>
         <p:nvPicPr>
+          <p:cNvPr id="4" name="Bildobjekt 3"/>
+          <p:cNvPicPr>
+            <a:picLocks noChangeAspect="1"/>
+          </p:cNvPicPr>
+          <p:nvPr/>
+        </p:nvPicPr>
+        <p:blipFill>
+          <a:blip r:embed="rId2">
+            <a:grayscl/>
+          </a:blip>
+          <a:stretch>
+            <a:fillRect/>
+          </a:stretch>
+        </p:blipFill>
+        <p:spPr>
+          <a:xfrm rot="479745">
+            <a:off x="966205" y="4219185"/>
+            <a:ext cx="8038095" cy="3961905"/>
+          </a:xfrm>
+          <a:prstGeom prst="rect">
+            <a:avLst/>
+          </a:prstGeom>
+          <a:noFill/>
+          <a:ln w="190500" cap="sq">
+            <a:noFill/>
+            <a:miter lim="800000"/>
+          </a:ln>
+          <a:effectLst>
+            <a:outerShdw blurRad="65000" dist="50800" dir="12900000" kx="195000" ky="145000" algn="tl" rotWithShape="0">
+              <a:srgbClr val="000000">
+                <a:alpha val="30000"/>
+              </a:srgbClr>
+            </a:outerShdw>
+          </a:effectLst>
+          <a:scene3d>
+            <a:camera prst="orthographicFront">
+              <a:rot lat="0" lon="0" rev="360000"/>
+            </a:camera>
+            <a:lightRig rig="twoPt" dir="t">
+              <a:rot lat="0" lon="0" rev="7200000"/>
+            </a:lightRig>
+          </a:scene3d>
+          <a:sp3d contourW="12700">
+            <a:bevelT w="25400" h="19050"/>
+            <a:contourClr>
+              <a:srgbClr val="969696"/>
+            </a:contourClr>
+          </a:sp3d>
+        </p:spPr>
+      </p:pic>
+      <p:sp>
+        <p:nvSpPr>
+          <p:cNvPr id="2" name="Rubrik 1"/>
+          <p:cNvSpPr>
+            <a:spLocks noGrp="1"/>
+          </p:cNvSpPr>
+          <p:nvPr>
+            <p:ph type="title"/>
+          </p:nvPr>
+        </p:nvSpPr>
+        <p:spPr/>
+        <p:txBody>
+          <a:bodyPr/>
+          <a:lstStyle/>
+          <a:p>
+            <a:r>
+              <a:rPr lang="sv-SE" dirty="0" err="1" smtClean="0"/>
+              <a:t>Entity</a:t>
+            </a:r>
+            <a:r>
+              <a:rPr lang="sv-SE" dirty="0" smtClean="0"/>
+              <a:t> </a:t>
+            </a:r>
+            <a:r>
+              <a:rPr lang="sv-SE" dirty="0" err="1" smtClean="0"/>
+              <a:t>Framework</a:t>
+            </a:r>
+            <a:r>
+              <a:rPr lang="sv-SE" dirty="0" smtClean="0"/>
+              <a:t> och objekt</a:t>
+            </a:r>
+            <a:endParaRPr lang="sv-SE" dirty="0"/>
+          </a:p>
+        </p:txBody>
+      </p:sp>
+      <p:sp>
+        <p:nvSpPr>
+          <p:cNvPr id="3" name="Platshållare för innehåll 2"/>
+          <p:cNvSpPr>
+            <a:spLocks noGrp="1"/>
+          </p:cNvSpPr>
+          <p:nvPr>
+            <p:ph idx="1"/>
+          </p:nvPr>
+        </p:nvSpPr>
+        <p:spPr/>
+        <p:txBody>
+          <a:bodyPr/>
+          <a:lstStyle/>
+          <a:p>
+            <a:r>
+              <a:rPr lang="sv-SE" dirty="0" smtClean="0"/>
+              <a:t>I </a:t>
+            </a:r>
+            <a:r>
+              <a:rPr lang="sv-SE" dirty="0" err="1" smtClean="0"/>
+              <a:t>Entity</a:t>
+            </a:r>
+            <a:r>
+              <a:rPr lang="sv-SE" dirty="0" smtClean="0"/>
+              <a:t> </a:t>
+            </a:r>
+            <a:r>
+              <a:rPr lang="sv-SE" dirty="0" err="1" smtClean="0"/>
+              <a:t>Framework</a:t>
+            </a:r>
+            <a:r>
+              <a:rPr lang="sv-SE" dirty="0" smtClean="0"/>
+              <a:t> kan objekt anslutas till eller avskiljas från ett kontextobjekt.</a:t>
+            </a:r>
+          </a:p>
+          <a:p>
+            <a:pPr lvl="1"/>
+            <a:r>
+              <a:rPr lang="sv-SE" dirty="0" smtClean="0"/>
+              <a:t>Kontextobjektet är </a:t>
+            </a:r>
+            <a:r>
+              <a:rPr lang="sv-SE" dirty="0" err="1" smtClean="0"/>
+              <a:t>instansierat</a:t>
+            </a:r>
+            <a:r>
+              <a:rPr lang="sv-SE" dirty="0" smtClean="0"/>
+              <a:t> från en klass som ärver från </a:t>
+            </a:r>
+            <a:r>
+              <a:rPr lang="sv-SE" sz="1400" dirty="0" err="1" smtClean="0">
+                <a:latin typeface="Courier New" panose="02070309020205020404" pitchFamily="49" charset="0"/>
+                <a:cs typeface="Courier New" panose="02070309020205020404" pitchFamily="49" charset="0"/>
+              </a:rPr>
+              <a:t>DbContext</a:t>
+            </a:r>
+            <a:r>
+              <a:rPr lang="sv-SE" dirty="0" smtClean="0"/>
+              <a:t>.</a:t>
+            </a:r>
+          </a:p>
+          <a:p>
+            <a:pPr lvl="1"/>
+            <a:r>
+              <a:rPr lang="sv-SE" dirty="0" smtClean="0"/>
+              <a:t>Klassen </a:t>
+            </a:r>
+            <a:r>
+              <a:rPr lang="sv-SE" sz="1400" dirty="0" err="1">
+                <a:latin typeface="Courier New" panose="02070309020205020404" pitchFamily="49" charset="0"/>
+                <a:cs typeface="Courier New" panose="02070309020205020404" pitchFamily="49" charset="0"/>
+              </a:rPr>
+              <a:t>DBContext</a:t>
+            </a:r>
+            <a:r>
+              <a:rPr lang="sv-SE" dirty="0" smtClean="0"/>
+              <a:t> ansvarar för databasanslutningen och entitetsklasserna.</a:t>
+            </a:r>
+          </a:p>
+          <a:p>
+            <a:pPr lvl="1"/>
+            <a:r>
+              <a:rPr lang="sv-SE" dirty="0" smtClean="0"/>
+              <a:t>Typiskt är varje databastabell </a:t>
+            </a:r>
+            <a:r>
+              <a:rPr lang="sv-SE" dirty="0" err="1" smtClean="0"/>
+              <a:t>mappat</a:t>
+            </a:r>
+            <a:r>
+              <a:rPr lang="sv-SE" dirty="0" smtClean="0"/>
+              <a:t> till en entitetsklass (C#-klass).</a:t>
+            </a:r>
+          </a:p>
+          <a:p>
+            <a:r>
+              <a:rPr lang="sv-SE" dirty="0" smtClean="0"/>
+              <a:t>Anslutna objekt, entitetsobjekt, spåras och hanteras av kontextobjektet.</a:t>
+            </a:r>
+          </a:p>
+          <a:p>
+            <a:pPr lvl="1"/>
+            <a:r>
+              <a:rPr lang="sv-SE" sz="1400" dirty="0" err="1" smtClean="0">
+                <a:latin typeface="Courier New" panose="02070309020205020404" pitchFamily="49" charset="0"/>
+                <a:cs typeface="Courier New" panose="02070309020205020404" pitchFamily="49" charset="0"/>
+              </a:rPr>
+              <a:t>SaveChanges</a:t>
+            </a:r>
+            <a:r>
+              <a:rPr lang="sv-SE" sz="1400" dirty="0" smtClean="0">
+                <a:latin typeface="Courier New" panose="02070309020205020404" pitchFamily="49" charset="0"/>
+                <a:cs typeface="Courier New" panose="02070309020205020404" pitchFamily="49" charset="0"/>
+              </a:rPr>
+              <a:t>()</a:t>
+            </a:r>
+            <a:r>
+              <a:rPr lang="sv-SE" dirty="0" smtClean="0"/>
+              <a:t> sparar alla ändringar persistent.</a:t>
+            </a:r>
+          </a:p>
+          <a:p>
+            <a:r>
+              <a:rPr lang="sv-SE" dirty="0" smtClean="0"/>
+              <a:t>Objekt som inte är anslutna till kontextobjektet spåras eller hanteras inte.</a:t>
+            </a:r>
+          </a:p>
+          <a:p>
+            <a:pPr lvl="1"/>
+            <a:r>
+              <a:rPr lang="sv-SE" dirty="0" smtClean="0"/>
+              <a:t>Beter sig som normala objekt, d.v.s. som alla andra objekt som inte har med </a:t>
+            </a:r>
+            <a:r>
+              <a:rPr lang="sv-SE" dirty="0" err="1" smtClean="0"/>
+              <a:t>Entity</a:t>
+            </a:r>
+            <a:r>
+              <a:rPr lang="sv-SE" dirty="0" smtClean="0"/>
+              <a:t> </a:t>
+            </a:r>
+            <a:r>
+              <a:rPr lang="sv-SE" dirty="0" err="1" smtClean="0"/>
+              <a:t>Framework</a:t>
+            </a:r>
+            <a:r>
+              <a:rPr lang="sv-SE" dirty="0" smtClean="0"/>
+              <a:t> att göra.</a:t>
+            </a:r>
+            <a:endParaRPr lang="sv-SE" dirty="0"/>
+          </a:p>
+        </p:txBody>
+      </p:sp>
+      <p:pic>
+        <p:nvPicPr>
+          <p:cNvPr id="5" name="Bildobjekt 4"/>
+          <p:cNvPicPr>
+            <a:picLocks noChangeAspect="1"/>
+          </p:cNvPicPr>
+          <p:nvPr/>
+        </p:nvPicPr>
+        <p:blipFill>
+          <a:blip r:embed="rId3">
+            <a:grayscl/>
+          </a:blip>
+          <a:stretch>
+            <a:fillRect/>
+          </a:stretch>
+        </p:blipFill>
+        <p:spPr>
+          <a:xfrm>
+            <a:off x="5526493" y="4385059"/>
+            <a:ext cx="3714286" cy="1257143"/>
+          </a:xfrm>
+          <a:prstGeom prst="rect">
+            <a:avLst/>
+          </a:prstGeom>
+          <a:noFill/>
+          <a:ln w="190500" cap="sq">
+            <a:noFill/>
+            <a:miter lim="800000"/>
+          </a:ln>
+          <a:effectLst>
+            <a:outerShdw blurRad="65000" dist="50800" dir="12900000" kx="195000" ky="145000" algn="tl" rotWithShape="0">
+              <a:srgbClr val="000000">
+                <a:alpha val="30000"/>
+              </a:srgbClr>
+            </a:outerShdw>
+          </a:effectLst>
+          <a:scene3d>
+            <a:camera prst="orthographicFront">
+              <a:rot lat="0" lon="0" rev="360000"/>
+            </a:camera>
+            <a:lightRig rig="twoPt" dir="t">
+              <a:rot lat="0" lon="0" rev="7200000"/>
+            </a:lightRig>
+          </a:scene3d>
+          <a:sp3d contourW="12700">
+            <a:bevelT w="25400" h="19050"/>
+            <a:contourClr>
+              <a:srgbClr val="969696"/>
+            </a:contourClr>
+          </a:sp3d>
+        </p:spPr>
+      </p:pic>
+    </p:spTree>
+    <p:extLst>
+      <p:ext uri="{BB962C8B-B14F-4D97-AF65-F5344CB8AC3E}">
+        <p14:creationId xmlns:p14="http://schemas.microsoft.com/office/powerpoint/2010/main" val="702022601"/>
+      </p:ext>
+    </p:extLst>
+  </p:cSld>
+  <p:clrMapOvr>
+    <a:masterClrMapping/>
+  </p:clrMapOvr>
+  <p:transition>
+    <p:random/>
+  </p:transition>
+  <p:timing>
+    <p:tnLst>
+      <p:par>
+        <p:cTn id="1" dur="indefinite" restart="never" nodeType="tmRoot"/>
+      </p:par>
+    </p:tnLst>
+  </p:timing>
+</p:sld>
+</file>
+
+<file path=ppt/slides/slide8.xml><?xml version="1.0" encoding="utf-8"?>
+<p:sld xmlns:a="http://schemas.openxmlformats.org/drawingml/2006/main" xmlns:r="http://schemas.openxmlformats.org/officeDocument/2006/relationships" xmlns:p="http://schemas.openxmlformats.org/presentationml/2006/main">
+  <p:cSld>
+    <p:spTree>
+      <p:nvGrpSpPr>
+        <p:cNvPr id="1" name=""/>
+        <p:cNvGrpSpPr/>
+        <p:nvPr/>
+      </p:nvGrpSpPr>
+      <p:grpSpPr>
+        <a:xfrm>
+          <a:off x="0" y="0"/>
+          <a:ext cx="0" cy="0"/>
+          <a:chOff x="0" y="0"/>
+          <a:chExt cx="0" cy="0"/>
+        </a:xfrm>
+      </p:grpSpPr>
+      <p:pic>
+        <p:nvPicPr>
           <p:cNvPr id="5" name="Bildobjekt 4"/>
           <p:cNvPicPr>
             <a:picLocks noChangeAspect="1"/>
@@ -7165,7 +8062,6 @@
               <a:rPr lang="sv-SE" sz="1600" dirty="0" smtClean="0"/>
               <a:t>.</a:t>
             </a:r>
-            <a:endParaRPr lang="sv-SE" sz="1600" dirty="0" smtClean="0"/>
           </a:p>
           <a:p>
             <a:pPr lvl="1"/>
@@ -7358,7 +8254,7 @@
 </p:sld>
 </file>
 
-<file path=ppt/slides/slide8.xml><?xml version="1.0" encoding="utf-8"?>
+<file path=ppt/slides/slide9.xml><?xml version="1.0" encoding="utf-8"?>
 <p:sld xmlns:a="http://schemas.openxmlformats.org/drawingml/2006/main" xmlns:r="http://schemas.openxmlformats.org/officeDocument/2006/relationships" xmlns:p="http://schemas.openxmlformats.org/presentationml/2006/main">
   <p:cSld>
     <p:spTree>
@@ -7995,19 +8891,7 @@
             </a:r>
             <a:r>
               <a:rPr lang="sv-SE" dirty="0" smtClean="0"/>
-              <a:t>-objekt, utgör modellen som skickas till vyn som visar födelsedatat i ett formulär. </a:t>
-            </a:r>
-            <a:r>
-              <a:rPr lang="sv-SE" dirty="0" smtClean="0"/>
-              <a:t>Saknar parametern värde blir det en 400:a. Hittas </a:t>
-            </a:r>
-            <a:r>
-              <a:rPr lang="sv-SE" dirty="0" smtClean="0"/>
-              <a:t>inte någon post med specificerat id </a:t>
-            </a:r>
-            <a:r>
-              <a:rPr lang="sv-SE" dirty="0" smtClean="0"/>
-              <a:t>blir det en 404:a.</a:t>
+              <a:t>-objekt, utgör modellen som skickas till vyn som visar födelsedatat i ett formulär. Saknar parametern värde blir det en 400:a. Hittas inte någon post med specificerat id blir det en 404:a.</a:t>
             </a:r>
             <a:endParaRPr lang="sv-SE" dirty="0"/>
           </a:p>
@@ -8160,273 +9044,6 @@
           </a:fontRef>
         </p:style>
       </p:cxnSp>
-    </p:spTree>
-  </p:cSld>
-  <p:clrMapOvr>
-    <a:masterClrMapping/>
-  </p:clrMapOvr>
-  <p:transition>
-    <p:random/>
-  </p:transition>
-  <p:timing>
-    <p:tnLst>
-      <p:par>
-        <p:cTn id="1" dur="indefinite" restart="never" nodeType="tmRoot"/>
-      </p:par>
-    </p:tnLst>
-  </p:timing>
-</p:sld>
-</file>
-
-<file path=ppt/slides/slide9.xml><?xml version="1.0" encoding="utf-8"?>
-<p:sld xmlns:a="http://schemas.openxmlformats.org/drawingml/2006/main" xmlns:r="http://schemas.openxmlformats.org/officeDocument/2006/relationships" xmlns:p="http://schemas.openxmlformats.org/presentationml/2006/main">
-  <p:cSld>
-    <p:spTree>
-      <p:nvGrpSpPr>
-        <p:cNvPr id="1" name=""/>
-        <p:cNvGrpSpPr/>
-        <p:nvPr/>
-      </p:nvGrpSpPr>
-      <p:grpSpPr>
-        <a:xfrm>
-          <a:off x="0" y="0"/>
-          <a:ext cx="0" cy="0"/>
-          <a:chOff x="0" y="0"/>
-          <a:chExt cx="0" cy="0"/>
-        </a:xfrm>
-      </p:grpSpPr>
-      <p:pic>
-        <p:nvPicPr>
-          <p:cNvPr id="7172" name="Picture 4"/>
-          <p:cNvPicPr>
-            <a:picLocks noChangeAspect="1" noChangeArrowheads="1"/>
-          </p:cNvPicPr>
-          <p:nvPr/>
-        </p:nvPicPr>
-        <p:blipFill>
-          <a:blip r:embed="rId2">
-            <a:extLst>
-              <a:ext uri="{28A0092B-C50C-407E-A947-70E740481C1C}">
-                <a14:useLocalDpi xmlns:a14="http://schemas.microsoft.com/office/drawing/2010/main" val="0"/>
-              </a:ext>
-            </a:extLst>
-          </a:blip>
-          <a:srcRect/>
-          <a:stretch>
-            <a:fillRect/>
-          </a:stretch>
-        </p:blipFill>
-        <p:spPr bwMode="auto">
-          <a:xfrm rot="540000">
-            <a:off x="2789639" y="2298384"/>
-            <a:ext cx="8685213" cy="3800475"/>
-          </a:xfrm>
-          <a:prstGeom prst="rect">
-            <a:avLst/>
-          </a:prstGeom>
-          <a:noFill/>
-          <a:scene3d>
-            <a:camera prst="perspectiveRelaxed"/>
-            <a:lightRig rig="threePt" dir="t"/>
-          </a:scene3d>
-          <a:extLst>
-            <a:ext uri="{909E8E84-426E-40DD-AFC4-6F175D3DCCD1}">
-              <a14:hiddenFill xmlns:a14="http://schemas.microsoft.com/office/drawing/2010/main">
-                <a:solidFill>
-                  <a:schemeClr val="accent1"/>
-                </a:solidFill>
-              </a14:hiddenFill>
-            </a:ext>
-            <a:ext uri="{91240B29-F687-4F45-9708-019B960494DF}">
-              <a14:hiddenLine xmlns:a14="http://schemas.microsoft.com/office/drawing/2010/main" w="9525">
-                <a:solidFill>
-                  <a:schemeClr val="tx1"/>
-                </a:solidFill>
-                <a:miter lim="800000"/>
-                <a:headEnd/>
-                <a:tailEnd/>
-              </a14:hiddenLine>
-            </a:ext>
-          </a:extLst>
-        </p:spPr>
-      </p:pic>
-      <p:pic>
-        <p:nvPicPr>
-          <p:cNvPr id="2050" name="Picture 2" descr="C:\Users\mats\AppData\Local\Temp\SNAGHTML91cd969.PNG"/>
-          <p:cNvPicPr>
-            <a:picLocks noChangeAspect="1" noChangeArrowheads="1"/>
-          </p:cNvPicPr>
-          <p:nvPr/>
-        </p:nvPicPr>
-        <p:blipFill>
-          <a:blip r:embed="rId3">
-            <a:duotone>
-              <a:schemeClr val="bg2">
-                <a:shade val="45000"/>
-                <a:satMod val="135000"/>
-              </a:schemeClr>
-              <a:prstClr val="white"/>
-            </a:duotone>
-            <a:extLst>
-              <a:ext uri="{28A0092B-C50C-407E-A947-70E740481C1C}">
-                <a14:useLocalDpi xmlns:a14="http://schemas.microsoft.com/office/drawing/2010/main" val="0"/>
-              </a:ext>
-            </a:extLst>
-          </a:blip>
-          <a:srcRect/>
-          <a:stretch>
-            <a:fillRect/>
-          </a:stretch>
-        </p:blipFill>
-        <p:spPr bwMode="auto">
-          <a:xfrm rot="300000">
-            <a:off x="5997" y="5127176"/>
-            <a:ext cx="8365962" cy="352075"/>
-          </a:xfrm>
-          <a:prstGeom prst="rect">
-            <a:avLst/>
-          </a:prstGeom>
-          <a:noFill/>
-          <a:ln w="9525">
-            <a:noFill/>
-            <a:miter lim="800000"/>
-            <a:headEnd/>
-            <a:tailEnd/>
-          </a:ln>
-          <a:extLst>
-            <a:ext uri="{909E8E84-426E-40DD-AFC4-6F175D3DCCD1}">
-              <a14:hiddenFill xmlns:a14="http://schemas.microsoft.com/office/drawing/2010/main">
-                <a:solidFill>
-                  <a:srgbClr val="FFFFFF"/>
-                </a:solidFill>
-              </a14:hiddenFill>
-            </a:ext>
-          </a:extLst>
-        </p:spPr>
-      </p:pic>
-      <p:sp>
-        <p:nvSpPr>
-          <p:cNvPr id="3" name="Platshållare för innehåll 2"/>
-          <p:cNvSpPr>
-            <a:spLocks noGrp="1"/>
-          </p:cNvSpPr>
-          <p:nvPr>
-            <p:ph idx="1"/>
-          </p:nvPr>
-        </p:nvSpPr>
-        <p:spPr/>
-        <p:txBody>
-          <a:bodyPr/>
-          <a:lstStyle/>
-          <a:p>
-            <a:r>
-              <a:rPr lang="sv-SE" dirty="0" smtClean="0"/>
-              <a:t>Med </a:t>
-            </a:r>
-            <a:r>
-              <a:rPr lang="sv-SE" sz="1600" dirty="0" smtClean="0">
-                <a:latin typeface="Courier New" pitchFamily="49" charset="0"/>
-                <a:cs typeface="Courier New" pitchFamily="49" charset="0"/>
-              </a:rPr>
-              <a:t>Html.ActionLink</a:t>
-            </a:r>
-            <a:r>
-              <a:rPr lang="sv-SE" dirty="0" smtClean="0"/>
-              <a:t> , där controllerklass, metod och parameter anges, kan en länk till en </a:t>
-            </a:r>
-            <a:r>
-              <a:rPr lang="sv-SE" i="1" dirty="0" smtClean="0"/>
-              <a:t>action method</a:t>
-            </a:r>
-            <a:r>
-              <a:rPr lang="sv-SE" dirty="0" smtClean="0"/>
-              <a:t> genereras.</a:t>
-            </a:r>
-            <a:endParaRPr lang="sv-SE" dirty="0"/>
-          </a:p>
-        </p:txBody>
-      </p:sp>
-      <p:sp>
-        <p:nvSpPr>
-          <p:cNvPr id="2" name="Rubrik 1"/>
-          <p:cNvSpPr>
-            <a:spLocks noGrp="1"/>
-          </p:cNvSpPr>
-          <p:nvPr>
-            <p:ph type="title"/>
-          </p:nvPr>
-        </p:nvSpPr>
-        <p:spPr/>
-        <p:txBody>
-          <a:bodyPr/>
-          <a:lstStyle/>
-          <a:p>
-            <a:r>
-              <a:rPr lang="sv-SE" dirty="0" smtClean="0"/>
-              <a:t>Men hur kan ett id skickas till en </a:t>
-            </a:r>
-            <a:r>
-              <a:rPr lang="sv-SE" i="1" dirty="0" smtClean="0"/>
-              <a:t>action method</a:t>
-            </a:r>
-            <a:r>
-              <a:rPr lang="sv-SE" dirty="0" smtClean="0"/>
-              <a:t> ?</a:t>
-            </a:r>
-            <a:endParaRPr lang="sv-SE" dirty="0"/>
-          </a:p>
-        </p:txBody>
-      </p:sp>
-      <p:pic>
-        <p:nvPicPr>
-          <p:cNvPr id="6" name="Bildobjekt 5"/>
-          <p:cNvPicPr>
-            <a:picLocks noChangeAspect="1"/>
-          </p:cNvPicPr>
-          <p:nvPr/>
-        </p:nvPicPr>
-        <p:blipFill>
-          <a:blip r:embed="rId4"/>
-          <a:stretch>
-            <a:fillRect/>
-          </a:stretch>
-        </p:blipFill>
-        <p:spPr>
-          <a:xfrm rot="240000">
-            <a:off x="456643" y="1089510"/>
-            <a:ext cx="6628474" cy="3365754"/>
-          </a:xfrm>
-          <a:prstGeom prst="rect">
-            <a:avLst/>
-          </a:prstGeom>
-          <a:noFill/>
-          <a:ln w="101600" cap="sq">
-            <a:noFill/>
-            <a:miter lim="800000"/>
-          </a:ln>
-          <a:effectLst>
-            <a:outerShdw blurRad="57150" dist="37500" dir="7560000" sy="98000" kx="110000" ky="200000" algn="tl" rotWithShape="0">
-              <a:srgbClr val="000000">
-                <a:alpha val="20000"/>
-              </a:srgbClr>
-            </a:outerShdw>
-          </a:effectLst>
-          <a:scene3d>
-            <a:camera prst="perspectiveRelaxed">
-              <a:rot lat="18960000" lon="0" rev="0"/>
-            </a:camera>
-            <a:lightRig rig="twoPt" dir="t">
-              <a:rot lat="0" lon="0" rev="7200000"/>
-            </a:lightRig>
-          </a:scene3d>
-          <a:sp3d prstMaterial="matte">
-            <a:bevelT w="0" h="0"/>
-            <a:contourClr>
-              <a:srgbClr val="FFFFFF"/>
-            </a:contourClr>
-          </a:sp3d>
-        </p:spPr>
-      </p:pic>
     </p:spTree>
   </p:cSld>
   <p:clrMapOvr>
